--- a/fall15/slidesF15/hypothesis-testing.pptx
+++ b/fall15/slidesF15/hypothesis-testing.pptx
@@ -5,10 +5,10 @@
     <p:sldMasterId id="2147483650" r:id="rId1"/>
   </p:sldMasterIdLst>
   <p:notesMasterIdLst>
-    <p:notesMasterId r:id="rId50"/>
+    <p:notesMasterId r:id="rId54"/>
   </p:notesMasterIdLst>
   <p:handoutMasterIdLst>
-    <p:handoutMasterId r:id="rId51"/>
+    <p:handoutMasterId r:id="rId55"/>
   </p:handoutMasterIdLst>
   <p:sldIdLst>
     <p:sldId id="322" r:id="rId2"/>
@@ -33,37 +33,41 @@
     <p:sldId id="403" r:id="rId21"/>
     <p:sldId id="405" r:id="rId22"/>
     <p:sldId id="407" r:id="rId23"/>
-    <p:sldId id="406" r:id="rId24"/>
-    <p:sldId id="408" r:id="rId25"/>
-    <p:sldId id="412" r:id="rId26"/>
-    <p:sldId id="413" r:id="rId27"/>
-    <p:sldId id="409" r:id="rId28"/>
-    <p:sldId id="410" r:id="rId29"/>
-    <p:sldId id="411" r:id="rId30"/>
-    <p:sldId id="383" r:id="rId31"/>
-    <p:sldId id="404" r:id="rId32"/>
-    <p:sldId id="384" r:id="rId33"/>
-    <p:sldId id="385" r:id="rId34"/>
-    <p:sldId id="386" r:id="rId35"/>
-    <p:sldId id="387" r:id="rId36"/>
-    <p:sldId id="388" r:id="rId37"/>
-    <p:sldId id="389" r:id="rId38"/>
-    <p:sldId id="390" r:id="rId39"/>
-    <p:sldId id="391" r:id="rId40"/>
-    <p:sldId id="392" r:id="rId41"/>
-    <p:sldId id="393" r:id="rId42"/>
-    <p:sldId id="394" r:id="rId43"/>
-    <p:sldId id="395" r:id="rId44"/>
-    <p:sldId id="396" r:id="rId45"/>
-    <p:sldId id="397" r:id="rId46"/>
-    <p:sldId id="398" r:id="rId47"/>
-    <p:sldId id="399" r:id="rId48"/>
-    <p:sldId id="400" r:id="rId49"/>
+    <p:sldId id="417" r:id="rId24"/>
+    <p:sldId id="406" r:id="rId25"/>
+    <p:sldId id="408" r:id="rId26"/>
+    <p:sldId id="412" r:id="rId27"/>
+    <p:sldId id="413" r:id="rId28"/>
+    <p:sldId id="416" r:id="rId29"/>
+    <p:sldId id="418" r:id="rId30"/>
+    <p:sldId id="409" r:id="rId31"/>
+    <p:sldId id="410" r:id="rId32"/>
+    <p:sldId id="383" r:id="rId33"/>
+    <p:sldId id="404" r:id="rId34"/>
+    <p:sldId id="384" r:id="rId35"/>
+    <p:sldId id="385" r:id="rId36"/>
+    <p:sldId id="386" r:id="rId37"/>
+    <p:sldId id="387" r:id="rId38"/>
+    <p:sldId id="388" r:id="rId39"/>
+    <p:sldId id="389" r:id="rId40"/>
+    <p:sldId id="390" r:id="rId41"/>
+    <p:sldId id="391" r:id="rId42"/>
+    <p:sldId id="392" r:id="rId43"/>
+    <p:sldId id="414" r:id="rId44"/>
+    <p:sldId id="415" r:id="rId45"/>
+    <p:sldId id="393" r:id="rId46"/>
+    <p:sldId id="394" r:id="rId47"/>
+    <p:sldId id="395" r:id="rId48"/>
+    <p:sldId id="396" r:id="rId49"/>
+    <p:sldId id="397" r:id="rId50"/>
+    <p:sldId id="398" r:id="rId51"/>
+    <p:sldId id="399" r:id="rId52"/>
+    <p:sldId id="400" r:id="rId53"/>
   </p:sldIdLst>
   <p:sldSz cx="9144000" cy="6858000" type="screen4x3"/>
   <p:notesSz cx="9601200" cy="7315200"/>
   <p:custDataLst>
-    <p:tags r:id="rId53"/>
+    <p:tags r:id="rId57"/>
   </p:custDataLst>
   <p:defaultTextStyle>
     <a:defPPr>
@@ -3985,6 +3989,358 @@
 </p:notes>
 </file>
 
+<file path=ppt/notesSlides/notesSlide41.xml><?xml version="1.0" encoding="utf-8"?>
+<p:notes xmlns:a="http://schemas.openxmlformats.org/drawingml/2006/main" xmlns:r="http://schemas.openxmlformats.org/officeDocument/2006/relationships" xmlns:p="http://schemas.openxmlformats.org/presentationml/2006/main">
+  <p:cSld>
+    <p:spTree>
+      <p:nvGrpSpPr>
+        <p:cNvPr id="1" name=""/>
+        <p:cNvGrpSpPr/>
+        <p:nvPr/>
+      </p:nvGrpSpPr>
+      <p:grpSpPr>
+        <a:xfrm>
+          <a:off x="0" y="0"/>
+          <a:ext cx="0" cy="0"/>
+          <a:chOff x="0" y="0"/>
+          <a:chExt cx="0" cy="0"/>
+        </a:xfrm>
+      </p:grpSpPr>
+      <p:sp>
+        <p:nvSpPr>
+          <p:cNvPr id="69634" name="Rectangle 7"/>
+          <p:cNvSpPr>
+            <a:spLocks noGrp="1" noChangeArrowheads="1"/>
+          </p:cNvSpPr>
+          <p:nvPr>
+            <p:ph type="sldNum" sz="quarter" idx="5"/>
+          </p:nvPr>
+        </p:nvSpPr>
+        <p:spPr>
+          <a:noFill/>
+        </p:spPr>
+        <p:txBody>
+          <a:bodyPr/>
+          <a:lstStyle/>
+          <a:p>
+            <a:fld id="{47D539D4-74E1-492A-9468-BA66B65E4B96}" type="slidenum">
+              <a:rPr lang="en-US" smtClean="0"/>
+              <a:pPr/>
+              <a:t>43</a:t>
+            </a:fld>
+            <a:endParaRPr lang="en-US" smtClean="0"/>
+          </a:p>
+        </p:txBody>
+      </p:sp>
+      <p:sp>
+        <p:nvSpPr>
+          <p:cNvPr id="69635" name="Rectangle 2"/>
+          <p:cNvSpPr>
+            <a:spLocks noGrp="1" noRot="1" noChangeAspect="1" noChangeArrowheads="1" noTextEdit="1"/>
+          </p:cNvSpPr>
+          <p:nvPr>
+            <p:ph type="sldImg"/>
+          </p:nvPr>
+        </p:nvSpPr>
+        <p:spPr>
+          <a:ln/>
+        </p:spPr>
+      </p:sp>
+      <p:sp>
+        <p:nvSpPr>
+          <p:cNvPr id="69636" name="Rectangle 3"/>
+          <p:cNvSpPr>
+            <a:spLocks noGrp="1" noChangeArrowheads="1"/>
+          </p:cNvSpPr>
+          <p:nvPr>
+            <p:ph type="body" idx="1"/>
+          </p:nvPr>
+        </p:nvSpPr>
+        <p:spPr>
+          <a:noFill/>
+          <a:ln/>
+        </p:spPr>
+        <p:txBody>
+          <a:bodyPr/>
+          <a:lstStyle/>
+          <a:p>
+            <a:pPr eaLnBrk="1" hangingPunct="1"/>
+            <a:endParaRPr lang="en-US" smtClean="0"/>
+          </a:p>
+        </p:txBody>
+      </p:sp>
+    </p:spTree>
+  </p:cSld>
+  <p:clrMapOvr>
+    <a:masterClrMapping/>
+  </p:clrMapOvr>
+</p:notes>
+</file>
+
+<file path=ppt/notesSlides/notesSlide42.xml><?xml version="1.0" encoding="utf-8"?>
+<p:notes xmlns:a="http://schemas.openxmlformats.org/drawingml/2006/main" xmlns:r="http://schemas.openxmlformats.org/officeDocument/2006/relationships" xmlns:p="http://schemas.openxmlformats.org/presentationml/2006/main">
+  <p:cSld>
+    <p:spTree>
+      <p:nvGrpSpPr>
+        <p:cNvPr id="1" name=""/>
+        <p:cNvGrpSpPr/>
+        <p:nvPr/>
+      </p:nvGrpSpPr>
+      <p:grpSpPr>
+        <a:xfrm>
+          <a:off x="0" y="0"/>
+          <a:ext cx="0" cy="0"/>
+          <a:chOff x="0" y="0"/>
+          <a:chExt cx="0" cy="0"/>
+        </a:xfrm>
+      </p:grpSpPr>
+      <p:sp>
+        <p:nvSpPr>
+          <p:cNvPr id="69634" name="Rectangle 7"/>
+          <p:cNvSpPr>
+            <a:spLocks noGrp="1" noChangeArrowheads="1"/>
+          </p:cNvSpPr>
+          <p:nvPr>
+            <p:ph type="sldNum" sz="quarter" idx="5"/>
+          </p:nvPr>
+        </p:nvSpPr>
+        <p:spPr>
+          <a:noFill/>
+        </p:spPr>
+        <p:txBody>
+          <a:bodyPr/>
+          <a:lstStyle/>
+          <a:p>
+            <a:fld id="{47D539D4-74E1-492A-9468-BA66B65E4B96}" type="slidenum">
+              <a:rPr lang="en-US" smtClean="0"/>
+              <a:pPr/>
+              <a:t>44</a:t>
+            </a:fld>
+            <a:endParaRPr lang="en-US" smtClean="0"/>
+          </a:p>
+        </p:txBody>
+      </p:sp>
+      <p:sp>
+        <p:nvSpPr>
+          <p:cNvPr id="69635" name="Rectangle 2"/>
+          <p:cNvSpPr>
+            <a:spLocks noGrp="1" noRot="1" noChangeAspect="1" noChangeArrowheads="1" noTextEdit="1"/>
+          </p:cNvSpPr>
+          <p:nvPr>
+            <p:ph type="sldImg"/>
+          </p:nvPr>
+        </p:nvSpPr>
+        <p:spPr>
+          <a:ln/>
+        </p:spPr>
+      </p:sp>
+      <p:sp>
+        <p:nvSpPr>
+          <p:cNvPr id="69636" name="Rectangle 3"/>
+          <p:cNvSpPr>
+            <a:spLocks noGrp="1" noChangeArrowheads="1"/>
+          </p:cNvSpPr>
+          <p:nvPr>
+            <p:ph type="body" idx="1"/>
+          </p:nvPr>
+        </p:nvSpPr>
+        <p:spPr>
+          <a:noFill/>
+          <a:ln/>
+        </p:spPr>
+        <p:txBody>
+          <a:bodyPr/>
+          <a:lstStyle/>
+          <a:p>
+            <a:pPr eaLnBrk="1" hangingPunct="1"/>
+            <a:endParaRPr lang="en-US" smtClean="0"/>
+          </a:p>
+        </p:txBody>
+      </p:sp>
+    </p:spTree>
+  </p:cSld>
+  <p:clrMapOvr>
+    <a:masterClrMapping/>
+  </p:clrMapOvr>
+</p:notes>
+</file>
+
+<file path=ppt/notesSlides/notesSlide43.xml><?xml version="1.0" encoding="utf-8"?>
+<p:notes xmlns:a="http://schemas.openxmlformats.org/drawingml/2006/main" xmlns:r="http://schemas.openxmlformats.org/officeDocument/2006/relationships" xmlns:p="http://schemas.openxmlformats.org/presentationml/2006/main">
+  <p:cSld>
+    <p:spTree>
+      <p:nvGrpSpPr>
+        <p:cNvPr id="1" name=""/>
+        <p:cNvGrpSpPr/>
+        <p:nvPr/>
+      </p:nvGrpSpPr>
+      <p:grpSpPr>
+        <a:xfrm>
+          <a:off x="0" y="0"/>
+          <a:ext cx="0" cy="0"/>
+          <a:chOff x="0" y="0"/>
+          <a:chExt cx="0" cy="0"/>
+        </a:xfrm>
+      </p:grpSpPr>
+      <p:sp>
+        <p:nvSpPr>
+          <p:cNvPr id="69634" name="Rectangle 7"/>
+          <p:cNvSpPr>
+            <a:spLocks noGrp="1" noChangeArrowheads="1"/>
+          </p:cNvSpPr>
+          <p:nvPr>
+            <p:ph type="sldNum" sz="quarter" idx="5"/>
+          </p:nvPr>
+        </p:nvSpPr>
+        <p:spPr>
+          <a:noFill/>
+        </p:spPr>
+        <p:txBody>
+          <a:bodyPr/>
+          <a:lstStyle/>
+          <a:p>
+            <a:fld id="{47D539D4-74E1-492A-9468-BA66B65E4B96}" type="slidenum">
+              <a:rPr lang="en-US" smtClean="0"/>
+              <a:pPr/>
+              <a:t>45</a:t>
+            </a:fld>
+            <a:endParaRPr lang="en-US" smtClean="0"/>
+          </a:p>
+        </p:txBody>
+      </p:sp>
+      <p:sp>
+        <p:nvSpPr>
+          <p:cNvPr id="69635" name="Rectangle 2"/>
+          <p:cNvSpPr>
+            <a:spLocks noGrp="1" noRot="1" noChangeAspect="1" noChangeArrowheads="1" noTextEdit="1"/>
+          </p:cNvSpPr>
+          <p:nvPr>
+            <p:ph type="sldImg"/>
+          </p:nvPr>
+        </p:nvSpPr>
+        <p:spPr>
+          <a:ln/>
+        </p:spPr>
+      </p:sp>
+      <p:sp>
+        <p:nvSpPr>
+          <p:cNvPr id="69636" name="Rectangle 3"/>
+          <p:cNvSpPr>
+            <a:spLocks noGrp="1" noChangeArrowheads="1"/>
+          </p:cNvSpPr>
+          <p:nvPr>
+            <p:ph type="body" idx="1"/>
+          </p:nvPr>
+        </p:nvSpPr>
+        <p:spPr>
+          <a:noFill/>
+          <a:ln/>
+        </p:spPr>
+        <p:txBody>
+          <a:bodyPr/>
+          <a:lstStyle/>
+          <a:p>
+            <a:pPr eaLnBrk="1" hangingPunct="1"/>
+            <a:endParaRPr lang="en-US" smtClean="0"/>
+          </a:p>
+        </p:txBody>
+      </p:sp>
+    </p:spTree>
+  </p:cSld>
+  <p:clrMapOvr>
+    <a:masterClrMapping/>
+  </p:clrMapOvr>
+</p:notes>
+</file>
+
+<file path=ppt/notesSlides/notesSlide44.xml><?xml version="1.0" encoding="utf-8"?>
+<p:notes xmlns:a="http://schemas.openxmlformats.org/drawingml/2006/main" xmlns:r="http://schemas.openxmlformats.org/officeDocument/2006/relationships" xmlns:p="http://schemas.openxmlformats.org/presentationml/2006/main">
+  <p:cSld>
+    <p:spTree>
+      <p:nvGrpSpPr>
+        <p:cNvPr id="1" name=""/>
+        <p:cNvGrpSpPr/>
+        <p:nvPr/>
+      </p:nvGrpSpPr>
+      <p:grpSpPr>
+        <a:xfrm>
+          <a:off x="0" y="0"/>
+          <a:ext cx="0" cy="0"/>
+          <a:chOff x="0" y="0"/>
+          <a:chExt cx="0" cy="0"/>
+        </a:xfrm>
+      </p:grpSpPr>
+      <p:sp>
+        <p:nvSpPr>
+          <p:cNvPr id="69634" name="Rectangle 7"/>
+          <p:cNvSpPr>
+            <a:spLocks noGrp="1" noChangeArrowheads="1"/>
+          </p:cNvSpPr>
+          <p:nvPr>
+            <p:ph type="sldNum" sz="quarter" idx="5"/>
+          </p:nvPr>
+        </p:nvSpPr>
+        <p:spPr>
+          <a:noFill/>
+        </p:spPr>
+        <p:txBody>
+          <a:bodyPr/>
+          <a:lstStyle/>
+          <a:p>
+            <a:fld id="{47D539D4-74E1-492A-9468-BA66B65E4B96}" type="slidenum">
+              <a:rPr lang="en-US" smtClean="0"/>
+              <a:pPr/>
+              <a:t>46</a:t>
+            </a:fld>
+            <a:endParaRPr lang="en-US" smtClean="0"/>
+          </a:p>
+        </p:txBody>
+      </p:sp>
+      <p:sp>
+        <p:nvSpPr>
+          <p:cNvPr id="69635" name="Rectangle 2"/>
+          <p:cNvSpPr>
+            <a:spLocks noGrp="1" noRot="1" noChangeAspect="1" noChangeArrowheads="1" noTextEdit="1"/>
+          </p:cNvSpPr>
+          <p:nvPr>
+            <p:ph type="sldImg"/>
+          </p:nvPr>
+        </p:nvSpPr>
+        <p:spPr>
+          <a:ln/>
+        </p:spPr>
+      </p:sp>
+      <p:sp>
+        <p:nvSpPr>
+          <p:cNvPr id="69636" name="Rectangle 3"/>
+          <p:cNvSpPr>
+            <a:spLocks noGrp="1" noChangeArrowheads="1"/>
+          </p:cNvSpPr>
+          <p:nvPr>
+            <p:ph type="body" idx="1"/>
+          </p:nvPr>
+        </p:nvSpPr>
+        <p:spPr>
+          <a:noFill/>
+          <a:ln/>
+        </p:spPr>
+        <p:txBody>
+          <a:bodyPr/>
+          <a:lstStyle/>
+          <a:p>
+            <a:pPr eaLnBrk="1" hangingPunct="1"/>
+            <a:endParaRPr lang="en-US" smtClean="0"/>
+          </a:p>
+        </p:txBody>
+      </p:sp>
+    </p:spTree>
+  </p:cSld>
+  <p:clrMapOvr>
+    <a:masterClrMapping/>
+  </p:clrMapOvr>
+</p:notes>
+</file>
+
 <file path=ppt/notesSlides/notesSlide5.xml><?xml version="1.0" encoding="utf-8"?>
 <p:notes xmlns:a="http://schemas.openxmlformats.org/drawingml/2006/main" xmlns:r="http://schemas.openxmlformats.org/officeDocument/2006/relationships" xmlns:p="http://schemas.openxmlformats.org/presentationml/2006/main">
   <p:cSld>
@@ -5263,37 +5619,7 @@
                 <a:uFillTx/>
                 <a:latin typeface="Comic Sans MS" pitchFamily="66" charset="0"/>
               </a:rPr>
-              <a:t>Albert R Meyer,             November </a:t>
-            </a:r>
-            <a:r>
-              <a:rPr kumimoji="0" lang="en-US" sz="1200" b="0" i="0" u="none" strike="noStrike" kern="1200" cap="none" spc="0" normalizeH="0" baseline="0" noProof="0" dirty="0" smtClean="0">
-                <a:ln>
-                  <a:noFill/>
-                </a:ln>
-                <a:solidFill>
-                  <a:schemeClr val="tx1"/>
-                </a:solidFill>
-                <a:effectLst/>
-                <a:uLnTx/>
-                <a:uFillTx/>
-                <a:latin typeface="Comic Sans MS" pitchFamily="66" charset="0"/>
-              </a:rPr>
-              <a:t>25, </a:t>
-            </a:r>
-            <a:r>
-              <a:rPr kumimoji="0" lang="en-US" sz="1200" b="0" i="0" u="none" strike="noStrike" kern="1200" cap="none" spc="0" normalizeH="0" baseline="0" noProof="0" dirty="0" smtClean="0">
-                <a:ln>
-                  <a:noFill/>
-                </a:ln>
-                <a:solidFill>
-                  <a:schemeClr val="tx1"/>
-                </a:solidFill>
-                <a:effectLst/>
-                <a:uLnTx/>
-                <a:uFillTx/>
-                <a:latin typeface="Comic Sans MS" pitchFamily="66" charset="0"/>
-              </a:rPr>
-              <a:t>2015</a:t>
+              <a:t>Albert R Meyer,             November 25, 2015</a:t>
             </a:r>
             <a:endParaRPr kumimoji="0" lang="en-US" sz="1200" b="0" i="0" u="none" strike="noStrike" kern="1200" cap="none" spc="0" normalizeH="0" baseline="0" noProof="0" dirty="0">
               <a:ln>
@@ -5901,25 +6227,7 @@
                 </a:solidFill>
                 <a:latin typeface="Comic Sans MS" pitchFamily="66" charset="0"/>
               </a:rPr>
-              <a:t>Testing</a:t>
-            </a:r>
-            <a:r>
-              <a:rPr lang="en-US" sz="8000" b="1" dirty="0" smtClean="0">
-                <a:solidFill>
-                  <a:schemeClr val="tx2"/>
-                </a:solidFill>
-                <a:latin typeface="Comic Sans MS" pitchFamily="66" charset="0"/>
-              </a:rPr>
-              <a:t> </a:t>
-            </a:r>
-            <a:r>
-              <a:rPr lang="en-US" sz="8000" b="1" dirty="0" smtClean="0">
-                <a:solidFill>
-                  <a:schemeClr val="tx2"/>
-                </a:solidFill>
-                <a:latin typeface="Comic Sans MS" pitchFamily="66" charset="0"/>
-              </a:rPr>
-              <a:t>&amp;</a:t>
+              <a:t>Testing &amp;</a:t>
             </a:r>
           </a:p>
           <a:p>
@@ -8944,7 +9252,7 @@
           <a:graphicData uri="http://schemas.openxmlformats.org/presentationml/2006/ole">
             <mc:AlternateContent xmlns:mc="http://schemas.openxmlformats.org/markup-compatibility/2006">
               <mc:Choice xmlns:v="urn:schemas-microsoft-com:vml" Requires="v">
-                <p:oleObj spid="_x0000_s16391" name="Equation" r:id="rId4" imgW="1752600" imgH="241300" progId="Equation.DSMT4">
+                <p:oleObj spid="_x0000_s16394" name="Equation" r:id="rId4" imgW="1752600" imgH="241300" progId="Equation.DSMT4">
                   <p:embed/>
                 </p:oleObj>
               </mc:Choice>
@@ -9448,7 +9756,7 @@
           <a:graphicData uri="http://schemas.openxmlformats.org/presentationml/2006/ole">
             <mc:AlternateContent xmlns:mc="http://schemas.openxmlformats.org/markup-compatibility/2006">
               <mc:Choice xmlns:v="urn:schemas-microsoft-com:vml" Requires="v">
-                <p:oleObj spid="_x0000_s17423" name="Equation" r:id="rId4" imgW="1016000" imgH="241300" progId="Equation.DSMT4">
+                <p:oleObj spid="_x0000_s17432" name="Equation" r:id="rId4" imgW="1016000" imgH="241300" progId="Equation.DSMT4">
                   <p:embed/>
                 </p:oleObj>
               </mc:Choice>
@@ -9492,25 +9800,25 @@
           <p:nvPr>
             <p:extLst>
               <p:ext uri="{D42A27DB-BD31-4B8C-83A1-F6EECF244321}">
-                <p14:modId xmlns:p14="http://schemas.microsoft.com/office/powerpoint/2010/main" val="2321257559"/>
+                <p14:modId xmlns:p14="http://schemas.microsoft.com/office/powerpoint/2010/main" val="1619882661"/>
               </p:ext>
             </p:extLst>
           </p:nvPr>
         </p:nvGraphicFramePr>
         <p:xfrm>
-          <a:off x="1023399" y="2012624"/>
-          <a:ext cx="7050087" cy="2247900"/>
+          <a:off x="811213" y="2012950"/>
+          <a:ext cx="7475537" cy="2247900"/>
         </p:xfrm>
         <a:graphic>
           <a:graphicData uri="http://schemas.openxmlformats.org/presentationml/2006/ole">
             <mc:AlternateContent xmlns:mc="http://schemas.openxmlformats.org/markup-compatibility/2006">
               <mc:Choice xmlns:v="urn:schemas-microsoft-com:vml" Requires="v">
-                <p:oleObj spid="_x0000_s17424" name="Equation" r:id="rId6" imgW="1473200" imgH="469900" progId="Equation.DSMT4">
+                <p:oleObj spid="_x0000_s17433" name="Equation" r:id="rId6" imgW="1562100" imgH="469900" progId="Equation.DSMT4">
                   <p:embed/>
                 </p:oleObj>
               </mc:Choice>
               <mc:Fallback>
-                <p:oleObj name="Equation" r:id="rId6" imgW="1473200" imgH="469900" progId="Equation.DSMT4">
+                <p:oleObj name="Equation" r:id="rId6" imgW="1562100" imgH="469900" progId="Equation.DSMT4">
                   <p:embed/>
                   <p:pic>
                     <p:nvPicPr>
@@ -9526,8 +9834,8 @@
                     </p:blipFill>
                     <p:spPr>
                       <a:xfrm>
-                        <a:off x="1023399" y="2012624"/>
-                        <a:ext cx="7050087" cy="2247900"/>
+                        <a:off x="811213" y="2012950"/>
+                        <a:ext cx="7475537" cy="2247900"/>
                       </a:xfrm>
                       <a:prstGeom prst="rect">
                         <a:avLst/>
@@ -9989,11 +10297,6 @@
               </a:rPr>
               <a:t>Odds of an Event</a:t>
             </a:r>
-            <a:endParaRPr lang="en-US" sz="4800" dirty="0" smtClean="0">
-              <a:solidFill>
-                <a:schemeClr val="tx1"/>
-              </a:solidFill>
-            </a:endParaRPr>
           </a:p>
         </p:txBody>
       </p:sp>
@@ -10063,7 +10366,7 @@
           <a:graphicData uri="http://schemas.openxmlformats.org/presentationml/2006/ole">
             <mc:AlternateContent xmlns:mc="http://schemas.openxmlformats.org/markup-compatibility/2006">
               <mc:Choice xmlns:v="urn:schemas-microsoft-com:vml" Requires="v">
-                <p:oleObj spid="_x0000_s1040" name="Equation" r:id="rId3" imgW="1257300" imgH="495300" progId="Equation.DSMT4">
+                <p:oleObj spid="_x0000_s1043" name="Equation" r:id="rId3" imgW="1257300" imgH="495300" progId="Equation.DSMT4">
                   <p:embed/>
                 </p:oleObj>
               </mc:Choice>
@@ -10320,7 +10623,7 @@
           <a:graphicData uri="http://schemas.openxmlformats.org/presentationml/2006/ole">
             <mc:AlternateContent xmlns:mc="http://schemas.openxmlformats.org/markup-compatibility/2006">
               <mc:Choice xmlns:v="urn:schemas-microsoft-com:vml" Requires="v">
-                <p:oleObj spid="_x0000_s32784" name="Equation" r:id="rId4" imgW="1739900" imgH="495300" progId="Equation.DSMT4">
+                <p:oleObj spid="_x0000_s32787" name="Equation" r:id="rId4" imgW="1739900" imgH="495300" progId="Equation.DSMT4">
                   <p:embed/>
                 </p:oleObj>
               </mc:Choice>
@@ -10634,7 +10937,7 @@
           <a:graphicData uri="http://schemas.openxmlformats.org/presentationml/2006/ole">
             <mc:AlternateContent xmlns:mc="http://schemas.openxmlformats.org/markup-compatibility/2006">
               <mc:Choice xmlns:v="urn:schemas-microsoft-com:vml" Requires="v">
-                <p:oleObj spid="_x0000_s35849" name="Equation" r:id="rId4" imgW="2108200" imgH="495300" progId="Equation.DSMT4">
+                <p:oleObj spid="_x0000_s35854" name="Equation" r:id="rId4" imgW="2108200" imgH="495300" progId="Equation.DSMT4">
                   <p:embed/>
                 </p:oleObj>
               </mc:Choice>
@@ -10691,7 +10994,7 @@
           <a:graphicData uri="http://schemas.openxmlformats.org/presentationml/2006/ole">
             <mc:AlternateContent xmlns:mc="http://schemas.openxmlformats.org/markup-compatibility/2006">
               <mc:Choice xmlns:v="urn:schemas-microsoft-com:vml" Requires="v">
-                <p:oleObj spid="_x0000_s35850" name="Equation" r:id="rId6" imgW="2514600" imgH="495300" progId="Equation.DSMT4">
+                <p:oleObj spid="_x0000_s35855" name="Equation" r:id="rId6" imgW="2514600" imgH="495300" progId="Equation.DSMT4">
                   <p:embed/>
                 </p:oleObj>
               </mc:Choice>
@@ -11057,7 +11360,7 @@
           <a:graphicData uri="http://schemas.openxmlformats.org/presentationml/2006/ole">
             <mc:AlternateContent xmlns:mc="http://schemas.openxmlformats.org/markup-compatibility/2006">
               <mc:Choice xmlns:v="urn:schemas-microsoft-com:vml" Requires="v">
-                <p:oleObj spid="_x0000_s37899" name="Equation" r:id="rId4" imgW="2108200" imgH="495300" progId="Equation.DSMT4">
+                <p:oleObj spid="_x0000_s37904" name="Equation" r:id="rId4" imgW="2108200" imgH="495300" progId="Equation.DSMT4">
                   <p:embed/>
                 </p:oleObj>
               </mc:Choice>
@@ -11114,7 +11417,7 @@
           <a:graphicData uri="http://schemas.openxmlformats.org/presentationml/2006/ole">
             <mc:AlternateContent xmlns:mc="http://schemas.openxmlformats.org/markup-compatibility/2006">
               <mc:Choice xmlns:v="urn:schemas-microsoft-com:vml" Requires="v">
-                <p:oleObj spid="_x0000_s37900" name="Equation" r:id="rId6" imgW="2514600" imgH="495300" progId="Equation.DSMT4">
+                <p:oleObj spid="_x0000_s37905" name="Equation" r:id="rId6" imgW="2514600" imgH="495300" progId="Equation.DSMT4">
                   <p:embed/>
                 </p:oleObj>
               </mc:Choice>
@@ -11436,25 +11739,25 @@
           <p:nvPr>
             <p:extLst>
               <p:ext uri="{D42A27DB-BD31-4B8C-83A1-F6EECF244321}">
-                <p14:modId xmlns:p14="http://schemas.microsoft.com/office/powerpoint/2010/main" val="2892334962"/>
+                <p14:modId xmlns:p14="http://schemas.microsoft.com/office/powerpoint/2010/main" val="1944049294"/>
               </p:ext>
             </p:extLst>
           </p:nvPr>
         </p:nvGraphicFramePr>
         <p:xfrm>
-          <a:off x="228600" y="990600"/>
-          <a:ext cx="8769133" cy="2057400"/>
+          <a:off x="263525" y="1544638"/>
+          <a:ext cx="4384675" cy="949325"/>
         </p:xfrm>
         <a:graphic>
           <a:graphicData uri="http://schemas.openxmlformats.org/presentationml/2006/ole">
             <mc:AlternateContent xmlns:mc="http://schemas.openxmlformats.org/markup-compatibility/2006">
               <mc:Choice xmlns:v="urn:schemas-microsoft-com:vml" Requires="v">
-                <p:oleObj spid="_x0000_s36875" name="Equation" r:id="rId4" imgW="2108200" imgH="495300" progId="Equation.DSMT4">
+                <p:oleObj spid="_x0000_s65539" name="Equation" r:id="rId4" imgW="1054100" imgH="228600" progId="Equation.DSMT4">
                   <p:embed/>
                 </p:oleObj>
               </mc:Choice>
               <mc:Fallback>
-                <p:oleObj name="Equation" r:id="rId4" imgW="2108200" imgH="495300" progId="Equation.DSMT4">
+                <p:oleObj name="Equation" r:id="rId4" imgW="1054100" imgH="228600" progId="Equation.DSMT4">
                   <p:embed/>
                   <p:pic>
                     <p:nvPicPr>
@@ -11470,8 +11773,8 @@
                     </p:blipFill>
                     <p:spPr>
                       <a:xfrm>
-                        <a:off x="228600" y="990600"/>
-                        <a:ext cx="8769133" cy="2057400"/>
+                        <a:off x="263525" y="1544638"/>
+                        <a:ext cx="4384675" cy="949325"/>
                       </a:xfrm>
                       <a:prstGeom prst="rect">
                         <a:avLst/>
@@ -11493,25 +11796,25 @@
           <p:nvPr>
             <p:extLst>
               <p:ext uri="{D42A27DB-BD31-4B8C-83A1-F6EECF244321}">
-                <p14:modId xmlns:p14="http://schemas.microsoft.com/office/powerpoint/2010/main" val="3619787793"/>
+                <p14:modId xmlns:p14="http://schemas.microsoft.com/office/powerpoint/2010/main" val="1334723193"/>
               </p:ext>
             </p:extLst>
           </p:nvPr>
         </p:nvGraphicFramePr>
         <p:xfrm>
-          <a:off x="685800" y="3124200"/>
-          <a:ext cx="7780767" cy="1905000"/>
+          <a:off x="427038" y="3335338"/>
+          <a:ext cx="8443912" cy="1766887"/>
         </p:xfrm>
         <a:graphic>
           <a:graphicData uri="http://schemas.openxmlformats.org/presentationml/2006/ole">
             <mc:AlternateContent xmlns:mc="http://schemas.openxmlformats.org/markup-compatibility/2006">
               <mc:Choice xmlns:v="urn:schemas-microsoft-com:vml" Requires="v">
-                <p:oleObj spid="_x0000_s36876" name="Equation" r:id="rId6" imgW="2019300" imgH="495300" progId="Equation.DSMT4">
+                <p:oleObj spid="_x0000_s65540" name="Equation" r:id="rId6" imgW="2362200" imgH="495300" progId="Equation.DSMT4">
                   <p:embed/>
                 </p:oleObj>
               </mc:Choice>
               <mc:Fallback>
-                <p:oleObj name="Equation" r:id="rId6" imgW="2019300" imgH="495300" progId="Equation.DSMT4">
+                <p:oleObj name="Equation" r:id="rId6" imgW="2362200" imgH="495300" progId="Equation.DSMT4">
                   <p:embed/>
                   <p:pic>
                     <p:nvPicPr>
@@ -11527,8 +11830,8 @@
                     </p:blipFill>
                     <p:spPr>
                       <a:xfrm>
-                        <a:off x="685800" y="3124200"/>
-                        <a:ext cx="7780767" cy="1905000"/>
+                        <a:off x="427038" y="3335338"/>
+                        <a:ext cx="8443912" cy="1766887"/>
                       </a:xfrm>
                       <a:prstGeom prst="rect">
                         <a:avLst/>
@@ -11541,10 +11844,64 @@
           </a:graphicData>
         </a:graphic>
       </p:graphicFrame>
+      <p:cxnSp>
+        <p:nvCxnSpPr>
+          <p:cNvPr id="3" name="Straight Connector 2"/>
+          <p:cNvCxnSpPr/>
+          <p:nvPr/>
+        </p:nvCxnSpPr>
+        <p:spPr bwMode="auto">
+          <a:xfrm>
+            <a:off x="6477000" y="3543300"/>
+            <a:ext cx="1524000" cy="647700"/>
+          </a:xfrm>
+          <a:prstGeom prst="line">
+            <a:avLst/>
+          </a:prstGeom>
+          <a:noFill/>
+          <a:ln w="44450" cap="flat" cmpd="sng" algn="ctr">
+            <a:solidFill>
+              <a:srgbClr val="FF0000"/>
+            </a:solidFill>
+            <a:prstDash val="sysDash"/>
+            <a:round/>
+            <a:headEnd type="none" w="med" len="med"/>
+            <a:tailEnd type="none" w="med" len="med"/>
+          </a:ln>
+          <a:effectLst/>
+        </p:spPr>
+      </p:cxnSp>
+      <p:cxnSp>
+        <p:nvCxnSpPr>
+          <p:cNvPr id="11" name="Straight Connector 10"/>
+          <p:cNvCxnSpPr/>
+          <p:nvPr/>
+        </p:nvCxnSpPr>
+        <p:spPr bwMode="auto">
+          <a:xfrm>
+            <a:off x="7543800" y="4381500"/>
+            <a:ext cx="1524000" cy="647700"/>
+          </a:xfrm>
+          <a:prstGeom prst="line">
+            <a:avLst/>
+          </a:prstGeom>
+          <a:noFill/>
+          <a:ln w="44450" cap="flat" cmpd="sng" algn="ctr">
+            <a:solidFill>
+              <a:srgbClr val="FF0000"/>
+            </a:solidFill>
+            <a:prstDash val="sysDash"/>
+            <a:round/>
+            <a:headEnd type="none" w="med" len="med"/>
+            <a:tailEnd type="none" w="med" len="med"/>
+          </a:ln>
+          <a:effectLst/>
+        </p:spPr>
+      </p:cxnSp>
     </p:spTree>
     <p:extLst>
       <p:ext uri="{BB962C8B-B14F-4D97-AF65-F5344CB8AC3E}">
-        <p14:creationId xmlns:p14="http://schemas.microsoft.com/office/powerpoint/2010/main" val="905909933"/>
+        <p14:creationId xmlns:p14="http://schemas.microsoft.com/office/powerpoint/2010/main" val="916483999"/>
       </p:ext>
     </p:extLst>
   </p:cSld>
@@ -11767,32 +12124,32 @@
       </p:sp>
       <p:graphicFrame>
         <p:nvGraphicFramePr>
-          <p:cNvPr id="9" name="Object 8"/>
+          <p:cNvPr id="10" name="Object 9"/>
           <p:cNvGraphicFramePr>
             <a:graphicFrameLocks noChangeAspect="1"/>
           </p:cNvGraphicFramePr>
           <p:nvPr>
             <p:extLst>
               <p:ext uri="{D42A27DB-BD31-4B8C-83A1-F6EECF244321}">
-                <p14:modId xmlns:p14="http://schemas.microsoft.com/office/powerpoint/2010/main" val="4258209177"/>
+                <p14:modId xmlns:p14="http://schemas.microsoft.com/office/powerpoint/2010/main" val="4006492797"/>
               </p:ext>
             </p:extLst>
           </p:nvPr>
         </p:nvGraphicFramePr>
         <p:xfrm>
-          <a:off x="228600" y="990600"/>
-          <a:ext cx="8769133" cy="2057400"/>
+          <a:off x="954088" y="3124200"/>
+          <a:ext cx="7242175" cy="1905000"/>
         </p:xfrm>
         <a:graphic>
           <a:graphicData uri="http://schemas.openxmlformats.org/presentationml/2006/ole">
             <mc:AlternateContent xmlns:mc="http://schemas.openxmlformats.org/markup-compatibility/2006">
               <mc:Choice xmlns:v="urn:schemas-microsoft-com:vml" Requires="v">
-                <p:oleObj spid="_x0000_s38928" name="Equation" r:id="rId4" imgW="2108200" imgH="495300" progId="Equation.DSMT4">
+                <p:oleObj spid="_x0000_s36882" name="Equation" r:id="rId4" imgW="1879600" imgH="495300" progId="Equation.DSMT4">
                   <p:embed/>
                 </p:oleObj>
               </mc:Choice>
               <mc:Fallback>
-                <p:oleObj name="Equation" r:id="rId4" imgW="2108200" imgH="495300" progId="Equation.DSMT4">
+                <p:oleObj name="Equation" r:id="rId4" imgW="1879600" imgH="495300" progId="Equation.DSMT4">
                   <p:embed/>
                   <p:pic>
                     <p:nvPicPr>
@@ -11808,8 +12165,8 @@
                     </p:blipFill>
                     <p:spPr>
                       <a:xfrm>
-                        <a:off x="228600" y="990600"/>
-                        <a:ext cx="8769133" cy="2057400"/>
+                        <a:off x="954088" y="3124200"/>
+                        <a:ext cx="7242175" cy="1905000"/>
                       </a:xfrm>
                       <a:prstGeom prst="rect">
                         <a:avLst/>
@@ -11824,32 +12181,32 @@
       </p:graphicFrame>
       <p:graphicFrame>
         <p:nvGraphicFramePr>
-          <p:cNvPr id="10" name="Object 9"/>
+          <p:cNvPr id="7" name="Object 6"/>
           <p:cNvGraphicFramePr>
             <a:graphicFrameLocks noChangeAspect="1"/>
           </p:cNvGraphicFramePr>
           <p:nvPr>
             <p:extLst>
               <p:ext uri="{D42A27DB-BD31-4B8C-83A1-F6EECF244321}">
-                <p14:modId xmlns:p14="http://schemas.microsoft.com/office/powerpoint/2010/main" val="311139879"/>
+                <p14:modId xmlns:p14="http://schemas.microsoft.com/office/powerpoint/2010/main" val="3853964727"/>
               </p:ext>
             </p:extLst>
           </p:nvPr>
         </p:nvGraphicFramePr>
         <p:xfrm>
-          <a:off x="514350" y="3124200"/>
-          <a:ext cx="8123238" cy="1905000"/>
+          <a:off x="263525" y="1544638"/>
+          <a:ext cx="4384675" cy="949325"/>
         </p:xfrm>
         <a:graphic>
           <a:graphicData uri="http://schemas.openxmlformats.org/presentationml/2006/ole">
             <mc:AlternateContent xmlns:mc="http://schemas.openxmlformats.org/markup-compatibility/2006">
               <mc:Choice xmlns:v="urn:schemas-microsoft-com:vml" Requires="v">
-                <p:oleObj spid="_x0000_s38929" name="Equation" r:id="rId6" imgW="2108200" imgH="495300" progId="Equation.DSMT4">
+                <p:oleObj spid="_x0000_s36883" name="Equation" r:id="rId6" imgW="1054100" imgH="228600" progId="Equation.DSMT4">
                   <p:embed/>
                 </p:oleObj>
               </mc:Choice>
               <mc:Fallback>
-                <p:oleObj name="Equation" r:id="rId6" imgW="2108200" imgH="495300" progId="Equation.DSMT4">
+                <p:oleObj name="Equation" r:id="rId6" imgW="1054100" imgH="228600" progId="Equation.DSMT4">
                   <p:embed/>
                   <p:pic>
                     <p:nvPicPr>
@@ -11865,8 +12222,8 @@
                     </p:blipFill>
                     <p:spPr>
                       <a:xfrm>
-                        <a:off x="514350" y="3124200"/>
-                        <a:ext cx="8123238" cy="1905000"/>
+                        <a:off x="263525" y="1544638"/>
+                        <a:ext cx="4384675" cy="949325"/>
                       </a:xfrm>
                       <a:prstGeom prst="rect">
                         <a:avLst/>
@@ -11882,25 +12239,16 @@
     </p:spTree>
     <p:extLst>
       <p:ext uri="{BB962C8B-B14F-4D97-AF65-F5344CB8AC3E}">
-        <p14:creationId xmlns:p14="http://schemas.microsoft.com/office/powerpoint/2010/main" val="1620513194"/>
+        <p14:creationId xmlns:p14="http://schemas.microsoft.com/office/powerpoint/2010/main" val="905909933"/>
       </p:ext>
     </p:extLst>
   </p:cSld>
   <p:clrMapOvr>
     <a:masterClrMapping/>
   </p:clrMapOvr>
-  <mc:AlternateContent xmlns:mc="http://schemas.openxmlformats.org/markup-compatibility/2006" xmlns:p14="http://schemas.microsoft.com/office/powerpoint/2010/main">
-    <mc:Choice Requires="p14">
-      <p:transition spd="med" p14:dur="700" advClick="0">
-        <p:fade/>
-      </p:transition>
-    </mc:Choice>
-    <mc:Fallback xmlns="">
-      <p:transition xmlns:p14="http://schemas.microsoft.com/office/powerpoint/2010/main" spd="med" advClick="0">
-        <p:fade/>
-      </p:transition>
-    </mc:Fallback>
-  </mc:AlternateContent>
+  <p:transition xmlns:p14="http://schemas.microsoft.com/office/powerpoint/2010/main" advClick="0">
+    <p:fade/>
+  </p:transition>
   <p:timing>
     <p:tnLst>
       <p:par>
@@ -12114,32 +12462,32 @@
       </p:sp>
       <p:graphicFrame>
         <p:nvGraphicFramePr>
-          <p:cNvPr id="9" name="Object 8"/>
+          <p:cNvPr id="10" name="Object 9"/>
           <p:cNvGraphicFramePr>
             <a:graphicFrameLocks noChangeAspect="1"/>
           </p:cNvGraphicFramePr>
           <p:nvPr>
             <p:extLst>
               <p:ext uri="{D42A27DB-BD31-4B8C-83A1-F6EECF244321}">
-                <p14:modId xmlns:p14="http://schemas.microsoft.com/office/powerpoint/2010/main" val="1526166784"/>
+                <p14:modId xmlns:p14="http://schemas.microsoft.com/office/powerpoint/2010/main" val="3258047953"/>
               </p:ext>
             </p:extLst>
           </p:nvPr>
         </p:nvGraphicFramePr>
         <p:xfrm>
-          <a:off x="228600" y="990600"/>
-          <a:ext cx="8769133" cy="2057400"/>
+          <a:off x="808038" y="3124200"/>
+          <a:ext cx="7535862" cy="1905000"/>
         </p:xfrm>
         <a:graphic>
           <a:graphicData uri="http://schemas.openxmlformats.org/presentationml/2006/ole">
             <mc:AlternateContent xmlns:mc="http://schemas.openxmlformats.org/markup-compatibility/2006">
               <mc:Choice xmlns:v="urn:schemas-microsoft-com:vml" Requires="v">
-                <p:oleObj spid="_x0000_s43015" name="Equation" r:id="rId4" imgW="2108200" imgH="495300" progId="Equation.DSMT4">
+                <p:oleObj spid="_x0000_s38937" name="Equation" r:id="rId4" imgW="1955800" imgH="495300" progId="Equation.DSMT4">
                   <p:embed/>
                 </p:oleObj>
               </mc:Choice>
               <mc:Fallback>
-                <p:oleObj name="Equation" r:id="rId4" imgW="2108200" imgH="495300" progId="Equation.DSMT4">
+                <p:oleObj name="Equation" r:id="rId4" imgW="1955800" imgH="495300" progId="Equation.DSMT4">
                   <p:embed/>
                   <p:pic>
                     <p:nvPicPr>
@@ -12155,8 +12503,8 @@
                     </p:blipFill>
                     <p:spPr>
                       <a:xfrm>
-                        <a:off x="228600" y="990600"/>
-                        <a:ext cx="8769133" cy="2057400"/>
+                        <a:off x="808038" y="3124200"/>
+                        <a:ext cx="7535862" cy="1905000"/>
                       </a:xfrm>
                       <a:prstGeom prst="rect">
                         <a:avLst/>
@@ -12178,25 +12526,25 @@
           <p:nvPr>
             <p:extLst>
               <p:ext uri="{D42A27DB-BD31-4B8C-83A1-F6EECF244321}">
-                <p14:modId xmlns:p14="http://schemas.microsoft.com/office/powerpoint/2010/main" val="2717604184"/>
+                <p14:modId xmlns:p14="http://schemas.microsoft.com/office/powerpoint/2010/main" val="3853964727"/>
               </p:ext>
             </p:extLst>
           </p:nvPr>
         </p:nvGraphicFramePr>
         <p:xfrm>
-          <a:off x="522288" y="3124200"/>
-          <a:ext cx="7535862" cy="1905000"/>
+          <a:off x="263525" y="1544638"/>
+          <a:ext cx="4384675" cy="949325"/>
         </p:xfrm>
         <a:graphic>
           <a:graphicData uri="http://schemas.openxmlformats.org/presentationml/2006/ole">
             <mc:AlternateContent xmlns:mc="http://schemas.openxmlformats.org/markup-compatibility/2006">
               <mc:Choice xmlns:v="urn:schemas-microsoft-com:vml" Requires="v">
-                <p:oleObj spid="_x0000_s43016" name="Equation" r:id="rId6" imgW="1955800" imgH="495300" progId="Equation.DSMT4">
+                <p:oleObj spid="_x0000_s38938" name="Equation" r:id="rId6" imgW="1054100" imgH="228600" progId="Equation.DSMT4">
                   <p:embed/>
                 </p:oleObj>
               </mc:Choice>
               <mc:Fallback>
-                <p:oleObj name="Equation" r:id="rId6" imgW="1955800" imgH="495300" progId="Equation.DSMT4">
+                <p:oleObj name="Equation" r:id="rId6" imgW="1054100" imgH="228600" progId="Equation.DSMT4">
                   <p:embed/>
                   <p:pic>
                     <p:nvPicPr>
@@ -12212,65 +12560,8 @@
                     </p:blipFill>
                     <p:spPr>
                       <a:xfrm>
-                        <a:off x="522288" y="3124200"/>
-                        <a:ext cx="7535862" cy="1905000"/>
-                      </a:xfrm>
-                      <a:prstGeom prst="rect">
-                        <a:avLst/>
-                      </a:prstGeom>
-                    </p:spPr>
-                  </p:pic>
-                </p:oleObj>
-              </mc:Fallback>
-            </mc:AlternateContent>
-          </a:graphicData>
-        </a:graphic>
-      </p:graphicFrame>
-      <p:graphicFrame>
-        <p:nvGraphicFramePr>
-          <p:cNvPr id="2" name="Object 1"/>
-          <p:cNvGraphicFramePr>
-            <a:graphicFrameLocks noChangeAspect="1"/>
-          </p:cNvGraphicFramePr>
-          <p:nvPr>
-            <p:extLst>
-              <p:ext uri="{D42A27DB-BD31-4B8C-83A1-F6EECF244321}">
-                <p14:modId xmlns:p14="http://schemas.microsoft.com/office/powerpoint/2010/main" val="3094716056"/>
-              </p:ext>
-            </p:extLst>
-          </p:nvPr>
-        </p:nvGraphicFramePr>
-        <p:xfrm>
-          <a:off x="973138" y="3352800"/>
-          <a:ext cx="4244975" cy="3141663"/>
-        </p:xfrm>
-        <a:graphic>
-          <a:graphicData uri="http://schemas.openxmlformats.org/presentationml/2006/ole">
-            <mc:AlternateContent xmlns:mc="http://schemas.openxmlformats.org/markup-compatibility/2006">
-              <mc:Choice xmlns:v="urn:schemas-microsoft-com:vml" Requires="v">
-                <p:oleObj spid="_x0000_s43017" name="Equation" r:id="rId8" imgW="635000" imgH="469900" progId="Equation.DSMT4">
-                  <p:embed/>
-                </p:oleObj>
-              </mc:Choice>
-              <mc:Fallback>
-                <p:oleObj name="Equation" r:id="rId8" imgW="635000" imgH="469900" progId="Equation.DSMT4">
-                  <p:embed/>
-                  <p:pic>
-                    <p:nvPicPr>
-                      <p:cNvPr id="0" name=""/>
-                      <p:cNvPicPr/>
-                      <p:nvPr/>
-                    </p:nvPicPr>
-                    <p:blipFill>
-                      <a:blip r:embed="rId9"/>
-                      <a:stretch>
-                        <a:fillRect/>
-                      </a:stretch>
-                    </p:blipFill>
-                    <p:spPr>
-                      <a:xfrm>
-                        <a:off x="973138" y="3352800"/>
-                        <a:ext cx="4244975" cy="3141663"/>
+                        <a:off x="263525" y="1544638"/>
+                        <a:ext cx="4384675" cy="949325"/>
                       </a:xfrm>
                       <a:prstGeom prst="rect">
                         <a:avLst/>
@@ -12286,7 +12577,7 @@
     </p:spTree>
     <p:extLst>
       <p:ext uri="{BB962C8B-B14F-4D97-AF65-F5344CB8AC3E}">
-        <p14:creationId xmlns:p14="http://schemas.microsoft.com/office/powerpoint/2010/main" val="3863012440"/>
+        <p14:creationId xmlns:p14="http://schemas.microsoft.com/office/powerpoint/2010/main" val="1620513194"/>
       </p:ext>
     </p:extLst>
   </p:cSld>
@@ -12308,83 +12599,7 @@
   <p:timing>
     <p:tnLst>
       <p:par>
-        <p:cTn xmlns:p14="http://schemas.microsoft.com/office/powerpoint/2010/main" id="1" dur="indefinite" restart="never" nodeType="tmRoot">
-          <p:childTnLst>
-            <p:seq concurrent="1" nextAc="seek">
-              <p:cTn id="2" dur="indefinite" nodeType="mainSeq">
-                <p:childTnLst>
-                  <p:par>
-                    <p:cTn id="3" fill="hold">
-                      <p:stCondLst>
-                        <p:cond delay="indefinite"/>
-                      </p:stCondLst>
-                      <p:childTnLst>
-                        <p:par>
-                          <p:cTn id="4" fill="hold">
-                            <p:stCondLst>
-                              <p:cond delay="0"/>
-                            </p:stCondLst>
-                            <p:childTnLst>
-                              <p:par>
-                                <p:cTn id="5" presetID="10" presetClass="entr" presetSubtype="0" fill="hold" nodeType="clickEffect">
-                                  <p:stCondLst>
-                                    <p:cond delay="0"/>
-                                  </p:stCondLst>
-                                  <p:childTnLst>
-                                    <p:set>
-                                      <p:cBhvr>
-                                        <p:cTn id="6" dur="1" fill="hold">
-                                          <p:stCondLst>
-                                            <p:cond delay="0"/>
-                                          </p:stCondLst>
-                                        </p:cTn>
-                                        <p:tgtEl>
-                                          <p:spTgt spid="2"/>
-                                        </p:tgtEl>
-                                        <p:attrNameLst>
-                                          <p:attrName>style.visibility</p:attrName>
-                                        </p:attrNameLst>
-                                      </p:cBhvr>
-                                      <p:to>
-                                        <p:strVal val="visible"/>
-                                      </p:to>
-                                    </p:set>
-                                    <p:animEffect transition="in" filter="fade">
-                                      <p:cBhvr>
-                                        <p:cTn id="7" dur="500"/>
-                                        <p:tgtEl>
-                                          <p:spTgt spid="2"/>
-                                        </p:tgtEl>
-                                      </p:cBhvr>
-                                    </p:animEffect>
-                                  </p:childTnLst>
-                                </p:cTn>
-                              </p:par>
-                            </p:childTnLst>
-                          </p:cTn>
-                        </p:par>
-                      </p:childTnLst>
-                    </p:cTn>
-                  </p:par>
-                </p:childTnLst>
-              </p:cTn>
-              <p:prevCondLst>
-                <p:cond evt="onPrev" delay="0">
-                  <p:tgtEl>
-                    <p:sldTgt/>
-                  </p:tgtEl>
-                </p:cond>
-              </p:prevCondLst>
-              <p:nextCondLst>
-                <p:cond evt="onNext" delay="0">
-                  <p:tgtEl>
-                    <p:sldTgt/>
-                  </p:tgtEl>
-                </p:cond>
-              </p:nextCondLst>
-            </p:seq>
-          </p:childTnLst>
-        </p:cTn>
+        <p:cTn xmlns:p14="http://schemas.microsoft.com/office/powerpoint/2010/main" id="1" dur="indefinite" restart="never" nodeType="tmRoot"/>
       </p:par>
     </p:tnLst>
   </p:timing>
@@ -12594,32 +12809,32 @@
       </p:sp>
       <p:graphicFrame>
         <p:nvGraphicFramePr>
-          <p:cNvPr id="9" name="Object 8"/>
+          <p:cNvPr id="7" name="Object 6"/>
           <p:cNvGraphicFramePr>
             <a:graphicFrameLocks noChangeAspect="1"/>
           </p:cNvGraphicFramePr>
           <p:nvPr>
             <p:extLst>
               <p:ext uri="{D42A27DB-BD31-4B8C-83A1-F6EECF244321}">
-                <p14:modId xmlns:p14="http://schemas.microsoft.com/office/powerpoint/2010/main" val="196278151"/>
+                <p14:modId xmlns:p14="http://schemas.microsoft.com/office/powerpoint/2010/main" val="722278435"/>
               </p:ext>
             </p:extLst>
           </p:nvPr>
         </p:nvGraphicFramePr>
         <p:xfrm>
-          <a:off x="228600" y="990600"/>
-          <a:ext cx="8769133" cy="2057400"/>
+          <a:off x="815975" y="3124200"/>
+          <a:ext cx="6948488" cy="1905000"/>
         </p:xfrm>
         <a:graphic>
           <a:graphicData uri="http://schemas.openxmlformats.org/presentationml/2006/ole">
             <mc:AlternateContent xmlns:mc="http://schemas.openxmlformats.org/markup-compatibility/2006">
               <mc:Choice xmlns:v="urn:schemas-microsoft-com:vml" Requires="v">
-                <p:oleObj spid="_x0000_s44036" name="Equation" r:id="rId4" imgW="2108200" imgH="495300" progId="Equation.DSMT4">
+                <p:oleObj spid="_x0000_s43028" name="Equation" r:id="rId4" imgW="1803400" imgH="495300" progId="Equation.DSMT4">
                   <p:embed/>
                 </p:oleObj>
               </mc:Choice>
               <mc:Fallback>
-                <p:oleObj name="Equation" r:id="rId4" imgW="2108200" imgH="495300" progId="Equation.DSMT4">
+                <p:oleObj name="Equation" r:id="rId4" imgW="1803400" imgH="495300" progId="Equation.DSMT4">
                   <p:embed/>
                   <p:pic>
                     <p:nvPicPr>
@@ -12635,65 +12850,8 @@
                     </p:blipFill>
                     <p:spPr>
                       <a:xfrm>
-                        <a:off x="228600" y="990600"/>
-                        <a:ext cx="8769133" cy="2057400"/>
-                      </a:xfrm>
-                      <a:prstGeom prst="rect">
-                        <a:avLst/>
-                      </a:prstGeom>
-                    </p:spPr>
-                  </p:pic>
-                </p:oleObj>
-              </mc:Fallback>
-            </mc:AlternateContent>
-          </a:graphicData>
-        </a:graphic>
-      </p:graphicFrame>
-      <p:graphicFrame>
-        <p:nvGraphicFramePr>
-          <p:cNvPr id="7" name="Object 6"/>
-          <p:cNvGraphicFramePr>
-            <a:graphicFrameLocks noChangeAspect="1"/>
-          </p:cNvGraphicFramePr>
-          <p:nvPr>
-            <p:extLst>
-              <p:ext uri="{D42A27DB-BD31-4B8C-83A1-F6EECF244321}">
-                <p14:modId xmlns:p14="http://schemas.microsoft.com/office/powerpoint/2010/main" val="3490890797"/>
-              </p:ext>
-            </p:extLst>
-          </p:nvPr>
-        </p:nvGraphicFramePr>
-        <p:xfrm>
-          <a:off x="522288" y="3124200"/>
-          <a:ext cx="7535862" cy="1905000"/>
-        </p:xfrm>
-        <a:graphic>
-          <a:graphicData uri="http://schemas.openxmlformats.org/presentationml/2006/ole">
-            <mc:AlternateContent xmlns:mc="http://schemas.openxmlformats.org/markup-compatibility/2006">
-              <mc:Choice xmlns:v="urn:schemas-microsoft-com:vml" Requires="v">
-                <p:oleObj spid="_x0000_s44037" name="Equation" r:id="rId6" imgW="1955800" imgH="495300" progId="Equation.DSMT4">
-                  <p:embed/>
-                </p:oleObj>
-              </mc:Choice>
-              <mc:Fallback>
-                <p:oleObj name="Equation" r:id="rId6" imgW="1955800" imgH="495300" progId="Equation.DSMT4">
-                  <p:embed/>
-                  <p:pic>
-                    <p:nvPicPr>
-                      <p:cNvPr id="0" name=""/>
-                      <p:cNvPicPr/>
-                      <p:nvPr/>
-                    </p:nvPicPr>
-                    <p:blipFill>
-                      <a:blip r:embed="rId7"/>
-                      <a:stretch>
-                        <a:fillRect/>
-                      </a:stretch>
-                    </p:blipFill>
-                    <p:spPr>
-                      <a:xfrm>
-                        <a:off x="522288" y="3124200"/>
-                        <a:ext cx="7535862" cy="1905000"/>
+                        <a:off x="815975" y="3124200"/>
+                        <a:ext cx="6948488" cy="1905000"/>
                       </a:xfrm>
                       <a:prstGeom prst="rect">
                         <a:avLst/>
@@ -12715,25 +12873,82 @@
           <p:nvPr>
             <p:extLst>
               <p:ext uri="{D42A27DB-BD31-4B8C-83A1-F6EECF244321}">
-                <p14:modId xmlns:p14="http://schemas.microsoft.com/office/powerpoint/2010/main" val="3494007248"/>
+                <p14:modId xmlns:p14="http://schemas.microsoft.com/office/powerpoint/2010/main" val="3282948319"/>
               </p:ext>
             </p:extLst>
           </p:nvPr>
         </p:nvGraphicFramePr>
         <p:xfrm>
-          <a:off x="973138" y="3352800"/>
+          <a:off x="762000" y="3352800"/>
           <a:ext cx="4244975" cy="3141663"/>
         </p:xfrm>
         <a:graphic>
           <a:graphicData uri="http://schemas.openxmlformats.org/presentationml/2006/ole">
             <mc:AlternateContent xmlns:mc="http://schemas.openxmlformats.org/markup-compatibility/2006">
               <mc:Choice xmlns:v="urn:schemas-microsoft-com:vml" Requires="v">
-                <p:oleObj spid="_x0000_s44038" name="Equation" r:id="rId8" imgW="635000" imgH="469900" progId="Equation.DSMT4">
+                <p:oleObj spid="_x0000_s43029" name="Equation" r:id="rId6" imgW="635000" imgH="469900" progId="Equation.DSMT4">
                   <p:embed/>
                 </p:oleObj>
               </mc:Choice>
               <mc:Fallback>
-                <p:oleObj name="Equation" r:id="rId8" imgW="635000" imgH="469900" progId="Equation.DSMT4">
+                <p:oleObj name="Equation" r:id="rId6" imgW="635000" imgH="469900" progId="Equation.DSMT4">
+                  <p:embed/>
+                  <p:pic>
+                    <p:nvPicPr>
+                      <p:cNvPr id="0" name=""/>
+                      <p:cNvPicPr/>
+                      <p:nvPr/>
+                    </p:nvPicPr>
+                    <p:blipFill>
+                      <a:blip r:embed="rId7"/>
+                      <a:stretch>
+                        <a:fillRect/>
+                      </a:stretch>
+                    </p:blipFill>
+                    <p:spPr>
+                      <a:xfrm>
+                        <a:off x="762000" y="3352800"/>
+                        <a:ext cx="4244975" cy="3141663"/>
+                      </a:xfrm>
+                      <a:prstGeom prst="rect">
+                        <a:avLst/>
+                      </a:prstGeom>
+                    </p:spPr>
+                  </p:pic>
+                </p:oleObj>
+              </mc:Fallback>
+            </mc:AlternateContent>
+          </a:graphicData>
+        </a:graphic>
+      </p:graphicFrame>
+      <p:graphicFrame>
+        <p:nvGraphicFramePr>
+          <p:cNvPr id="8" name="Object 7"/>
+          <p:cNvGraphicFramePr>
+            <a:graphicFrameLocks noChangeAspect="1"/>
+          </p:cNvGraphicFramePr>
+          <p:nvPr>
+            <p:extLst>
+              <p:ext uri="{D42A27DB-BD31-4B8C-83A1-F6EECF244321}">
+                <p14:modId xmlns:p14="http://schemas.microsoft.com/office/powerpoint/2010/main" val="3968858665"/>
+              </p:ext>
+            </p:extLst>
+          </p:nvPr>
+        </p:nvGraphicFramePr>
+        <p:xfrm>
+          <a:off x="263525" y="1524000"/>
+          <a:ext cx="4384675" cy="949325"/>
+        </p:xfrm>
+        <a:graphic>
+          <a:graphicData uri="http://schemas.openxmlformats.org/presentationml/2006/ole">
+            <mc:AlternateContent xmlns:mc="http://schemas.openxmlformats.org/markup-compatibility/2006">
+              <mc:Choice xmlns:v="urn:schemas-microsoft-com:vml" Requires="v">
+                <p:oleObj spid="_x0000_s43030" name="Equation" r:id="rId8" imgW="1054100" imgH="228600" progId="Equation.DSMT4">
+                  <p:embed/>
+                </p:oleObj>
+              </mc:Choice>
+              <mc:Fallback>
+                <p:oleObj name="Equation" r:id="rId8" imgW="1054100" imgH="228600" progId="Equation.DSMT4">
                   <p:embed/>
                   <p:pic>
                     <p:nvPicPr>
@@ -12749,8 +12964,8 @@
                     </p:blipFill>
                     <p:spPr>
                       <a:xfrm>
-                        <a:off x="973138" y="3352800"/>
-                        <a:ext cx="4244975" cy="3141663"/>
+                        <a:off x="263525" y="1524000"/>
+                        <a:ext cx="4384675" cy="949325"/>
                       </a:xfrm>
                       <a:prstGeom prst="rect">
                         <a:avLst/>
@@ -12766,7 +12981,7 @@
     </p:spTree>
     <p:extLst>
       <p:ext uri="{BB962C8B-B14F-4D97-AF65-F5344CB8AC3E}">
-        <p14:creationId xmlns:p14="http://schemas.microsoft.com/office/powerpoint/2010/main" val="2179281657"/>
+        <p14:creationId xmlns:p14="http://schemas.microsoft.com/office/powerpoint/2010/main" val="3863012440"/>
       </p:ext>
     </p:extLst>
   </p:cSld>
@@ -13074,32 +13289,32 @@
       </p:sp>
       <p:graphicFrame>
         <p:nvGraphicFramePr>
-          <p:cNvPr id="9" name="Object 8"/>
+          <p:cNvPr id="7" name="Object 6"/>
           <p:cNvGraphicFramePr>
             <a:graphicFrameLocks noChangeAspect="1"/>
           </p:cNvGraphicFramePr>
           <p:nvPr>
             <p:extLst>
               <p:ext uri="{D42A27DB-BD31-4B8C-83A1-F6EECF244321}">
-                <p14:modId xmlns:p14="http://schemas.microsoft.com/office/powerpoint/2010/main" val="2931725102"/>
+                <p14:modId xmlns:p14="http://schemas.microsoft.com/office/powerpoint/2010/main" val="299277454"/>
               </p:ext>
             </p:extLst>
           </p:nvPr>
         </p:nvGraphicFramePr>
         <p:xfrm>
-          <a:off x="228600" y="762000"/>
-          <a:ext cx="8769133" cy="2057400"/>
+          <a:off x="815975" y="3124200"/>
+          <a:ext cx="6948488" cy="1905000"/>
         </p:xfrm>
         <a:graphic>
           <a:graphicData uri="http://schemas.openxmlformats.org/presentationml/2006/ole">
             <mc:AlternateContent xmlns:mc="http://schemas.openxmlformats.org/markup-compatibility/2006">
               <mc:Choice xmlns:v="urn:schemas-microsoft-com:vml" Requires="v">
-                <p:oleObj spid="_x0000_s39949" name="Equation" r:id="rId4" imgW="2108200" imgH="495300" progId="Equation.DSMT4">
+                <p:oleObj spid="_x0000_s44052" name="Equation" r:id="rId4" imgW="1803400" imgH="495300" progId="Equation.DSMT4">
                   <p:embed/>
                 </p:oleObj>
               </mc:Choice>
               <mc:Fallback>
-                <p:oleObj name="Equation" r:id="rId4" imgW="2108200" imgH="495300" progId="Equation.DSMT4">
+                <p:oleObj name="Equation" r:id="rId4" imgW="1803400" imgH="495300" progId="Equation.DSMT4">
                   <p:embed/>
                   <p:pic>
                     <p:nvPicPr>
@@ -13115,8 +13330,8 @@
                     </p:blipFill>
                     <p:spPr>
                       <a:xfrm>
-                        <a:off x="228600" y="762000"/>
-                        <a:ext cx="8769133" cy="2057400"/>
+                        <a:off x="815975" y="3124200"/>
+                        <a:ext cx="6948488" cy="1905000"/>
                       </a:xfrm>
                       <a:prstGeom prst="rect">
                         <a:avLst/>
@@ -13131,32 +13346,32 @@
       </p:graphicFrame>
       <p:graphicFrame>
         <p:nvGraphicFramePr>
-          <p:cNvPr id="10" name="Object 9"/>
+          <p:cNvPr id="2" name="Object 1"/>
           <p:cNvGraphicFramePr>
             <a:graphicFrameLocks noChangeAspect="1"/>
           </p:cNvGraphicFramePr>
           <p:nvPr>
             <p:extLst>
               <p:ext uri="{D42A27DB-BD31-4B8C-83A1-F6EECF244321}">
-                <p14:modId xmlns:p14="http://schemas.microsoft.com/office/powerpoint/2010/main" val="3388897251"/>
+                <p14:modId xmlns:p14="http://schemas.microsoft.com/office/powerpoint/2010/main" val="2290041700"/>
               </p:ext>
             </p:extLst>
           </p:nvPr>
         </p:nvGraphicFramePr>
         <p:xfrm>
-          <a:off x="514350" y="2743200"/>
-          <a:ext cx="8123238" cy="1905000"/>
+          <a:off x="762000" y="3352800"/>
+          <a:ext cx="4244975" cy="3141663"/>
         </p:xfrm>
         <a:graphic>
           <a:graphicData uri="http://schemas.openxmlformats.org/presentationml/2006/ole">
             <mc:AlternateContent xmlns:mc="http://schemas.openxmlformats.org/markup-compatibility/2006">
               <mc:Choice xmlns:v="urn:schemas-microsoft-com:vml" Requires="v">
-                <p:oleObj spid="_x0000_s39950" name="Equation" r:id="rId6" imgW="2108200" imgH="495300" progId="Equation.DSMT4">
+                <p:oleObj spid="_x0000_s44053" name="Equation" r:id="rId6" imgW="635000" imgH="469900" progId="Equation.DSMT4">
                   <p:embed/>
                 </p:oleObj>
               </mc:Choice>
               <mc:Fallback>
-                <p:oleObj name="Equation" r:id="rId6" imgW="2108200" imgH="495300" progId="Equation.DSMT4">
+                <p:oleObj name="Equation" r:id="rId6" imgW="635000" imgH="469900" progId="Equation.DSMT4">
                   <p:embed/>
                   <p:pic>
                     <p:nvPicPr>
@@ -13172,8 +13387,8 @@
                     </p:blipFill>
                     <p:spPr>
                       <a:xfrm>
-                        <a:off x="514350" y="2743200"/>
-                        <a:ext cx="8123238" cy="1905000"/>
+                        <a:off x="762000" y="3352800"/>
+                        <a:ext cx="4244975" cy="3141663"/>
                       </a:xfrm>
                       <a:prstGeom prst="rect">
                         <a:avLst/>
@@ -13188,32 +13403,32 @@
       </p:graphicFrame>
       <p:graphicFrame>
         <p:nvGraphicFramePr>
-          <p:cNvPr id="7" name="Object 6"/>
+          <p:cNvPr id="8" name="Object 7"/>
           <p:cNvGraphicFramePr>
             <a:graphicFrameLocks noChangeAspect="1"/>
           </p:cNvGraphicFramePr>
           <p:nvPr>
             <p:extLst>
               <p:ext uri="{D42A27DB-BD31-4B8C-83A1-F6EECF244321}">
-                <p14:modId xmlns:p14="http://schemas.microsoft.com/office/powerpoint/2010/main" val="887103631"/>
+                <p14:modId xmlns:p14="http://schemas.microsoft.com/office/powerpoint/2010/main" val="3853964727"/>
               </p:ext>
             </p:extLst>
           </p:nvPr>
         </p:nvGraphicFramePr>
         <p:xfrm>
-          <a:off x="522288" y="4648200"/>
-          <a:ext cx="7535862" cy="1905000"/>
+          <a:off x="263525" y="1544638"/>
+          <a:ext cx="4384675" cy="949325"/>
         </p:xfrm>
         <a:graphic>
           <a:graphicData uri="http://schemas.openxmlformats.org/presentationml/2006/ole">
             <mc:AlternateContent xmlns:mc="http://schemas.openxmlformats.org/markup-compatibility/2006">
               <mc:Choice xmlns:v="urn:schemas-microsoft-com:vml" Requires="v">
-                <p:oleObj spid="_x0000_s39951" name="Equation" r:id="rId8" imgW="1955800" imgH="495300" progId="Equation.DSMT4">
+                <p:oleObj spid="_x0000_s44054" name="Equation" r:id="rId8" imgW="1054100" imgH="228600" progId="Equation.DSMT4">
                   <p:embed/>
                 </p:oleObj>
               </mc:Choice>
               <mc:Fallback>
-                <p:oleObj name="Equation" r:id="rId8" imgW="1955800" imgH="495300" progId="Equation.DSMT4">
+                <p:oleObj name="Equation" r:id="rId8" imgW="1054100" imgH="228600" progId="Equation.DSMT4">
                   <p:embed/>
                   <p:pic>
                     <p:nvPicPr>
@@ -13229,8 +13444,8 @@
                     </p:blipFill>
                     <p:spPr>
                       <a:xfrm>
-                        <a:off x="522288" y="4648200"/>
-                        <a:ext cx="7535862" cy="1905000"/>
+                        <a:off x="263525" y="1544638"/>
+                        <a:ext cx="4384675" cy="949325"/>
                       </a:xfrm>
                       <a:prstGeom prst="rect">
                         <a:avLst/>
@@ -13246,7 +13461,7 @@
     </p:spTree>
     <p:extLst>
       <p:ext uri="{BB962C8B-B14F-4D97-AF65-F5344CB8AC3E}">
-        <p14:creationId xmlns:p14="http://schemas.microsoft.com/office/powerpoint/2010/main" val="4045100365"/>
+        <p14:creationId xmlns:p14="http://schemas.microsoft.com/office/powerpoint/2010/main" val="2179281657"/>
       </p:ext>
     </p:extLst>
   </p:cSld>
@@ -13268,7 +13483,83 @@
   <p:timing>
     <p:tnLst>
       <p:par>
-        <p:cTn xmlns:p14="http://schemas.microsoft.com/office/powerpoint/2010/main" id="1" dur="indefinite" restart="never" nodeType="tmRoot"/>
+        <p:cTn xmlns:p14="http://schemas.microsoft.com/office/powerpoint/2010/main" id="1" dur="indefinite" restart="never" nodeType="tmRoot">
+          <p:childTnLst>
+            <p:seq concurrent="1" nextAc="seek">
+              <p:cTn id="2" dur="indefinite" nodeType="mainSeq">
+                <p:childTnLst>
+                  <p:par>
+                    <p:cTn id="3" fill="hold">
+                      <p:stCondLst>
+                        <p:cond delay="indefinite"/>
+                      </p:stCondLst>
+                      <p:childTnLst>
+                        <p:par>
+                          <p:cTn id="4" fill="hold">
+                            <p:stCondLst>
+                              <p:cond delay="0"/>
+                            </p:stCondLst>
+                            <p:childTnLst>
+                              <p:par>
+                                <p:cTn id="5" presetID="10" presetClass="entr" presetSubtype="0" fill="hold" nodeType="clickEffect">
+                                  <p:stCondLst>
+                                    <p:cond delay="0"/>
+                                  </p:stCondLst>
+                                  <p:childTnLst>
+                                    <p:set>
+                                      <p:cBhvr>
+                                        <p:cTn id="6" dur="1" fill="hold">
+                                          <p:stCondLst>
+                                            <p:cond delay="0"/>
+                                          </p:stCondLst>
+                                        </p:cTn>
+                                        <p:tgtEl>
+                                          <p:spTgt spid="2"/>
+                                        </p:tgtEl>
+                                        <p:attrNameLst>
+                                          <p:attrName>style.visibility</p:attrName>
+                                        </p:attrNameLst>
+                                      </p:cBhvr>
+                                      <p:to>
+                                        <p:strVal val="visible"/>
+                                      </p:to>
+                                    </p:set>
+                                    <p:animEffect transition="in" filter="fade">
+                                      <p:cBhvr>
+                                        <p:cTn id="7" dur="500"/>
+                                        <p:tgtEl>
+                                          <p:spTgt spid="2"/>
+                                        </p:tgtEl>
+                                      </p:cBhvr>
+                                    </p:animEffect>
+                                  </p:childTnLst>
+                                </p:cTn>
+                              </p:par>
+                            </p:childTnLst>
+                          </p:cTn>
+                        </p:par>
+                      </p:childTnLst>
+                    </p:cTn>
+                  </p:par>
+                </p:childTnLst>
+              </p:cTn>
+              <p:prevCondLst>
+                <p:cond evt="onPrev" delay="0">
+                  <p:tgtEl>
+                    <p:sldTgt/>
+                  </p:tgtEl>
+                </p:cond>
+              </p:prevCondLst>
+              <p:nextCondLst>
+                <p:cond evt="onNext" delay="0">
+                  <p:tgtEl>
+                    <p:sldTgt/>
+                  </p:tgtEl>
+                </p:cond>
+              </p:nextCondLst>
+            </p:seq>
+          </p:childTnLst>
+        </p:cTn>
       </p:par>
     </p:tnLst>
   </p:timing>
@@ -13478,32 +13769,32 @@
       </p:sp>
       <p:graphicFrame>
         <p:nvGraphicFramePr>
-          <p:cNvPr id="9" name="Object 8"/>
+          <p:cNvPr id="7" name="Object 6"/>
           <p:cNvGraphicFramePr>
             <a:graphicFrameLocks noChangeAspect="1"/>
           </p:cNvGraphicFramePr>
           <p:nvPr>
             <p:extLst>
               <p:ext uri="{D42A27DB-BD31-4B8C-83A1-F6EECF244321}">
-                <p14:modId xmlns:p14="http://schemas.microsoft.com/office/powerpoint/2010/main" val="1343954446"/>
+                <p14:modId xmlns:p14="http://schemas.microsoft.com/office/powerpoint/2010/main" val="3443099751"/>
               </p:ext>
             </p:extLst>
           </p:nvPr>
         </p:nvGraphicFramePr>
         <p:xfrm>
-          <a:off x="228600" y="762000"/>
-          <a:ext cx="8769133" cy="2057400"/>
+          <a:off x="815975" y="3171825"/>
+          <a:ext cx="6950075" cy="1808163"/>
         </p:xfrm>
         <a:graphic>
           <a:graphicData uri="http://schemas.openxmlformats.org/presentationml/2006/ole">
             <mc:AlternateContent xmlns:mc="http://schemas.openxmlformats.org/markup-compatibility/2006">
               <mc:Choice xmlns:v="urn:schemas-microsoft-com:vml" Requires="v">
-                <p:oleObj spid="_x0000_s40970" name="Equation" r:id="rId4" imgW="2108200" imgH="495300" progId="Equation.DSMT4">
+                <p:oleObj spid="_x0000_s64522" name="Equation" r:id="rId4" imgW="1803400" imgH="469900" progId="Equation.DSMT4">
                   <p:embed/>
                 </p:oleObj>
               </mc:Choice>
               <mc:Fallback>
-                <p:oleObj name="Equation" r:id="rId4" imgW="2108200" imgH="495300" progId="Equation.DSMT4">
+                <p:oleObj name="Equation" r:id="rId4" imgW="1803400" imgH="469900" progId="Equation.DSMT4">
                   <p:embed/>
                   <p:pic>
                     <p:nvPicPr>
@@ -13519,8 +13810,8 @@
                     </p:blipFill>
                     <p:spPr>
                       <a:xfrm>
-                        <a:off x="228600" y="762000"/>
-                        <a:ext cx="8769133" cy="2057400"/>
+                        <a:off x="815975" y="3171825"/>
+                        <a:ext cx="6950075" cy="1808163"/>
                       </a:xfrm>
                       <a:prstGeom prst="rect">
                         <a:avLst/>
@@ -13535,32 +13826,32 @@
       </p:graphicFrame>
       <p:graphicFrame>
         <p:nvGraphicFramePr>
-          <p:cNvPr id="10" name="Object 9"/>
+          <p:cNvPr id="2" name="Object 1"/>
           <p:cNvGraphicFramePr>
             <a:graphicFrameLocks noChangeAspect="1"/>
           </p:cNvGraphicFramePr>
           <p:nvPr>
             <p:extLst>
               <p:ext uri="{D42A27DB-BD31-4B8C-83A1-F6EECF244321}">
-                <p14:modId xmlns:p14="http://schemas.microsoft.com/office/powerpoint/2010/main" val="3636335593"/>
+                <p14:modId xmlns:p14="http://schemas.microsoft.com/office/powerpoint/2010/main" val="3467414536"/>
               </p:ext>
             </p:extLst>
           </p:nvPr>
         </p:nvGraphicFramePr>
         <p:xfrm>
-          <a:off x="514350" y="2743200"/>
-          <a:ext cx="8123238" cy="1905000"/>
+          <a:off x="762000" y="3352800"/>
+          <a:ext cx="4244975" cy="3141663"/>
         </p:xfrm>
         <a:graphic>
           <a:graphicData uri="http://schemas.openxmlformats.org/presentationml/2006/ole">
             <mc:AlternateContent xmlns:mc="http://schemas.openxmlformats.org/markup-compatibility/2006">
               <mc:Choice xmlns:v="urn:schemas-microsoft-com:vml" Requires="v">
-                <p:oleObj spid="_x0000_s40971" name="Equation" r:id="rId6" imgW="2108200" imgH="495300" progId="Equation.DSMT4">
+                <p:oleObj spid="_x0000_s64523" name="Equation" r:id="rId6" imgW="635000" imgH="469900" progId="Equation.DSMT4">
                   <p:embed/>
                 </p:oleObj>
               </mc:Choice>
               <mc:Fallback>
-                <p:oleObj name="Equation" r:id="rId6" imgW="2108200" imgH="495300" progId="Equation.DSMT4">
+                <p:oleObj name="Equation" r:id="rId6" imgW="635000" imgH="469900" progId="Equation.DSMT4">
                   <p:embed/>
                   <p:pic>
                     <p:nvPicPr>
@@ -13576,8 +13867,8 @@
                     </p:blipFill>
                     <p:spPr>
                       <a:xfrm>
-                        <a:off x="514350" y="2743200"/>
-                        <a:ext cx="8123238" cy="1905000"/>
+                        <a:off x="762000" y="3352800"/>
+                        <a:ext cx="4244975" cy="3141663"/>
                       </a:xfrm>
                       <a:prstGeom prst="rect">
                         <a:avLst/>
@@ -13592,32 +13883,32 @@
       </p:graphicFrame>
       <p:graphicFrame>
         <p:nvGraphicFramePr>
-          <p:cNvPr id="7" name="Object 6"/>
+          <p:cNvPr id="8" name="Object 7"/>
           <p:cNvGraphicFramePr>
             <a:graphicFrameLocks noChangeAspect="1"/>
           </p:cNvGraphicFramePr>
           <p:nvPr>
             <p:extLst>
               <p:ext uri="{D42A27DB-BD31-4B8C-83A1-F6EECF244321}">
-                <p14:modId xmlns:p14="http://schemas.microsoft.com/office/powerpoint/2010/main" val="2276965356"/>
+                <p14:modId xmlns:p14="http://schemas.microsoft.com/office/powerpoint/2010/main" val="3853964727"/>
               </p:ext>
             </p:extLst>
           </p:nvPr>
         </p:nvGraphicFramePr>
         <p:xfrm>
-          <a:off x="1598613" y="4697413"/>
-          <a:ext cx="5383212" cy="1806575"/>
+          <a:off x="263525" y="1544638"/>
+          <a:ext cx="4384675" cy="949325"/>
         </p:xfrm>
         <a:graphic>
           <a:graphicData uri="http://schemas.openxmlformats.org/presentationml/2006/ole">
             <mc:AlternateContent xmlns:mc="http://schemas.openxmlformats.org/markup-compatibility/2006">
               <mc:Choice xmlns:v="urn:schemas-microsoft-com:vml" Requires="v">
-                <p:oleObj spid="_x0000_s40972" name="Equation" r:id="rId8" imgW="1397000" imgH="469900" progId="Equation.DSMT4">
+                <p:oleObj spid="_x0000_s64524" name="Equation" r:id="rId8" imgW="1054100" imgH="228600" progId="Equation.DSMT4">
                   <p:embed/>
                 </p:oleObj>
               </mc:Choice>
               <mc:Fallback>
-                <p:oleObj name="Equation" r:id="rId8" imgW="1397000" imgH="469900" progId="Equation.DSMT4">
+                <p:oleObj name="Equation" r:id="rId8" imgW="1054100" imgH="228600" progId="Equation.DSMT4">
                   <p:embed/>
                   <p:pic>
                     <p:nvPicPr>
@@ -13633,8 +13924,8 @@
                     </p:blipFill>
                     <p:spPr>
                       <a:xfrm>
-                        <a:off x="1598613" y="4697413"/>
-                        <a:ext cx="5383212" cy="1806575"/>
+                        <a:off x="263525" y="1544638"/>
+                        <a:ext cx="4384675" cy="949325"/>
                       </a:xfrm>
                       <a:prstGeom prst="rect">
                         <a:avLst/>
@@ -13650,7 +13941,7 @@
     </p:spTree>
     <p:extLst>
       <p:ext uri="{BB962C8B-B14F-4D97-AF65-F5344CB8AC3E}">
-        <p14:creationId xmlns:p14="http://schemas.microsoft.com/office/powerpoint/2010/main" val="2123469211"/>
+        <p14:creationId xmlns:p14="http://schemas.microsoft.com/office/powerpoint/2010/main" val="1183042462"/>
       </p:ext>
     </p:extLst>
   </p:cSld>
@@ -13672,7 +13963,83 @@
   <p:timing>
     <p:tnLst>
       <p:par>
-        <p:cTn xmlns:p14="http://schemas.microsoft.com/office/powerpoint/2010/main" id="1" dur="indefinite" restart="never" nodeType="tmRoot"/>
+        <p:cTn xmlns:p14="http://schemas.microsoft.com/office/powerpoint/2010/main" id="1" dur="indefinite" restart="never" nodeType="tmRoot">
+          <p:childTnLst>
+            <p:seq concurrent="1" nextAc="seek">
+              <p:cTn id="2" dur="indefinite" nodeType="mainSeq">
+                <p:childTnLst>
+                  <p:par>
+                    <p:cTn id="3" fill="hold">
+                      <p:stCondLst>
+                        <p:cond delay="indefinite"/>
+                      </p:stCondLst>
+                      <p:childTnLst>
+                        <p:par>
+                          <p:cTn id="4" fill="hold">
+                            <p:stCondLst>
+                              <p:cond delay="0"/>
+                            </p:stCondLst>
+                            <p:childTnLst>
+                              <p:par>
+                                <p:cTn id="5" presetID="10" presetClass="entr" presetSubtype="0" fill="hold" nodeType="clickEffect">
+                                  <p:stCondLst>
+                                    <p:cond delay="0"/>
+                                  </p:stCondLst>
+                                  <p:childTnLst>
+                                    <p:set>
+                                      <p:cBhvr>
+                                        <p:cTn id="6" dur="1" fill="hold">
+                                          <p:stCondLst>
+                                            <p:cond delay="0"/>
+                                          </p:stCondLst>
+                                        </p:cTn>
+                                        <p:tgtEl>
+                                          <p:spTgt spid="2"/>
+                                        </p:tgtEl>
+                                        <p:attrNameLst>
+                                          <p:attrName>style.visibility</p:attrName>
+                                        </p:attrNameLst>
+                                      </p:cBhvr>
+                                      <p:to>
+                                        <p:strVal val="visible"/>
+                                      </p:to>
+                                    </p:set>
+                                    <p:animEffect transition="in" filter="fade">
+                                      <p:cBhvr>
+                                        <p:cTn id="7" dur="500"/>
+                                        <p:tgtEl>
+                                          <p:spTgt spid="2"/>
+                                        </p:tgtEl>
+                                      </p:cBhvr>
+                                    </p:animEffect>
+                                  </p:childTnLst>
+                                </p:cTn>
+                              </p:par>
+                            </p:childTnLst>
+                          </p:cTn>
+                        </p:par>
+                      </p:childTnLst>
+                    </p:cTn>
+                  </p:par>
+                </p:childTnLst>
+              </p:cTn>
+              <p:prevCondLst>
+                <p:cond evt="onPrev" delay="0">
+                  <p:tgtEl>
+                    <p:sldTgt/>
+                  </p:tgtEl>
+                </p:cond>
+              </p:prevCondLst>
+              <p:nextCondLst>
+                <p:cond evt="onNext" delay="0">
+                  <p:tgtEl>
+                    <p:sldTgt/>
+                  </p:tgtEl>
+                </p:cond>
+              </p:nextCondLst>
+            </p:seq>
+          </p:childTnLst>
+        </p:cTn>
       </p:par>
     </p:tnLst>
   </p:timing>
@@ -13882,32 +14249,32 @@
       </p:sp>
       <p:graphicFrame>
         <p:nvGraphicFramePr>
-          <p:cNvPr id="9" name="Object 8"/>
+          <p:cNvPr id="7" name="Object 6"/>
           <p:cNvGraphicFramePr>
             <a:graphicFrameLocks noChangeAspect="1"/>
           </p:cNvGraphicFramePr>
           <p:nvPr>
             <p:extLst>
               <p:ext uri="{D42A27DB-BD31-4B8C-83A1-F6EECF244321}">
-                <p14:modId xmlns:p14="http://schemas.microsoft.com/office/powerpoint/2010/main" val="2372333309"/>
+                <p14:modId xmlns:p14="http://schemas.microsoft.com/office/powerpoint/2010/main" val="3143177628"/>
               </p:ext>
             </p:extLst>
           </p:nvPr>
         </p:nvGraphicFramePr>
         <p:xfrm>
-          <a:off x="228600" y="762000"/>
-          <a:ext cx="8769133" cy="2057400"/>
+          <a:off x="1600200" y="3352800"/>
+          <a:ext cx="5892234" cy="1219200"/>
         </p:xfrm>
         <a:graphic>
           <a:graphicData uri="http://schemas.openxmlformats.org/presentationml/2006/ole">
             <mc:AlternateContent xmlns:mc="http://schemas.openxmlformats.org/markup-compatibility/2006">
               <mc:Choice xmlns:v="urn:schemas-microsoft-com:vml" Requires="v">
-                <p:oleObj spid="_x0000_s41994" name="Equation" r:id="rId4" imgW="2108200" imgH="495300" progId="Equation.DSMT4">
+                <p:oleObj spid="_x0000_s66565" name="Equation" r:id="rId4" imgW="1041400" imgH="215900" progId="Equation.DSMT4">
                   <p:embed/>
                 </p:oleObj>
               </mc:Choice>
               <mc:Fallback>
-                <p:oleObj name="Equation" r:id="rId4" imgW="2108200" imgH="495300" progId="Equation.DSMT4">
+                <p:oleObj name="Equation" r:id="rId4" imgW="1041400" imgH="215900" progId="Equation.DSMT4">
                   <p:embed/>
                   <p:pic>
                     <p:nvPicPr>
@@ -13923,8 +14290,8 @@
                     </p:blipFill>
                     <p:spPr>
                       <a:xfrm>
-                        <a:off x="228600" y="762000"/>
-                        <a:ext cx="8769133" cy="2057400"/>
+                        <a:off x="1600200" y="3352800"/>
+                        <a:ext cx="5892234" cy="1219200"/>
                       </a:xfrm>
                       <a:prstGeom prst="rect">
                         <a:avLst/>
@@ -13939,32 +14306,32 @@
       </p:graphicFrame>
       <p:graphicFrame>
         <p:nvGraphicFramePr>
-          <p:cNvPr id="10" name="Object 9"/>
+          <p:cNvPr id="8" name="Object 7"/>
           <p:cNvGraphicFramePr>
             <a:graphicFrameLocks noChangeAspect="1"/>
           </p:cNvGraphicFramePr>
           <p:nvPr>
             <p:extLst>
               <p:ext uri="{D42A27DB-BD31-4B8C-83A1-F6EECF244321}">
-                <p14:modId xmlns:p14="http://schemas.microsoft.com/office/powerpoint/2010/main" val="926081396"/>
+                <p14:modId xmlns:p14="http://schemas.microsoft.com/office/powerpoint/2010/main" val="4030387480"/>
               </p:ext>
             </p:extLst>
           </p:nvPr>
         </p:nvGraphicFramePr>
         <p:xfrm>
-          <a:off x="514350" y="2743200"/>
-          <a:ext cx="8123238" cy="1905000"/>
+          <a:off x="263525" y="1544638"/>
+          <a:ext cx="5535833" cy="1198562"/>
         </p:xfrm>
         <a:graphic>
           <a:graphicData uri="http://schemas.openxmlformats.org/presentationml/2006/ole">
             <mc:AlternateContent xmlns:mc="http://schemas.openxmlformats.org/markup-compatibility/2006">
               <mc:Choice xmlns:v="urn:schemas-microsoft-com:vml" Requires="v">
-                <p:oleObj spid="_x0000_s41995" name="Equation" r:id="rId6" imgW="2108200" imgH="495300" progId="Equation.DSMT4">
+                <p:oleObj spid="_x0000_s66566" name="Equation" r:id="rId6" imgW="1054100" imgH="228600" progId="Equation.DSMT4">
                   <p:embed/>
                 </p:oleObj>
               </mc:Choice>
               <mc:Fallback>
-                <p:oleObj name="Equation" r:id="rId6" imgW="2108200" imgH="495300" progId="Equation.DSMT4">
+                <p:oleObj name="Equation" r:id="rId6" imgW="1054100" imgH="228600" progId="Equation.DSMT4">
                   <p:embed/>
                   <p:pic>
                     <p:nvPicPr>
@@ -13980,65 +14347,8 @@
                     </p:blipFill>
                     <p:spPr>
                       <a:xfrm>
-                        <a:off x="514350" y="2743200"/>
-                        <a:ext cx="8123238" cy="1905000"/>
-                      </a:xfrm>
-                      <a:prstGeom prst="rect">
-                        <a:avLst/>
-                      </a:prstGeom>
-                    </p:spPr>
-                  </p:pic>
-                </p:oleObj>
-              </mc:Fallback>
-            </mc:AlternateContent>
-          </a:graphicData>
-        </a:graphic>
-      </p:graphicFrame>
-      <p:graphicFrame>
-        <p:nvGraphicFramePr>
-          <p:cNvPr id="7" name="Object 6"/>
-          <p:cNvGraphicFramePr>
-            <a:graphicFrameLocks noChangeAspect="1"/>
-          </p:cNvGraphicFramePr>
-          <p:nvPr>
-            <p:extLst>
-              <p:ext uri="{D42A27DB-BD31-4B8C-83A1-F6EECF244321}">
-                <p14:modId xmlns:p14="http://schemas.microsoft.com/office/powerpoint/2010/main" val="112466855"/>
-              </p:ext>
-            </p:extLst>
-          </p:nvPr>
-        </p:nvGraphicFramePr>
-        <p:xfrm>
-          <a:off x="2014538" y="5186363"/>
-          <a:ext cx="4551362" cy="828675"/>
-        </p:xfrm>
-        <a:graphic>
-          <a:graphicData uri="http://schemas.openxmlformats.org/presentationml/2006/ole">
-            <mc:AlternateContent xmlns:mc="http://schemas.openxmlformats.org/markup-compatibility/2006">
-              <mc:Choice xmlns:v="urn:schemas-microsoft-com:vml" Requires="v">
-                <p:oleObj spid="_x0000_s41996" name="Equation" r:id="rId8" imgW="1181100" imgH="215900" progId="Equation.DSMT4">
-                  <p:embed/>
-                </p:oleObj>
-              </mc:Choice>
-              <mc:Fallback>
-                <p:oleObj name="Equation" r:id="rId8" imgW="1181100" imgH="215900" progId="Equation.DSMT4">
-                  <p:embed/>
-                  <p:pic>
-                    <p:nvPicPr>
-                      <p:cNvPr id="0" name=""/>
-                      <p:cNvPicPr/>
-                      <p:nvPr/>
-                    </p:nvPicPr>
-                    <p:blipFill>
-                      <a:blip r:embed="rId9"/>
-                      <a:stretch>
-                        <a:fillRect/>
-                      </a:stretch>
-                    </p:blipFill>
-                    <p:spPr>
-                      <a:xfrm>
-                        <a:off x="2014538" y="5186363"/>
-                        <a:ext cx="4551362" cy="828675"/>
+                        <a:off x="263525" y="1544638"/>
+                        <a:ext cx="5535833" cy="1198562"/>
                       </a:xfrm>
                       <a:prstGeom prst="rect">
                         <a:avLst/>
@@ -14054,22 +14364,22 @@
     </p:spTree>
     <p:extLst>
       <p:ext uri="{BB962C8B-B14F-4D97-AF65-F5344CB8AC3E}">
-        <p14:creationId xmlns:p14="http://schemas.microsoft.com/office/powerpoint/2010/main" val="1765250088"/>
+        <p14:creationId xmlns:p14="http://schemas.microsoft.com/office/powerpoint/2010/main" val="1179917377"/>
       </p:ext>
     </p:extLst>
   </p:cSld>
   <p:clrMapOvr>
     <a:masterClrMapping/>
   </p:clrMapOvr>
-  <mc:AlternateContent xmlns:mc="http://schemas.openxmlformats.org/markup-compatibility/2006" xmlns:p14="http://schemas.microsoft.com/office/powerpoint/2010/main">
-    <mc:Choice Requires="p14">
-      <p:transition spd="med" p14:dur="700" advClick="0">
-        <p:fade/>
+  <mc:AlternateContent xmlns:mc="http://schemas.openxmlformats.org/markup-compatibility/2006">
+    <mc:Choice xmlns:p14="http://schemas.microsoft.com/office/powerpoint/2010/main" Requires="p14">
+      <p:transition spd="med" p14:dur="600" advClick="0">
+        <p:fade thruBlk="1"/>
       </p:transition>
     </mc:Choice>
-    <mc:Fallback xmlns="">
+    <mc:Fallback>
       <p:transition xmlns:p14="http://schemas.microsoft.com/office/powerpoint/2010/main" spd="med" advClick="0">
-        <p:fade/>
+        <p:fade thruBlk="1"/>
       </p:transition>
     </mc:Fallback>
   </mc:AlternateContent>
@@ -14293,11 +14603,6 @@
               </a:rPr>
               <a:t>Odds of an Event</a:t>
             </a:r>
-            <a:endParaRPr lang="en-US" sz="4800" dirty="0" smtClean="0">
-              <a:solidFill>
-                <a:schemeClr val="tx1"/>
-              </a:solidFill>
-            </a:endParaRPr>
           </a:p>
         </p:txBody>
       </p:sp>
@@ -14369,7 +14674,7 @@
           <a:graphicData uri="http://schemas.openxmlformats.org/presentationml/2006/ole">
             <mc:AlternateContent xmlns:mc="http://schemas.openxmlformats.org/markup-compatibility/2006">
               <mc:Choice xmlns:v="urn:schemas-microsoft-com:vml" Requires="v">
-                <p:oleObj spid="_x0000_s31753" name="Equation" r:id="rId3" imgW="952500" imgH="469900" progId="Equation.DSMT4">
+                <p:oleObj spid="_x0000_s31758" name="Equation" r:id="rId3" imgW="952500" imgH="469900" progId="Equation.DSMT4">
                   <p:embed/>
                 </p:oleObj>
               </mc:Choice>
@@ -14426,7 +14731,7 @@
           <a:graphicData uri="http://schemas.openxmlformats.org/presentationml/2006/ole">
             <mc:AlternateContent xmlns:mc="http://schemas.openxmlformats.org/markup-compatibility/2006">
               <mc:Choice xmlns:v="urn:schemas-microsoft-com:vml" Requires="v">
-                <p:oleObj spid="_x0000_s31754" name="Equation" r:id="rId5" imgW="1701800" imgH="469900" progId="Equation.DSMT4">
+                <p:oleObj spid="_x0000_s31759" name="Equation" r:id="rId5" imgW="1701800" imgH="469900" progId="Equation.DSMT4">
                   <p:embed/>
                 </p:oleObj>
               </mc:Choice>
@@ -14715,7 +15020,7 @@
 </file>
 
 <file path=ppt/slides/slide30.xml><?xml version="1.0" encoding="utf-8"?>
-<p:sld xmlns:a="http://schemas.openxmlformats.org/drawingml/2006/main" xmlns:r="http://schemas.openxmlformats.org/officeDocument/2006/relationships" xmlns:p="http://schemas.openxmlformats.org/presentationml/2006/main">
+<p:sld xmlns:a="http://schemas.openxmlformats.org/drawingml/2006/main" xmlns:r="http://schemas.openxmlformats.org/officeDocument/2006/relationships" xmlns:p="http://schemas.openxmlformats.org/presentationml/2006/main" show="0">
   <p:cSld>
     <p:spTree>
       <p:nvGrpSpPr>
@@ -14825,9 +15130,9 @@
                 <a:effectLst/>
                 <a:uLnTx/>
                 <a:uFillTx/>
-                <a:latin typeface="Comic Sans MS"/>
+                <a:latin typeface="+mn-lt"/>
                 <a:ea typeface="+mn-ea"/>
-                <a:cs typeface="Comic Sans MS"/>
+                <a:cs typeface="+mn-cs"/>
               </a:rPr>
               <a:t>testing.</a:t>
             </a:r>
@@ -14842,9 +15147,9 @@
                 <a:effectLst/>
                 <a:uLnTx/>
                 <a:uFillTx/>
-                <a:latin typeface="Comic Sans MS"/>
+                <a:latin typeface="+mn-lt"/>
                 <a:ea typeface="+mn-ea"/>
-                <a:cs typeface="Comic Sans MS"/>
+                <a:cs typeface="+mn-cs"/>
               </a:rPr>
               <a:pPr marL="0" marR="0" lvl="0" indent="0" algn="r" defTabSz="914400" rtl="0" eaLnBrk="1" fontAlgn="base" latinLnBrk="0" hangingPunct="1">
                 <a:lnSpc>
@@ -14875,6 +15180,814 @@
               <a:effectLst/>
               <a:uLnTx/>
               <a:uFillTx/>
+              <a:latin typeface="+mn-lt"/>
+              <a:ea typeface="+mn-ea"/>
+              <a:cs typeface="+mn-cs"/>
+            </a:endParaRPr>
+          </a:p>
+        </p:txBody>
+      </p:sp>
+      <p:sp>
+        <p:nvSpPr>
+          <p:cNvPr id="13" name="Rectangle 4"/>
+          <p:cNvSpPr>
+            <a:spLocks noGrp="1" noChangeArrowheads="1"/>
+          </p:cNvSpPr>
+          <p:nvPr>
+            <p:ph type="title"/>
+          </p:nvPr>
+        </p:nvSpPr>
+        <p:spPr>
+          <a:xfrm>
+            <a:off x="1295400" y="228600"/>
+            <a:ext cx="6553200" cy="838200"/>
+          </a:xfrm>
+          <a:noFill/>
+        </p:spPr>
+        <p:txBody>
+          <a:bodyPr/>
+          <a:lstStyle/>
+          <a:p>
+            <a:pPr eaLnBrk="1" hangingPunct="1"/>
+            <a:r>
+              <a:rPr lang="en-US" sz="4800" dirty="0" smtClean="0">
+                <a:solidFill>
+                  <a:schemeClr val="tx1"/>
+                </a:solidFill>
+              </a:rPr>
+              <a:t>Do you have TB?</a:t>
+            </a:r>
+          </a:p>
+        </p:txBody>
+      </p:sp>
+      <p:graphicFrame>
+        <p:nvGraphicFramePr>
+          <p:cNvPr id="9" name="Object 8"/>
+          <p:cNvGraphicFramePr>
+            <a:graphicFrameLocks noChangeAspect="1"/>
+          </p:cNvGraphicFramePr>
+          <p:nvPr>
+            <p:extLst>
+              <p:ext uri="{D42A27DB-BD31-4B8C-83A1-F6EECF244321}">
+                <p14:modId xmlns:p14="http://schemas.microsoft.com/office/powerpoint/2010/main" val="2931725102"/>
+              </p:ext>
+            </p:extLst>
+          </p:nvPr>
+        </p:nvGraphicFramePr>
+        <p:xfrm>
+          <a:off x="228600" y="762000"/>
+          <a:ext cx="8769133" cy="2057400"/>
+        </p:xfrm>
+        <a:graphic>
+          <a:graphicData uri="http://schemas.openxmlformats.org/presentationml/2006/ole">
+            <mc:AlternateContent xmlns:mc="http://schemas.openxmlformats.org/markup-compatibility/2006">
+              <mc:Choice xmlns:v="urn:schemas-microsoft-com:vml" Requires="v">
+                <p:oleObj spid="_x0000_s39959" name="Equation" r:id="rId4" imgW="2108200" imgH="495300" progId="Equation.DSMT4">
+                  <p:embed/>
+                </p:oleObj>
+              </mc:Choice>
+              <mc:Fallback>
+                <p:oleObj name="Equation" r:id="rId4" imgW="2108200" imgH="495300" progId="Equation.DSMT4">
+                  <p:embed/>
+                  <p:pic>
+                    <p:nvPicPr>
+                      <p:cNvPr id="0" name=""/>
+                      <p:cNvPicPr/>
+                      <p:nvPr/>
+                    </p:nvPicPr>
+                    <p:blipFill>
+                      <a:blip r:embed="rId5"/>
+                      <a:stretch>
+                        <a:fillRect/>
+                      </a:stretch>
+                    </p:blipFill>
+                    <p:spPr>
+                      <a:xfrm>
+                        <a:off x="228600" y="762000"/>
+                        <a:ext cx="8769133" cy="2057400"/>
+                      </a:xfrm>
+                      <a:prstGeom prst="rect">
+                        <a:avLst/>
+                      </a:prstGeom>
+                    </p:spPr>
+                  </p:pic>
+                </p:oleObj>
+              </mc:Fallback>
+            </mc:AlternateContent>
+          </a:graphicData>
+        </a:graphic>
+      </p:graphicFrame>
+      <p:graphicFrame>
+        <p:nvGraphicFramePr>
+          <p:cNvPr id="10" name="Object 9"/>
+          <p:cNvGraphicFramePr>
+            <a:graphicFrameLocks noChangeAspect="1"/>
+          </p:cNvGraphicFramePr>
+          <p:nvPr>
+            <p:extLst>
+              <p:ext uri="{D42A27DB-BD31-4B8C-83A1-F6EECF244321}">
+                <p14:modId xmlns:p14="http://schemas.microsoft.com/office/powerpoint/2010/main" val="3388897251"/>
+              </p:ext>
+            </p:extLst>
+          </p:nvPr>
+        </p:nvGraphicFramePr>
+        <p:xfrm>
+          <a:off x="514350" y="2743200"/>
+          <a:ext cx="8123238" cy="1905000"/>
+        </p:xfrm>
+        <a:graphic>
+          <a:graphicData uri="http://schemas.openxmlformats.org/presentationml/2006/ole">
+            <mc:AlternateContent xmlns:mc="http://schemas.openxmlformats.org/markup-compatibility/2006">
+              <mc:Choice xmlns:v="urn:schemas-microsoft-com:vml" Requires="v">
+                <p:oleObj spid="_x0000_s39960" name="Equation" r:id="rId6" imgW="2108200" imgH="495300" progId="Equation.DSMT4">
+                  <p:embed/>
+                </p:oleObj>
+              </mc:Choice>
+              <mc:Fallback>
+                <p:oleObj name="Equation" r:id="rId6" imgW="2108200" imgH="495300" progId="Equation.DSMT4">
+                  <p:embed/>
+                  <p:pic>
+                    <p:nvPicPr>
+                      <p:cNvPr id="0" name=""/>
+                      <p:cNvPicPr/>
+                      <p:nvPr/>
+                    </p:nvPicPr>
+                    <p:blipFill>
+                      <a:blip r:embed="rId7"/>
+                      <a:stretch>
+                        <a:fillRect/>
+                      </a:stretch>
+                    </p:blipFill>
+                    <p:spPr>
+                      <a:xfrm>
+                        <a:off x="514350" y="2743200"/>
+                        <a:ext cx="8123238" cy="1905000"/>
+                      </a:xfrm>
+                      <a:prstGeom prst="rect">
+                        <a:avLst/>
+                      </a:prstGeom>
+                    </p:spPr>
+                  </p:pic>
+                </p:oleObj>
+              </mc:Fallback>
+            </mc:AlternateContent>
+          </a:graphicData>
+        </a:graphic>
+      </p:graphicFrame>
+      <p:graphicFrame>
+        <p:nvGraphicFramePr>
+          <p:cNvPr id="7" name="Object 6"/>
+          <p:cNvGraphicFramePr>
+            <a:graphicFrameLocks noChangeAspect="1"/>
+          </p:cNvGraphicFramePr>
+          <p:nvPr>
+            <p:extLst>
+              <p:ext uri="{D42A27DB-BD31-4B8C-83A1-F6EECF244321}">
+                <p14:modId xmlns:p14="http://schemas.microsoft.com/office/powerpoint/2010/main" val="887103631"/>
+              </p:ext>
+            </p:extLst>
+          </p:nvPr>
+        </p:nvGraphicFramePr>
+        <p:xfrm>
+          <a:off x="522288" y="4648200"/>
+          <a:ext cx="7535862" cy="1905000"/>
+        </p:xfrm>
+        <a:graphic>
+          <a:graphicData uri="http://schemas.openxmlformats.org/presentationml/2006/ole">
+            <mc:AlternateContent xmlns:mc="http://schemas.openxmlformats.org/markup-compatibility/2006">
+              <mc:Choice xmlns:v="urn:schemas-microsoft-com:vml" Requires="v">
+                <p:oleObj spid="_x0000_s39961" name="Equation" r:id="rId8" imgW="1955800" imgH="495300" progId="Equation.DSMT4">
+                  <p:embed/>
+                </p:oleObj>
+              </mc:Choice>
+              <mc:Fallback>
+                <p:oleObj name="Equation" r:id="rId8" imgW="1955800" imgH="495300" progId="Equation.DSMT4">
+                  <p:embed/>
+                  <p:pic>
+                    <p:nvPicPr>
+                      <p:cNvPr id="0" name=""/>
+                      <p:cNvPicPr/>
+                      <p:nvPr/>
+                    </p:nvPicPr>
+                    <p:blipFill>
+                      <a:blip r:embed="rId9"/>
+                      <a:stretch>
+                        <a:fillRect/>
+                      </a:stretch>
+                    </p:blipFill>
+                    <p:spPr>
+                      <a:xfrm>
+                        <a:off x="522288" y="4648200"/>
+                        <a:ext cx="7535862" cy="1905000"/>
+                      </a:xfrm>
+                      <a:prstGeom prst="rect">
+                        <a:avLst/>
+                      </a:prstGeom>
+                    </p:spPr>
+                  </p:pic>
+                </p:oleObj>
+              </mc:Fallback>
+            </mc:AlternateContent>
+          </a:graphicData>
+        </a:graphic>
+      </p:graphicFrame>
+    </p:spTree>
+    <p:extLst>
+      <p:ext uri="{BB962C8B-B14F-4D97-AF65-F5344CB8AC3E}">
+        <p14:creationId xmlns:p14="http://schemas.microsoft.com/office/powerpoint/2010/main" val="4045100365"/>
+      </p:ext>
+    </p:extLst>
+  </p:cSld>
+  <p:clrMapOvr>
+    <a:masterClrMapping/>
+  </p:clrMapOvr>
+  <mc:AlternateContent xmlns:mc="http://schemas.openxmlformats.org/markup-compatibility/2006">
+    <mc:Choice xmlns:p14="http://schemas.microsoft.com/office/powerpoint/2010/main" Requires="p14">
+      <p:transition spd="med" p14:dur="700" advClick="0">
+        <p:fade/>
+      </p:transition>
+    </mc:Choice>
+    <mc:Fallback>
+      <p:transition xmlns:p14="http://schemas.microsoft.com/office/powerpoint/2010/main" spd="med" advClick="0">
+        <p:fade/>
+      </p:transition>
+    </mc:Fallback>
+  </mc:AlternateContent>
+  <p:timing>
+    <p:tnLst>
+      <p:par>
+        <p:cTn xmlns:p14="http://schemas.microsoft.com/office/powerpoint/2010/main" id="1" dur="indefinite" restart="never" nodeType="tmRoot"/>
+      </p:par>
+    </p:tnLst>
+  </p:timing>
+</p:sld>
+</file>
+
+<file path=ppt/slides/slide31.xml><?xml version="1.0" encoding="utf-8"?>
+<p:sld xmlns:a="http://schemas.openxmlformats.org/drawingml/2006/main" xmlns:r="http://schemas.openxmlformats.org/officeDocument/2006/relationships" xmlns:p="http://schemas.openxmlformats.org/presentationml/2006/main" show="0">
+  <p:cSld>
+    <p:spTree>
+      <p:nvGrpSpPr>
+        <p:cNvPr id="1" name=""/>
+        <p:cNvGrpSpPr/>
+        <p:nvPr/>
+      </p:nvGrpSpPr>
+      <p:grpSpPr>
+        <a:xfrm>
+          <a:off x="0" y="0"/>
+          <a:ext cx="0" cy="0"/>
+          <a:chOff x="0" y="0"/>
+          <a:chExt cx="0" cy="0"/>
+        </a:xfrm>
+      </p:grpSpPr>
+      <p:cxnSp>
+        <p:nvCxnSpPr>
+          <p:cNvPr id="30727" name="AutoShape 21"/>
+          <p:cNvCxnSpPr>
+            <a:cxnSpLocks noChangeShapeType="1"/>
+          </p:cNvCxnSpPr>
+          <p:nvPr/>
+        </p:nvCxnSpPr>
+        <p:spPr bwMode="auto">
+          <a:xfrm>
+            <a:off x="1219200" y="3543300"/>
+            <a:ext cx="0" cy="0"/>
+          </a:xfrm>
+          <a:prstGeom prst="straightConnector1">
+            <a:avLst/>
+          </a:prstGeom>
+          <a:noFill/>
+          <a:ln w="9525">
+            <a:solidFill>
+              <a:schemeClr val="tx1"/>
+            </a:solidFill>
+            <a:round/>
+            <a:headEnd/>
+            <a:tailEnd/>
+          </a:ln>
+        </p:spPr>
+      </p:cxnSp>
+      <p:sp>
+        <p:nvSpPr>
+          <p:cNvPr id="39" name="Rectangle 4"/>
+          <p:cNvSpPr txBox="1">
+            <a:spLocks noChangeArrowheads="1"/>
+          </p:cNvSpPr>
+          <p:nvPr/>
+        </p:nvSpPr>
+        <p:spPr bwMode="auto">
+          <a:xfrm>
+            <a:off x="7696200" y="6629400"/>
+            <a:ext cx="1447800" cy="228600"/>
+          </a:xfrm>
+          <a:prstGeom prst="rect">
+            <a:avLst/>
+          </a:prstGeom>
+          <a:noFill/>
+          <a:ln w="9525">
+            <a:noFill/>
+            <a:miter lim="800000"/>
+            <a:headEnd/>
+            <a:tailEnd/>
+          </a:ln>
+          <a:effectLst/>
+        </p:spPr>
+        <p:txBody>
+          <a:bodyPr vert="horz" wrap="square" lIns="91440" tIns="45720" rIns="91440" bIns="45720" numCol="1" anchor="t" anchorCtr="0" compatLnSpc="1">
+            <a:prstTxWarp prst="textNoShape">
+              <a:avLst/>
+            </a:prstTxWarp>
+          </a:bodyPr>
+          <a:lstStyle>
+            <a:lvl1pPr algn="r">
+              <a:defRPr sz="1200" dirty="0" err="1" smtClean="0">
+                <a:latin typeface="+mn-lt"/>
+              </a:defRPr>
+            </a:lvl1pPr>
+          </a:lstStyle>
+          <a:p>
+            <a:pPr marL="0" marR="0" lvl="0" indent="0" algn="r" defTabSz="914400" rtl="0" eaLnBrk="1" fontAlgn="base" latinLnBrk="0" hangingPunct="1">
+              <a:lnSpc>
+                <a:spcPct val="100000"/>
+              </a:lnSpc>
+              <a:spcBef>
+                <a:spcPct val="0"/>
+              </a:spcBef>
+              <a:spcAft>
+                <a:spcPct val="0"/>
+              </a:spcAft>
+              <a:buClrTx/>
+              <a:buSzTx/>
+              <a:buFontTx/>
+              <a:buNone/>
+              <a:tabLst/>
+              <a:defRPr/>
+            </a:pPr>
+            <a:r>
+              <a:rPr kumimoji="0" lang="en-US" sz="1200" b="0" i="0" u="none" strike="noStrike" kern="1200" cap="none" spc="0" normalizeH="0" baseline="0" noProof="0" dirty="0" smtClean="0">
+                <a:ln>
+                  <a:noFill/>
+                </a:ln>
+                <a:solidFill>
+                  <a:schemeClr val="tx1"/>
+                </a:solidFill>
+                <a:effectLst/>
+                <a:uLnTx/>
+                <a:uFillTx/>
+                <a:latin typeface="+mn-lt"/>
+                <a:ea typeface="+mn-ea"/>
+                <a:cs typeface="+mn-cs"/>
+              </a:rPr>
+              <a:t>testing.</a:t>
+            </a:r>
+            <a:fld id="{B9A0B45D-6AFD-413C-B761-B121FB8BE940}" type="slidenum">
+              <a:rPr kumimoji="0" lang="en-US" sz="1200" b="0" i="0" u="none" strike="noStrike" kern="1200" cap="none" spc="0" normalizeH="0" baseline="0" noProof="0" smtClean="0">
+                <a:ln>
+                  <a:noFill/>
+                </a:ln>
+                <a:solidFill>
+                  <a:schemeClr val="tx1"/>
+                </a:solidFill>
+                <a:effectLst/>
+                <a:uLnTx/>
+                <a:uFillTx/>
+                <a:latin typeface="+mn-lt"/>
+                <a:ea typeface="+mn-ea"/>
+                <a:cs typeface="+mn-cs"/>
+              </a:rPr>
+              <a:pPr marL="0" marR="0" lvl="0" indent="0" algn="r" defTabSz="914400" rtl="0" eaLnBrk="1" fontAlgn="base" latinLnBrk="0" hangingPunct="1">
+                <a:lnSpc>
+                  <a:spcPct val="100000"/>
+                </a:lnSpc>
+                <a:spcBef>
+                  <a:spcPct val="0"/>
+                </a:spcBef>
+                <a:spcAft>
+                  <a:spcPct val="0"/>
+                </a:spcAft>
+                <a:buClrTx/>
+                <a:buSzTx/>
+                <a:buFontTx/>
+                <a:buNone/>
+                <a:tabLst/>
+                <a:defRPr/>
+              </a:pPr>
+              <a:t>31</a:t>
+            </a:fld>
+            <a:endParaRPr kumimoji="0" lang="en-US" sz="1200" b="0" i="0" u="none" strike="noStrike" kern="1200" cap="none" spc="0" normalizeH="0" baseline="0" noProof="0" dirty="0">
+              <a:ln>
+                <a:noFill/>
+              </a:ln>
+              <a:solidFill>
+                <a:schemeClr val="tx1"/>
+              </a:solidFill>
+              <a:effectLst/>
+              <a:uLnTx/>
+              <a:uFillTx/>
+              <a:latin typeface="+mn-lt"/>
+              <a:ea typeface="+mn-ea"/>
+              <a:cs typeface="+mn-cs"/>
+            </a:endParaRPr>
+          </a:p>
+        </p:txBody>
+      </p:sp>
+      <p:sp>
+        <p:nvSpPr>
+          <p:cNvPr id="13" name="Rectangle 4"/>
+          <p:cNvSpPr>
+            <a:spLocks noGrp="1" noChangeArrowheads="1"/>
+          </p:cNvSpPr>
+          <p:nvPr>
+            <p:ph type="title"/>
+          </p:nvPr>
+        </p:nvSpPr>
+        <p:spPr>
+          <a:xfrm>
+            <a:off x="1295400" y="228600"/>
+            <a:ext cx="6553200" cy="838200"/>
+          </a:xfrm>
+          <a:noFill/>
+        </p:spPr>
+        <p:txBody>
+          <a:bodyPr/>
+          <a:lstStyle/>
+          <a:p>
+            <a:pPr eaLnBrk="1" hangingPunct="1"/>
+            <a:r>
+              <a:rPr lang="en-US" sz="4800" dirty="0" smtClean="0">
+                <a:solidFill>
+                  <a:schemeClr val="tx1"/>
+                </a:solidFill>
+              </a:rPr>
+              <a:t>Do you have TB?</a:t>
+            </a:r>
+          </a:p>
+        </p:txBody>
+      </p:sp>
+      <p:graphicFrame>
+        <p:nvGraphicFramePr>
+          <p:cNvPr id="9" name="Object 8"/>
+          <p:cNvGraphicFramePr>
+            <a:graphicFrameLocks noChangeAspect="1"/>
+          </p:cNvGraphicFramePr>
+          <p:nvPr>
+            <p:extLst>
+              <p:ext uri="{D42A27DB-BD31-4B8C-83A1-F6EECF244321}">
+                <p14:modId xmlns:p14="http://schemas.microsoft.com/office/powerpoint/2010/main" val="1343954446"/>
+              </p:ext>
+            </p:extLst>
+          </p:nvPr>
+        </p:nvGraphicFramePr>
+        <p:xfrm>
+          <a:off x="228600" y="762000"/>
+          <a:ext cx="8769133" cy="2057400"/>
+        </p:xfrm>
+        <a:graphic>
+          <a:graphicData uri="http://schemas.openxmlformats.org/presentationml/2006/ole">
+            <mc:AlternateContent xmlns:mc="http://schemas.openxmlformats.org/markup-compatibility/2006">
+              <mc:Choice xmlns:v="urn:schemas-microsoft-com:vml" Requires="v">
+                <p:oleObj spid="_x0000_s40980" name="Equation" r:id="rId4" imgW="2108200" imgH="495300" progId="Equation.DSMT4">
+                  <p:embed/>
+                </p:oleObj>
+              </mc:Choice>
+              <mc:Fallback>
+                <p:oleObj name="Equation" r:id="rId4" imgW="2108200" imgH="495300" progId="Equation.DSMT4">
+                  <p:embed/>
+                  <p:pic>
+                    <p:nvPicPr>
+                      <p:cNvPr id="0" name=""/>
+                      <p:cNvPicPr/>
+                      <p:nvPr/>
+                    </p:nvPicPr>
+                    <p:blipFill>
+                      <a:blip r:embed="rId5"/>
+                      <a:stretch>
+                        <a:fillRect/>
+                      </a:stretch>
+                    </p:blipFill>
+                    <p:spPr>
+                      <a:xfrm>
+                        <a:off x="228600" y="762000"/>
+                        <a:ext cx="8769133" cy="2057400"/>
+                      </a:xfrm>
+                      <a:prstGeom prst="rect">
+                        <a:avLst/>
+                      </a:prstGeom>
+                    </p:spPr>
+                  </p:pic>
+                </p:oleObj>
+              </mc:Fallback>
+            </mc:AlternateContent>
+          </a:graphicData>
+        </a:graphic>
+      </p:graphicFrame>
+      <p:graphicFrame>
+        <p:nvGraphicFramePr>
+          <p:cNvPr id="10" name="Object 9"/>
+          <p:cNvGraphicFramePr>
+            <a:graphicFrameLocks noChangeAspect="1"/>
+          </p:cNvGraphicFramePr>
+          <p:nvPr>
+            <p:extLst>
+              <p:ext uri="{D42A27DB-BD31-4B8C-83A1-F6EECF244321}">
+                <p14:modId xmlns:p14="http://schemas.microsoft.com/office/powerpoint/2010/main" val="3636335593"/>
+              </p:ext>
+            </p:extLst>
+          </p:nvPr>
+        </p:nvGraphicFramePr>
+        <p:xfrm>
+          <a:off x="514350" y="2743200"/>
+          <a:ext cx="8123238" cy="1905000"/>
+        </p:xfrm>
+        <a:graphic>
+          <a:graphicData uri="http://schemas.openxmlformats.org/presentationml/2006/ole">
+            <mc:AlternateContent xmlns:mc="http://schemas.openxmlformats.org/markup-compatibility/2006">
+              <mc:Choice xmlns:v="urn:schemas-microsoft-com:vml" Requires="v">
+                <p:oleObj spid="_x0000_s40981" name="Equation" r:id="rId6" imgW="2108200" imgH="495300" progId="Equation.DSMT4">
+                  <p:embed/>
+                </p:oleObj>
+              </mc:Choice>
+              <mc:Fallback>
+                <p:oleObj name="Equation" r:id="rId6" imgW="2108200" imgH="495300" progId="Equation.DSMT4">
+                  <p:embed/>
+                  <p:pic>
+                    <p:nvPicPr>
+                      <p:cNvPr id="0" name=""/>
+                      <p:cNvPicPr/>
+                      <p:nvPr/>
+                    </p:nvPicPr>
+                    <p:blipFill>
+                      <a:blip r:embed="rId7"/>
+                      <a:stretch>
+                        <a:fillRect/>
+                      </a:stretch>
+                    </p:blipFill>
+                    <p:spPr>
+                      <a:xfrm>
+                        <a:off x="514350" y="2743200"/>
+                        <a:ext cx="8123238" cy="1905000"/>
+                      </a:xfrm>
+                      <a:prstGeom prst="rect">
+                        <a:avLst/>
+                      </a:prstGeom>
+                    </p:spPr>
+                  </p:pic>
+                </p:oleObj>
+              </mc:Fallback>
+            </mc:AlternateContent>
+          </a:graphicData>
+        </a:graphic>
+      </p:graphicFrame>
+      <p:graphicFrame>
+        <p:nvGraphicFramePr>
+          <p:cNvPr id="7" name="Object 6"/>
+          <p:cNvGraphicFramePr>
+            <a:graphicFrameLocks noChangeAspect="1"/>
+          </p:cNvGraphicFramePr>
+          <p:nvPr>
+            <p:extLst>
+              <p:ext uri="{D42A27DB-BD31-4B8C-83A1-F6EECF244321}">
+                <p14:modId xmlns:p14="http://schemas.microsoft.com/office/powerpoint/2010/main" val="2276965356"/>
+              </p:ext>
+            </p:extLst>
+          </p:nvPr>
+        </p:nvGraphicFramePr>
+        <p:xfrm>
+          <a:off x="1598613" y="4697413"/>
+          <a:ext cx="5383212" cy="1806575"/>
+        </p:xfrm>
+        <a:graphic>
+          <a:graphicData uri="http://schemas.openxmlformats.org/presentationml/2006/ole">
+            <mc:AlternateContent xmlns:mc="http://schemas.openxmlformats.org/markup-compatibility/2006">
+              <mc:Choice xmlns:v="urn:schemas-microsoft-com:vml" Requires="v">
+                <p:oleObj spid="_x0000_s40982" name="Equation" r:id="rId8" imgW="1397000" imgH="469900" progId="Equation.DSMT4">
+                  <p:embed/>
+                </p:oleObj>
+              </mc:Choice>
+              <mc:Fallback>
+                <p:oleObj name="Equation" r:id="rId8" imgW="1397000" imgH="469900" progId="Equation.DSMT4">
+                  <p:embed/>
+                  <p:pic>
+                    <p:nvPicPr>
+                      <p:cNvPr id="0" name=""/>
+                      <p:cNvPicPr/>
+                      <p:nvPr/>
+                    </p:nvPicPr>
+                    <p:blipFill>
+                      <a:blip r:embed="rId9"/>
+                      <a:stretch>
+                        <a:fillRect/>
+                      </a:stretch>
+                    </p:blipFill>
+                    <p:spPr>
+                      <a:xfrm>
+                        <a:off x="1598613" y="4697413"/>
+                        <a:ext cx="5383212" cy="1806575"/>
+                      </a:xfrm>
+                      <a:prstGeom prst="rect">
+                        <a:avLst/>
+                      </a:prstGeom>
+                    </p:spPr>
+                  </p:pic>
+                </p:oleObj>
+              </mc:Fallback>
+            </mc:AlternateContent>
+          </a:graphicData>
+        </a:graphic>
+      </p:graphicFrame>
+    </p:spTree>
+    <p:extLst>
+      <p:ext uri="{BB962C8B-B14F-4D97-AF65-F5344CB8AC3E}">
+        <p14:creationId xmlns:p14="http://schemas.microsoft.com/office/powerpoint/2010/main" val="2123469211"/>
+      </p:ext>
+    </p:extLst>
+  </p:cSld>
+  <p:clrMapOvr>
+    <a:masterClrMapping/>
+  </p:clrMapOvr>
+  <mc:AlternateContent xmlns:mc="http://schemas.openxmlformats.org/markup-compatibility/2006">
+    <mc:Choice xmlns:p14="http://schemas.microsoft.com/office/powerpoint/2010/main" Requires="p14">
+      <p:transition spd="med" p14:dur="700" advClick="0">
+        <p:fade/>
+      </p:transition>
+    </mc:Choice>
+    <mc:Fallback>
+      <p:transition xmlns:p14="http://schemas.microsoft.com/office/powerpoint/2010/main" spd="med" advClick="0">
+        <p:fade/>
+      </p:transition>
+    </mc:Fallback>
+  </mc:AlternateContent>
+  <p:timing>
+    <p:tnLst>
+      <p:par>
+        <p:cTn xmlns:p14="http://schemas.microsoft.com/office/powerpoint/2010/main" id="1" dur="indefinite" restart="never" nodeType="tmRoot"/>
+      </p:par>
+    </p:tnLst>
+  </p:timing>
+</p:sld>
+</file>
+
+<file path=ppt/slides/slide32.xml><?xml version="1.0" encoding="utf-8"?>
+<p:sld xmlns:a="http://schemas.openxmlformats.org/drawingml/2006/main" xmlns:r="http://schemas.openxmlformats.org/officeDocument/2006/relationships" xmlns:p="http://schemas.openxmlformats.org/presentationml/2006/main" show="0">
+  <p:cSld>
+    <p:spTree>
+      <p:nvGrpSpPr>
+        <p:cNvPr id="1" name=""/>
+        <p:cNvGrpSpPr/>
+        <p:nvPr/>
+      </p:nvGrpSpPr>
+      <p:grpSpPr>
+        <a:xfrm>
+          <a:off x="0" y="0"/>
+          <a:ext cx="0" cy="0"/>
+          <a:chOff x="0" y="0"/>
+          <a:chExt cx="0" cy="0"/>
+        </a:xfrm>
+      </p:grpSpPr>
+      <p:cxnSp>
+        <p:nvCxnSpPr>
+          <p:cNvPr id="30727" name="AutoShape 21"/>
+          <p:cNvCxnSpPr>
+            <a:cxnSpLocks noChangeShapeType="1"/>
+          </p:cNvCxnSpPr>
+          <p:nvPr/>
+        </p:nvCxnSpPr>
+        <p:spPr bwMode="auto">
+          <a:xfrm>
+            <a:off x="1219200" y="3543300"/>
+            <a:ext cx="0" cy="0"/>
+          </a:xfrm>
+          <a:prstGeom prst="straightConnector1">
+            <a:avLst/>
+          </a:prstGeom>
+          <a:noFill/>
+          <a:ln w="9525">
+            <a:solidFill>
+              <a:schemeClr val="tx1"/>
+            </a:solidFill>
+            <a:round/>
+            <a:headEnd/>
+            <a:tailEnd/>
+          </a:ln>
+        </p:spPr>
+      </p:cxnSp>
+      <p:sp>
+        <p:nvSpPr>
+          <p:cNvPr id="39" name="Rectangle 4"/>
+          <p:cNvSpPr txBox="1">
+            <a:spLocks noChangeArrowheads="1"/>
+          </p:cNvSpPr>
+          <p:nvPr/>
+        </p:nvSpPr>
+        <p:spPr bwMode="auto">
+          <a:xfrm>
+            <a:off x="7696200" y="6629400"/>
+            <a:ext cx="1447800" cy="228600"/>
+          </a:xfrm>
+          <a:prstGeom prst="rect">
+            <a:avLst/>
+          </a:prstGeom>
+          <a:noFill/>
+          <a:ln w="9525">
+            <a:noFill/>
+            <a:miter lim="800000"/>
+            <a:headEnd/>
+            <a:tailEnd/>
+          </a:ln>
+          <a:effectLst/>
+        </p:spPr>
+        <p:txBody>
+          <a:bodyPr vert="horz" wrap="square" lIns="91440" tIns="45720" rIns="91440" bIns="45720" numCol="1" anchor="t" anchorCtr="0" compatLnSpc="1">
+            <a:prstTxWarp prst="textNoShape">
+              <a:avLst/>
+            </a:prstTxWarp>
+          </a:bodyPr>
+          <a:lstStyle>
+            <a:lvl1pPr algn="r">
+              <a:defRPr sz="1200" dirty="0" err="1" smtClean="0">
+                <a:latin typeface="+mn-lt"/>
+              </a:defRPr>
+            </a:lvl1pPr>
+          </a:lstStyle>
+          <a:p>
+            <a:pPr marL="0" marR="0" lvl="0" indent="0" algn="r" defTabSz="914400" rtl="0" eaLnBrk="1" fontAlgn="base" latinLnBrk="0" hangingPunct="1">
+              <a:lnSpc>
+                <a:spcPct val="100000"/>
+              </a:lnSpc>
+              <a:spcBef>
+                <a:spcPct val="0"/>
+              </a:spcBef>
+              <a:spcAft>
+                <a:spcPct val="0"/>
+              </a:spcAft>
+              <a:buClrTx/>
+              <a:buSzTx/>
+              <a:buFontTx/>
+              <a:buNone/>
+              <a:tabLst/>
+              <a:defRPr/>
+            </a:pPr>
+            <a:r>
+              <a:rPr kumimoji="0" lang="en-US" sz="1200" b="0" i="0" u="none" strike="noStrike" kern="1200" cap="none" spc="0" normalizeH="0" baseline="0" noProof="0" dirty="0" smtClean="0">
+                <a:ln>
+                  <a:noFill/>
+                </a:ln>
+                <a:solidFill>
+                  <a:schemeClr val="tx1"/>
+                </a:solidFill>
+                <a:effectLst/>
+                <a:uLnTx/>
+                <a:uFillTx/>
+                <a:latin typeface="Comic Sans MS"/>
+                <a:ea typeface="+mn-ea"/>
+                <a:cs typeface="Comic Sans MS"/>
+              </a:rPr>
+              <a:t>testing.</a:t>
+            </a:r>
+            <a:fld id="{B9A0B45D-6AFD-413C-B761-B121FB8BE940}" type="slidenum">
+              <a:rPr kumimoji="0" lang="en-US" sz="1200" b="0" i="0" u="none" strike="noStrike" kern="1200" cap="none" spc="0" normalizeH="0" baseline="0" noProof="0" smtClean="0">
+                <a:ln>
+                  <a:noFill/>
+                </a:ln>
+                <a:solidFill>
+                  <a:schemeClr val="tx1"/>
+                </a:solidFill>
+                <a:effectLst/>
+                <a:uLnTx/>
+                <a:uFillTx/>
+                <a:latin typeface="Comic Sans MS"/>
+                <a:ea typeface="+mn-ea"/>
+                <a:cs typeface="Comic Sans MS"/>
+              </a:rPr>
+              <a:pPr marL="0" marR="0" lvl="0" indent="0" algn="r" defTabSz="914400" rtl="0" eaLnBrk="1" fontAlgn="base" latinLnBrk="0" hangingPunct="1">
+                <a:lnSpc>
+                  <a:spcPct val="100000"/>
+                </a:lnSpc>
+                <a:spcBef>
+                  <a:spcPct val="0"/>
+                </a:spcBef>
+                <a:spcAft>
+                  <a:spcPct val="0"/>
+                </a:spcAft>
+                <a:buClrTx/>
+                <a:buSzTx/>
+                <a:buFontTx/>
+                <a:buNone/>
+                <a:tabLst/>
+                <a:defRPr/>
+              </a:pPr>
+              <a:t>32</a:t>
+            </a:fld>
+            <a:endParaRPr kumimoji="0" lang="en-US" sz="1200" b="0" i="0" u="none" strike="noStrike" kern="1200" cap="none" spc="0" normalizeH="0" baseline="0" noProof="0" dirty="0">
+              <a:ln>
+                <a:noFill/>
+              </a:ln>
+              <a:solidFill>
+                <a:schemeClr val="tx1"/>
+              </a:solidFill>
+              <a:effectLst/>
+              <a:uLnTx/>
+              <a:uFillTx/>
               <a:latin typeface="Comic Sans MS"/>
               <a:ea typeface="+mn-ea"/>
               <a:cs typeface="Comic Sans MS"/>
@@ -14904,7 +16017,7 @@
           <a:graphicData uri="http://schemas.openxmlformats.org/presentationml/2006/ole">
             <mc:AlternateContent xmlns:mc="http://schemas.openxmlformats.org/markup-compatibility/2006">
               <mc:Choice xmlns:v="urn:schemas-microsoft-com:vml" Requires="v">
-                <p:oleObj spid="_x0000_s18460" name="Equation" r:id="rId4" imgW="914400" imgH="495300" progId="Equation.DSMT4">
+                <p:oleObj spid="_x0000_s18467" name="Equation" r:id="rId4" imgW="914400" imgH="495300" progId="Equation.DSMT4">
                   <p:embed/>
                 </p:oleObj>
               </mc:Choice>
@@ -14996,7 +16109,7 @@
           <a:graphicData uri="http://schemas.openxmlformats.org/presentationml/2006/ole">
             <mc:AlternateContent xmlns:mc="http://schemas.openxmlformats.org/markup-compatibility/2006">
               <mc:Choice xmlns:v="urn:schemas-microsoft-com:vml" Requires="v">
-                <p:oleObj spid="_x0000_s18461" name="Equation" r:id="rId6" imgW="1422400" imgH="495300" progId="Equation.DSMT4">
+                <p:oleObj spid="_x0000_s18468" name="Equation" r:id="rId6" imgW="1422400" imgH="495300" progId="Equation.DSMT4">
                   <p:embed/>
                 </p:oleObj>
               </mc:Choice>
@@ -15208,7 +16321,7 @@
           <a:graphicData uri="http://schemas.openxmlformats.org/presentationml/2006/ole">
             <mc:AlternateContent xmlns:mc="http://schemas.openxmlformats.org/markup-compatibility/2006">
               <mc:Choice xmlns:v="urn:schemas-microsoft-com:vml" Requires="v">
-                <p:oleObj spid="_x0000_s18462" name="Equation" r:id="rId8" imgW="1041400" imgH="228600" progId="Equation.DSMT4">
+                <p:oleObj spid="_x0000_s18469" name="Equation" r:id="rId8" imgW="1041400" imgH="228600" progId="Equation.DSMT4">
                   <p:embed/>
                 </p:oleObj>
               </mc:Choice>
@@ -15253,13 +16366,13 @@
   <p:clrMapOvr>
     <a:masterClrMapping/>
   </p:clrMapOvr>
-  <mc:AlternateContent xmlns:mc="http://schemas.openxmlformats.org/markup-compatibility/2006" xmlns:p14="http://schemas.microsoft.com/office/powerpoint/2010/main">
-    <mc:Choice Requires="p14">
+  <mc:AlternateContent xmlns:mc="http://schemas.openxmlformats.org/markup-compatibility/2006">
+    <mc:Choice xmlns:p14="http://schemas.microsoft.com/office/powerpoint/2010/main" Requires="p14">
       <p:transition spd="slow" p14:dur="900" advClick="0">
         <p:fade/>
       </p:transition>
     </mc:Choice>
-    <mc:Fallback xmlns="">
+    <mc:Fallback>
       <p:transition xmlns:p14="http://schemas.microsoft.com/office/powerpoint/2010/main" spd="slow" advClick="0">
         <p:fade/>
       </p:transition>
@@ -15504,8 +16617,8 @@
 </p:sld>
 </file>
 
-<file path=ppt/slides/slide31.xml><?xml version="1.0" encoding="utf-8"?>
-<p:sld xmlns:a="http://schemas.openxmlformats.org/drawingml/2006/main" xmlns:r="http://schemas.openxmlformats.org/officeDocument/2006/relationships" xmlns:p="http://schemas.openxmlformats.org/presentationml/2006/main">
+<file path=ppt/slides/slide33.xml><?xml version="1.0" encoding="utf-8"?>
+<p:sld xmlns:a="http://schemas.openxmlformats.org/drawingml/2006/main" xmlns:r="http://schemas.openxmlformats.org/officeDocument/2006/relationships" xmlns:p="http://schemas.openxmlformats.org/presentationml/2006/main" show="0">
   <p:cSld>
     <p:spTree>
       <p:nvGrpSpPr>
@@ -15653,7 +16766,7 @@
                 <a:tabLst/>
                 <a:defRPr/>
               </a:pPr>
-              <a:t>31</a:t>
+              <a:t>33</a:t>
             </a:fld>
             <a:endParaRPr kumimoji="0" lang="en-US" sz="1200" b="0" i="0" u="none" strike="noStrike" kern="1200" cap="none" spc="0" normalizeH="0" baseline="0" noProof="0" dirty="0">
               <a:ln>
@@ -15694,7 +16807,7 @@
           <a:graphicData uri="http://schemas.openxmlformats.org/presentationml/2006/ole">
             <mc:AlternateContent xmlns:mc="http://schemas.openxmlformats.org/markup-compatibility/2006">
               <mc:Choice xmlns:v="urn:schemas-microsoft-com:vml" Requires="v">
-                <p:oleObj spid="_x0000_s34826" name="Equation" r:id="rId4" imgW="914400" imgH="495300" progId="Equation.DSMT4">
+                <p:oleObj spid="_x0000_s34833" name="Equation" r:id="rId4" imgW="914400" imgH="495300" progId="Equation.DSMT4">
                   <p:embed/>
                 </p:oleObj>
               </mc:Choice>
@@ -15786,7 +16899,7 @@
           <a:graphicData uri="http://schemas.openxmlformats.org/presentationml/2006/ole">
             <mc:AlternateContent xmlns:mc="http://schemas.openxmlformats.org/markup-compatibility/2006">
               <mc:Choice xmlns:v="urn:schemas-microsoft-com:vml" Requires="v">
-                <p:oleObj spid="_x0000_s34827" name="Equation" r:id="rId6" imgW="1422400" imgH="495300" progId="Equation.DSMT4">
+                <p:oleObj spid="_x0000_s34834" name="Equation" r:id="rId6" imgW="1422400" imgH="495300" progId="Equation.DSMT4">
                   <p:embed/>
                 </p:oleObj>
               </mc:Choice>
@@ -15998,7 +17111,7 @@
           <a:graphicData uri="http://schemas.openxmlformats.org/presentationml/2006/ole">
             <mc:AlternateContent xmlns:mc="http://schemas.openxmlformats.org/markup-compatibility/2006">
               <mc:Choice xmlns:v="urn:schemas-microsoft-com:vml" Requires="v">
-                <p:oleObj spid="_x0000_s34828" name="Equation" r:id="rId8" imgW="825500" imgH="228600" progId="Equation.DSMT4">
+                <p:oleObj spid="_x0000_s34835" name="Equation" r:id="rId8" imgW="825500" imgH="228600" progId="Equation.DSMT4">
                   <p:embed/>
                 </p:oleObj>
               </mc:Choice>
@@ -16043,13 +17156,13 @@
   <p:clrMapOvr>
     <a:masterClrMapping/>
   </p:clrMapOvr>
-  <mc:AlternateContent xmlns:mc="http://schemas.openxmlformats.org/markup-compatibility/2006" xmlns:p14="http://schemas.microsoft.com/office/powerpoint/2010/main">
-    <mc:Choice Requires="p14">
+  <mc:AlternateContent xmlns:mc="http://schemas.openxmlformats.org/markup-compatibility/2006">
+    <mc:Choice xmlns:p14="http://schemas.microsoft.com/office/powerpoint/2010/main" Requires="p14">
       <p:transition spd="slow" p14:dur="900" advClick="0">
         <p:fade/>
       </p:transition>
     </mc:Choice>
-    <mc:Fallback xmlns="">
+    <mc:Fallback>
       <p:transition xmlns:p14="http://schemas.microsoft.com/office/powerpoint/2010/main" spd="slow" advClick="0">
         <p:fade/>
       </p:transition>
@@ -16294,8 +17407,8 @@
 </p:sld>
 </file>
 
-<file path=ppt/slides/slide32.xml><?xml version="1.0" encoding="utf-8"?>
-<p:sld xmlns:a="http://schemas.openxmlformats.org/drawingml/2006/main" xmlns:r="http://schemas.openxmlformats.org/officeDocument/2006/relationships" xmlns:p="http://schemas.openxmlformats.org/presentationml/2006/main">
+<file path=ppt/slides/slide34.xml><?xml version="1.0" encoding="utf-8"?>
+<p:sld xmlns:a="http://schemas.openxmlformats.org/drawingml/2006/main" xmlns:r="http://schemas.openxmlformats.org/officeDocument/2006/relationships" xmlns:p="http://schemas.openxmlformats.org/presentationml/2006/main" show="0">
   <p:cSld>
     <p:spTree>
       <p:nvGrpSpPr>
@@ -16443,7 +17556,7 @@
                 <a:tabLst/>
                 <a:defRPr/>
               </a:pPr>
-              <a:t>32</a:t>
+              <a:t>34</a:t>
             </a:fld>
             <a:endParaRPr kumimoji="0" lang="en-US" sz="1200" b="0" i="0" u="none" strike="noStrike" kern="1200" cap="none" spc="0" normalizeH="0" baseline="0" noProof="0" dirty="0">
               <a:ln>
@@ -16484,7 +17597,7 @@
           <a:graphicData uri="http://schemas.openxmlformats.org/presentationml/2006/ole">
             <mc:AlternateContent xmlns:mc="http://schemas.openxmlformats.org/markup-compatibility/2006">
               <mc:Choice xmlns:v="urn:schemas-microsoft-com:vml" Requires="v">
-                <p:oleObj spid="_x0000_s19469" name="Equation" r:id="rId4" imgW="1727200" imgH="495300" progId="Equation.DSMT4">
+                <p:oleObj spid="_x0000_s19474" name="Equation" r:id="rId4" imgW="1727200" imgH="495300" progId="Equation.DSMT4">
                   <p:embed/>
                 </p:oleObj>
               </mc:Choice>
@@ -16574,7 +17687,7 @@
           <a:graphicData uri="http://schemas.openxmlformats.org/presentationml/2006/ole">
             <mc:AlternateContent xmlns:mc="http://schemas.openxmlformats.org/markup-compatibility/2006">
               <mc:Choice xmlns:v="urn:schemas-microsoft-com:vml" Requires="v">
-                <p:oleObj spid="_x0000_s19470" name="Equation" r:id="rId6" imgW="723900" imgH="495300" progId="Equation.DSMT4">
+                <p:oleObj spid="_x0000_s19475" name="Equation" r:id="rId6" imgW="723900" imgH="495300" progId="Equation.DSMT4">
                   <p:embed/>
                 </p:oleObj>
               </mc:Choice>
@@ -16619,13 +17732,13 @@
   <p:clrMapOvr>
     <a:masterClrMapping/>
   </p:clrMapOvr>
-  <mc:AlternateContent xmlns:mc="http://schemas.openxmlformats.org/markup-compatibility/2006" xmlns:p14="http://schemas.microsoft.com/office/powerpoint/2010/main">
-    <mc:Choice Requires="p14">
+  <mc:AlternateContent xmlns:mc="http://schemas.openxmlformats.org/markup-compatibility/2006">
+    <mc:Choice xmlns:p14="http://schemas.microsoft.com/office/powerpoint/2010/main" Requires="p14">
       <p:transition spd="slow" p14:dur="900" advClick="0">
         <p:fade/>
       </p:transition>
     </mc:Choice>
-    <mc:Fallback xmlns="">
+    <mc:Fallback>
       <p:transition xmlns:p14="http://schemas.microsoft.com/office/powerpoint/2010/main" spd="slow" advClick="0">
         <p:fade/>
       </p:transition>
@@ -16641,8 +17754,8 @@
 </p:sld>
 </file>
 
-<file path=ppt/slides/slide33.xml><?xml version="1.0" encoding="utf-8"?>
-<p:sld xmlns:a="http://schemas.openxmlformats.org/drawingml/2006/main" xmlns:r="http://schemas.openxmlformats.org/officeDocument/2006/relationships" xmlns:p="http://schemas.openxmlformats.org/presentationml/2006/main">
+<file path=ppt/slides/slide35.xml><?xml version="1.0" encoding="utf-8"?>
+<p:sld xmlns:a="http://schemas.openxmlformats.org/drawingml/2006/main" xmlns:r="http://schemas.openxmlformats.org/officeDocument/2006/relationships" xmlns:p="http://schemas.openxmlformats.org/presentationml/2006/main" show="0">
   <p:cSld>
     <p:spTree>
       <p:nvGrpSpPr>
@@ -16790,7 +17903,7 @@
                 <a:tabLst/>
                 <a:defRPr/>
               </a:pPr>
-              <a:t>33</a:t>
+              <a:t>35</a:t>
             </a:fld>
             <a:endParaRPr kumimoji="0" lang="en-US" sz="1200" b="0" i="0" u="none" strike="noStrike" kern="1200" cap="none" spc="0" normalizeH="0" baseline="0" noProof="0" dirty="0">
               <a:ln>
@@ -16831,7 +17944,7 @@
           <a:graphicData uri="http://schemas.openxmlformats.org/presentationml/2006/ole">
             <mc:AlternateContent xmlns:mc="http://schemas.openxmlformats.org/markup-compatibility/2006">
               <mc:Choice xmlns:v="urn:schemas-microsoft-com:vml" Requires="v">
-                <p:oleObj spid="_x0000_s20488" name="Equation" r:id="rId4" imgW="546100" imgH="203200" progId="Equation.DSMT4">
+                <p:oleObj spid="_x0000_s20491" name="Equation" r:id="rId4" imgW="546100" imgH="203200" progId="Equation.DSMT4">
                   <p:embed/>
                 </p:oleObj>
               </mc:Choice>
@@ -17372,8 +18485,8 @@
 </p:sld>
 </file>
 
-<file path=ppt/slides/slide34.xml><?xml version="1.0" encoding="utf-8"?>
-<p:sld xmlns:a="http://schemas.openxmlformats.org/drawingml/2006/main" xmlns:r="http://schemas.openxmlformats.org/officeDocument/2006/relationships" xmlns:p="http://schemas.openxmlformats.org/presentationml/2006/main">
+<file path=ppt/slides/slide36.xml><?xml version="1.0" encoding="utf-8"?>
+<p:sld xmlns:a="http://schemas.openxmlformats.org/drawingml/2006/main" xmlns:r="http://schemas.openxmlformats.org/officeDocument/2006/relationships" xmlns:p="http://schemas.openxmlformats.org/presentationml/2006/main" show="0">
   <p:cSld>
     <p:spTree>
       <p:nvGrpSpPr>
@@ -17521,7 +18634,7 @@
                 <a:tabLst/>
                 <a:defRPr/>
               </a:pPr>
-              <a:t>34</a:t>
+              <a:t>36</a:t>
             </a:fld>
             <a:endParaRPr kumimoji="0" lang="en-US" sz="1200" b="0" i="0" u="none" strike="noStrike" kern="1200" cap="none" spc="0" normalizeH="0" baseline="0" noProof="0" dirty="0">
               <a:ln>
@@ -17562,7 +18675,7 @@
           <a:graphicData uri="http://schemas.openxmlformats.org/presentationml/2006/ole">
             <mc:AlternateContent xmlns:mc="http://schemas.openxmlformats.org/markup-compatibility/2006">
               <mc:Choice xmlns:v="urn:schemas-microsoft-com:vml" Requires="v">
-                <p:oleObj spid="_x0000_s21519" name="Equation" r:id="rId4" imgW="2425700" imgH="457200" progId="Equation.DSMT4">
+                <p:oleObj spid="_x0000_s21524" name="Equation" r:id="rId4" imgW="2425700" imgH="457200" progId="Equation.DSMT4">
                   <p:embed/>
                 </p:oleObj>
               </mc:Choice>
@@ -17794,7 +18907,7 @@
           <a:graphicData uri="http://schemas.openxmlformats.org/presentationml/2006/ole">
             <mc:AlternateContent xmlns:mc="http://schemas.openxmlformats.org/markup-compatibility/2006">
               <mc:Choice xmlns:v="urn:schemas-microsoft-com:vml" Requires="v">
-                <p:oleObj spid="_x0000_s21520" name="Equation" r:id="rId6" imgW="546100" imgH="203200" progId="Equation.DSMT4">
+                <p:oleObj spid="_x0000_s21525" name="Equation" r:id="rId6" imgW="546100" imgH="203200" progId="Equation.DSMT4">
                   <p:embed/>
                 </p:oleObj>
               </mc:Choice>
@@ -18014,13 +19127,13 @@
   <p:clrMapOvr>
     <a:masterClrMapping/>
   </p:clrMapOvr>
-  <mc:AlternateContent xmlns:mc="http://schemas.openxmlformats.org/markup-compatibility/2006" xmlns:p14="http://schemas.microsoft.com/office/powerpoint/2010/main">
-    <mc:Choice Requires="p14">
+  <mc:AlternateContent xmlns:mc="http://schemas.openxmlformats.org/markup-compatibility/2006">
+    <mc:Choice xmlns:p14="http://schemas.microsoft.com/office/powerpoint/2010/main" Requires="p14">
       <p:transition spd="med" p14:dur="700" advClick="0">
         <p:fade/>
       </p:transition>
     </mc:Choice>
-    <mc:Fallback xmlns="">
+    <mc:Fallback>
       <p:transition xmlns:p14="http://schemas.microsoft.com/office/powerpoint/2010/main" spd="med" advClick="0">
         <p:fade/>
       </p:transition>
@@ -18115,8 +19228,8 @@
 </p:sld>
 </file>
 
-<file path=ppt/slides/slide35.xml><?xml version="1.0" encoding="utf-8"?>
-<p:sld xmlns:a="http://schemas.openxmlformats.org/drawingml/2006/main" xmlns:r="http://schemas.openxmlformats.org/officeDocument/2006/relationships" xmlns:p="http://schemas.openxmlformats.org/presentationml/2006/main">
+<file path=ppt/slides/slide37.xml><?xml version="1.0" encoding="utf-8"?>
+<p:sld xmlns:a="http://schemas.openxmlformats.org/drawingml/2006/main" xmlns:r="http://schemas.openxmlformats.org/officeDocument/2006/relationships" xmlns:p="http://schemas.openxmlformats.org/presentationml/2006/main" show="0">
   <p:cSld>
     <p:spTree>
       <p:nvGrpSpPr>
@@ -18264,7 +19377,7 @@
                 <a:tabLst/>
                 <a:defRPr/>
               </a:pPr>
-              <a:t>35</a:t>
+              <a:t>37</a:t>
             </a:fld>
             <a:endParaRPr kumimoji="0" lang="en-US" sz="1200" b="0" i="0" u="none" strike="noStrike" kern="1200" cap="none" spc="0" normalizeH="0" baseline="0" noProof="0" dirty="0">
               <a:ln>
@@ -18305,7 +19418,7 @@
           <a:graphicData uri="http://schemas.openxmlformats.org/presentationml/2006/ole">
             <mc:AlternateContent xmlns:mc="http://schemas.openxmlformats.org/markup-compatibility/2006">
               <mc:Choice xmlns:v="urn:schemas-microsoft-com:vml" Requires="v">
-                <p:oleObj spid="_x0000_s22543" name="Equation" r:id="rId4" imgW="2425700" imgH="457200" progId="Equation.DSMT4">
+                <p:oleObj spid="_x0000_s22548" name="Equation" r:id="rId4" imgW="2425700" imgH="457200" progId="Equation.DSMT4">
                   <p:embed/>
                 </p:oleObj>
               </mc:Choice>
@@ -18362,7 +19475,7 @@
           <a:graphicData uri="http://schemas.openxmlformats.org/presentationml/2006/ole">
             <mc:AlternateContent xmlns:mc="http://schemas.openxmlformats.org/markup-compatibility/2006">
               <mc:Choice xmlns:v="urn:schemas-microsoft-com:vml" Requires="v">
-                <p:oleObj spid="_x0000_s22544" name="Equation" r:id="rId6" imgW="2032000" imgH="660400" progId="Equation.DSMT4">
+                <p:oleObj spid="_x0000_s22549" name="Equation" r:id="rId6" imgW="2032000" imgH="660400" progId="Equation.DSMT4">
                   <p:embed/>
                 </p:oleObj>
               </mc:Choice>
@@ -18582,13 +19695,13 @@
   <p:clrMapOvr>
     <a:masterClrMapping/>
   </p:clrMapOvr>
-  <mc:AlternateContent xmlns:mc="http://schemas.openxmlformats.org/markup-compatibility/2006" xmlns:p14="http://schemas.microsoft.com/office/powerpoint/2010/main">
-    <mc:Choice Requires="p14">
+  <mc:AlternateContent xmlns:mc="http://schemas.openxmlformats.org/markup-compatibility/2006">
+    <mc:Choice xmlns:p14="http://schemas.microsoft.com/office/powerpoint/2010/main" Requires="p14">
       <p:transition spd="slow" p14:dur="800" advClick="0">
         <p:fade/>
       </p:transition>
     </mc:Choice>
-    <mc:Fallback xmlns="">
+    <mc:Fallback>
       <p:transition xmlns:p14="http://schemas.microsoft.com/office/powerpoint/2010/main" spd="slow" advClick="0">
         <p:fade/>
       </p:transition>
@@ -18683,8 +19796,8 @@
 </p:sld>
 </file>
 
-<file path=ppt/slides/slide36.xml><?xml version="1.0" encoding="utf-8"?>
-<p:sld xmlns:a="http://schemas.openxmlformats.org/drawingml/2006/main" xmlns:r="http://schemas.openxmlformats.org/officeDocument/2006/relationships" xmlns:p="http://schemas.openxmlformats.org/presentationml/2006/main">
+<file path=ppt/slides/slide38.xml><?xml version="1.0" encoding="utf-8"?>
+<p:sld xmlns:a="http://schemas.openxmlformats.org/drawingml/2006/main" xmlns:r="http://schemas.openxmlformats.org/officeDocument/2006/relationships" xmlns:p="http://schemas.openxmlformats.org/presentationml/2006/main" show="0">
   <p:cSld>
     <p:spTree>
       <p:nvGrpSpPr>
@@ -18832,7 +19945,7 @@
                 <a:tabLst/>
                 <a:defRPr/>
               </a:pPr>
-              <a:t>36</a:t>
+              <a:t>38</a:t>
             </a:fld>
             <a:endParaRPr kumimoji="0" lang="en-US" sz="1200" b="0" i="0" u="none" strike="noStrike" kern="1200" cap="none" spc="0" normalizeH="0" baseline="0" noProof="0" dirty="0">
               <a:ln>
@@ -18873,7 +19986,7 @@
           <a:graphicData uri="http://schemas.openxmlformats.org/presentationml/2006/ole">
             <mc:AlternateContent xmlns:mc="http://schemas.openxmlformats.org/markup-compatibility/2006">
               <mc:Choice xmlns:v="urn:schemas-microsoft-com:vml" Requires="v">
-                <p:oleObj spid="_x0000_s23567" name="Equation" r:id="rId4" imgW="2425700" imgH="457200" progId="Equation.DSMT4">
+                <p:oleObj spid="_x0000_s23572" name="Equation" r:id="rId4" imgW="2425700" imgH="457200" progId="Equation.DSMT4">
                   <p:embed/>
                 </p:oleObj>
               </mc:Choice>
@@ -18930,7 +20043,7 @@
           <a:graphicData uri="http://schemas.openxmlformats.org/presentationml/2006/ole">
             <mc:AlternateContent xmlns:mc="http://schemas.openxmlformats.org/markup-compatibility/2006">
               <mc:Choice xmlns:v="urn:schemas-microsoft-com:vml" Requires="v">
-                <p:oleObj spid="_x0000_s23568" name="Equation" r:id="rId6" imgW="1981200" imgH="660400" progId="Equation.DSMT4">
+                <p:oleObj spid="_x0000_s23573" name="Equation" r:id="rId6" imgW="1981200" imgH="660400" progId="Equation.DSMT4">
                   <p:embed/>
                 </p:oleObj>
               </mc:Choice>
@@ -19150,13 +20263,13 @@
   <p:clrMapOvr>
     <a:masterClrMapping/>
   </p:clrMapOvr>
-  <mc:AlternateContent xmlns:mc="http://schemas.openxmlformats.org/markup-compatibility/2006" xmlns:p14="http://schemas.microsoft.com/office/powerpoint/2010/main">
-    <mc:Choice Requires="p14">
+  <mc:AlternateContent xmlns:mc="http://schemas.openxmlformats.org/markup-compatibility/2006">
+    <mc:Choice xmlns:p14="http://schemas.microsoft.com/office/powerpoint/2010/main" Requires="p14">
       <p:transition spd="slow" p14:dur="900" advClick="0">
         <p:fade/>
       </p:transition>
     </mc:Choice>
-    <mc:Fallback xmlns="">
+    <mc:Fallback>
       <p:transition xmlns:p14="http://schemas.microsoft.com/office/powerpoint/2010/main" spd="slow" advClick="0">
         <p:fade/>
       </p:transition>
@@ -19172,8 +20285,8 @@
 </p:sld>
 </file>
 
-<file path=ppt/slides/slide37.xml><?xml version="1.0" encoding="utf-8"?>
-<p:sld xmlns:a="http://schemas.openxmlformats.org/drawingml/2006/main" xmlns:r="http://schemas.openxmlformats.org/officeDocument/2006/relationships" xmlns:p="http://schemas.openxmlformats.org/presentationml/2006/main">
+<file path=ppt/slides/slide39.xml><?xml version="1.0" encoding="utf-8"?>
+<p:sld xmlns:a="http://schemas.openxmlformats.org/drawingml/2006/main" xmlns:r="http://schemas.openxmlformats.org/officeDocument/2006/relationships" xmlns:p="http://schemas.openxmlformats.org/presentationml/2006/main" show="0">
   <p:cSld>
     <p:spTree>
       <p:nvGrpSpPr>
@@ -19321,7 +20434,7 @@
                 <a:tabLst/>
                 <a:defRPr/>
               </a:pPr>
-              <a:t>37</a:t>
+              <a:t>39</a:t>
             </a:fld>
             <a:endParaRPr kumimoji="0" lang="en-US" sz="1200" b="0" i="0" u="none" strike="noStrike" kern="1200" cap="none" spc="0" normalizeH="0" baseline="0" noProof="0" dirty="0">
               <a:ln>
@@ -19362,7 +20475,7 @@
           <a:graphicData uri="http://schemas.openxmlformats.org/presentationml/2006/ole">
             <mc:AlternateContent xmlns:mc="http://schemas.openxmlformats.org/markup-compatibility/2006">
               <mc:Choice xmlns:v="urn:schemas-microsoft-com:vml" Requires="v">
-                <p:oleObj spid="_x0000_s24591" name="Equation" r:id="rId4" imgW="2425700" imgH="457200" progId="Equation.DSMT4">
+                <p:oleObj spid="_x0000_s24596" name="Equation" r:id="rId4" imgW="2425700" imgH="457200" progId="Equation.DSMT4">
                   <p:embed/>
                 </p:oleObj>
               </mc:Choice>
@@ -19594,7 +20707,7 @@
           <a:graphicData uri="http://schemas.openxmlformats.org/presentationml/2006/ole">
             <mc:AlternateContent xmlns:mc="http://schemas.openxmlformats.org/markup-compatibility/2006">
               <mc:Choice xmlns:v="urn:schemas-microsoft-com:vml" Requires="v">
-                <p:oleObj spid="_x0000_s24592" name="Equation" r:id="rId6" imgW="1371600" imgH="469900" progId="Equation.DSMT4">
+                <p:oleObj spid="_x0000_s24597" name="Equation" r:id="rId6" imgW="1371600" imgH="469900" progId="Equation.DSMT4">
                   <p:embed/>
                 </p:oleObj>
               </mc:Choice>
@@ -19639,13 +20752,13 @@
   <p:clrMapOvr>
     <a:masterClrMapping/>
   </p:clrMapOvr>
-  <mc:AlternateContent xmlns:mc="http://schemas.openxmlformats.org/markup-compatibility/2006" xmlns:p14="http://schemas.microsoft.com/office/powerpoint/2010/main">
-    <mc:Choice Requires="p14">
+  <mc:AlternateContent xmlns:mc="http://schemas.openxmlformats.org/markup-compatibility/2006">
+    <mc:Choice xmlns:p14="http://schemas.microsoft.com/office/powerpoint/2010/main" Requires="p14">
       <p:transition spd="slow" p14:dur="800" advClick="0">
         <p:fade/>
       </p:transition>
     </mc:Choice>
-    <mc:Fallback xmlns="">
+    <mc:Fallback>
       <p:transition xmlns:p14="http://schemas.microsoft.com/office/powerpoint/2010/main" spd="slow" advClick="0">
         <p:fade/>
       </p:transition>
@@ -19661,8 +20774,120 @@
 </p:sld>
 </file>
 
-<file path=ppt/slides/slide38.xml><?xml version="1.0" encoding="utf-8"?>
+<file path=ppt/slides/slide4.xml><?xml version="1.0" encoding="utf-8"?>
 <p:sld xmlns:a="http://schemas.openxmlformats.org/drawingml/2006/main" xmlns:r="http://schemas.openxmlformats.org/officeDocument/2006/relationships" xmlns:p="http://schemas.openxmlformats.org/presentationml/2006/main">
+  <p:cSld>
+    <p:spTree>
+      <p:nvGrpSpPr>
+        <p:cNvPr id="1" name=""/>
+        <p:cNvGrpSpPr/>
+        <p:nvPr/>
+      </p:nvGrpSpPr>
+      <p:grpSpPr>
+        <a:xfrm>
+          <a:off x="0" y="0"/>
+          <a:ext cx="0" cy="0"/>
+          <a:chOff x="0" y="0"/>
+          <a:chExt cx="0" cy="0"/>
+        </a:xfrm>
+      </p:grpSpPr>
+      <p:sp>
+        <p:nvSpPr>
+          <p:cNvPr id="3074" name="Rectangle 4"/>
+          <p:cNvSpPr>
+            <a:spLocks noGrp="1" noChangeArrowheads="1"/>
+          </p:cNvSpPr>
+          <p:nvPr>
+            <p:ph type="ctrTitle"/>
+          </p:nvPr>
+        </p:nvSpPr>
+        <p:spPr>
+          <a:xfrm>
+            <a:off x="685800" y="2133600"/>
+            <a:ext cx="7924800" cy="2667000"/>
+          </a:xfrm>
+        </p:spPr>
+        <p:txBody>
+          <a:bodyPr/>
+          <a:lstStyle/>
+          <a:p>
+            <a:pPr eaLnBrk="1" hangingPunct="1"/>
+            <a:r>
+              <a:rPr lang="en-US" sz="5400" b="0" smtClean="0"/>
+              <a:t>Prediction is difficult,</a:t>
+            </a:r>
+            <a:br>
+              <a:rPr lang="en-US" sz="5400" b="0" smtClean="0"/>
+            </a:br>
+            <a:r>
+              <a:rPr lang="en-US" sz="5400" b="0" smtClean="0"/>
+              <a:t>especially of the future</a:t>
+            </a:r>
+          </a:p>
+        </p:txBody>
+      </p:sp>
+      <p:sp>
+        <p:nvSpPr>
+          <p:cNvPr id="3075" name="Rectangle 5"/>
+          <p:cNvSpPr>
+            <a:spLocks noGrp="1" noChangeArrowheads="1"/>
+          </p:cNvSpPr>
+          <p:nvPr>
+            <p:ph type="subTitle" idx="1"/>
+          </p:nvPr>
+        </p:nvSpPr>
+        <p:spPr>
+          <a:xfrm>
+            <a:off x="2971800" y="4724400"/>
+            <a:ext cx="5181600" cy="762000"/>
+          </a:xfrm>
+        </p:spPr>
+        <p:txBody>
+          <a:bodyPr/>
+          <a:lstStyle/>
+          <a:p>
+            <a:pPr eaLnBrk="1" hangingPunct="1"/>
+            <a:r>
+              <a:rPr lang="en-US" sz="4000" i="1" smtClean="0"/>
+              <a:t>--- Niels Bohr</a:t>
+            </a:r>
+          </a:p>
+        </p:txBody>
+      </p:sp>
+    </p:spTree>
+    <p:extLst>
+      <p:ext uri="{BB962C8B-B14F-4D97-AF65-F5344CB8AC3E}">
+        <p14:creationId xmlns:p14="http://schemas.microsoft.com/office/powerpoint/2010/main" val="4250545466"/>
+      </p:ext>
+    </p:extLst>
+  </p:cSld>
+  <p:clrMapOvr>
+    <a:masterClrMapping/>
+  </p:clrMapOvr>
+  <mc:AlternateContent xmlns:mc="http://schemas.openxmlformats.org/markup-compatibility/2006" xmlns:p14="http://schemas.microsoft.com/office/powerpoint/2010/main">
+    <mc:Choice Requires="p14">
+      <p:transition spd="slow" p14:dur="900">
+        <p:fade/>
+      </p:transition>
+    </mc:Choice>
+    <mc:Fallback xmlns="">
+      <p:transition xmlns:p14="http://schemas.microsoft.com/office/powerpoint/2010/main" spd="slow">
+        <p:fade/>
+      </p:transition>
+    </mc:Fallback>
+  </mc:AlternateContent>
+  <p:timing>
+    <p:tnLst>
+      <p:par>
+        <p:cTn xmlns:p14="http://schemas.microsoft.com/office/powerpoint/2010/main" id="1" dur="indefinite" restart="never" nodeType="tmRoot"/>
+      </p:par>
+    </p:tnLst>
+  </p:timing>
+</p:sld>
+</file>
+
+<file path=ppt/slides/slide40.xml><?xml version="1.0" encoding="utf-8"?>
+<p:sld xmlns:a="http://schemas.openxmlformats.org/drawingml/2006/main" xmlns:r="http://schemas.openxmlformats.org/officeDocument/2006/relationships" xmlns:p="http://schemas.openxmlformats.org/presentationml/2006/main" show="0">
   <p:cSld>
     <p:spTree>
       <p:nvGrpSpPr>
@@ -19810,7 +21035,7 @@
                 <a:tabLst/>
                 <a:defRPr/>
               </a:pPr>
-              <a:t>38</a:t>
+              <a:t>40</a:t>
             </a:fld>
             <a:endParaRPr kumimoji="0" lang="en-US" sz="1200" b="0" i="0" u="none" strike="noStrike" kern="1200" cap="none" spc="0" normalizeH="0" baseline="0" noProof="0" dirty="0">
               <a:ln>
@@ -19851,7 +21076,7 @@
           <a:graphicData uri="http://schemas.openxmlformats.org/presentationml/2006/ole">
             <mc:AlternateContent xmlns:mc="http://schemas.openxmlformats.org/markup-compatibility/2006">
               <mc:Choice xmlns:v="urn:schemas-microsoft-com:vml" Requires="v">
-                <p:oleObj spid="_x0000_s25613" name="Equation" r:id="rId4" imgW="1358900" imgH="495300" progId="Equation.DSMT4">
+                <p:oleObj spid="_x0000_s25618" name="Equation" r:id="rId4" imgW="1358900" imgH="495300" progId="Equation.DSMT4">
                   <p:embed/>
                 </p:oleObj>
               </mc:Choice>
@@ -19908,7 +21133,7 @@
           <a:graphicData uri="http://schemas.openxmlformats.org/presentationml/2006/ole">
             <mc:AlternateContent xmlns:mc="http://schemas.openxmlformats.org/markup-compatibility/2006">
               <mc:Choice xmlns:v="urn:schemas-microsoft-com:vml" Requires="v">
-                <p:oleObj spid="_x0000_s25614" name="Equation" r:id="rId6" imgW="1397000" imgH="698500" progId="Equation.DSMT4">
+                <p:oleObj spid="_x0000_s25619" name="Equation" r:id="rId6" imgW="1397000" imgH="698500" progId="Equation.DSMT4">
                   <p:embed/>
                 </p:oleObj>
               </mc:Choice>
@@ -20075,8 +21300,8 @@
 </p:sld>
 </file>
 
-<file path=ppt/slides/slide39.xml><?xml version="1.0" encoding="utf-8"?>
-<p:sld xmlns:a="http://schemas.openxmlformats.org/drawingml/2006/main" xmlns:r="http://schemas.openxmlformats.org/officeDocument/2006/relationships" xmlns:p="http://schemas.openxmlformats.org/presentationml/2006/main">
+<file path=ppt/slides/slide41.xml><?xml version="1.0" encoding="utf-8"?>
+<p:sld xmlns:a="http://schemas.openxmlformats.org/drawingml/2006/main" xmlns:r="http://schemas.openxmlformats.org/officeDocument/2006/relationships" xmlns:p="http://schemas.openxmlformats.org/presentationml/2006/main" show="0">
   <p:cSld>
     <p:spTree>
       <p:nvGrpSpPr>
@@ -20224,7 +21449,7 @@
                 <a:tabLst/>
                 <a:defRPr/>
               </a:pPr>
-              <a:t>39</a:t>
+              <a:t>41</a:t>
             </a:fld>
             <a:endParaRPr kumimoji="0" lang="en-US" sz="1200" b="0" i="0" u="none" strike="noStrike" kern="1200" cap="none" spc="0" normalizeH="0" baseline="0" noProof="0" dirty="0">
               <a:ln>
@@ -20265,7 +21490,7 @@
           <a:graphicData uri="http://schemas.openxmlformats.org/presentationml/2006/ole">
             <mc:AlternateContent xmlns:mc="http://schemas.openxmlformats.org/markup-compatibility/2006">
               <mc:Choice xmlns:v="urn:schemas-microsoft-com:vml" Requires="v">
-                <p:oleObj spid="_x0000_s26639" name="Equation" r:id="rId4" imgW="1358900" imgH="495300" progId="Equation.DSMT4">
+                <p:oleObj spid="_x0000_s26644" name="Equation" r:id="rId4" imgW="1358900" imgH="495300" progId="Equation.DSMT4">
                   <p:embed/>
                 </p:oleObj>
               </mc:Choice>
@@ -20322,7 +21547,7 @@
           <a:graphicData uri="http://schemas.openxmlformats.org/presentationml/2006/ole">
             <mc:AlternateContent xmlns:mc="http://schemas.openxmlformats.org/markup-compatibility/2006">
               <mc:Choice xmlns:v="urn:schemas-microsoft-com:vml" Requires="v">
-                <p:oleObj spid="_x0000_s26640" name="Equation" r:id="rId6" imgW="1104900" imgH="508000" progId="Equation.DSMT4">
+                <p:oleObj spid="_x0000_s26645" name="Equation" r:id="rId6" imgW="1104900" imgH="508000" progId="Equation.DSMT4">
                   <p:embed/>
                 </p:oleObj>
               </mc:Choice>
@@ -20528,13 +21753,13 @@
   <p:clrMapOvr>
     <a:masterClrMapping/>
   </p:clrMapOvr>
-  <mc:AlternateContent xmlns:mc="http://schemas.openxmlformats.org/markup-compatibility/2006" xmlns:p14="http://schemas.microsoft.com/office/powerpoint/2010/main">
-    <mc:Choice Requires="p14">
+  <mc:AlternateContent xmlns:mc="http://schemas.openxmlformats.org/markup-compatibility/2006">
+    <mc:Choice xmlns:p14="http://schemas.microsoft.com/office/powerpoint/2010/main" Requires="p14">
       <p:transition spd="slow" p14:dur="900" advClick="0">
         <p:fade/>
       </p:transition>
     </mc:Choice>
-    <mc:Fallback xmlns="">
+    <mc:Fallback>
       <p:transition xmlns:p14="http://schemas.microsoft.com/office/powerpoint/2010/main" spd="slow" advClick="0">
         <p:fade/>
       </p:transition>
@@ -20683,119 +21908,7 @@
 </p:sld>
 </file>
 
-<file path=ppt/slides/slide4.xml><?xml version="1.0" encoding="utf-8"?>
-<p:sld xmlns:a="http://schemas.openxmlformats.org/drawingml/2006/main" xmlns:r="http://schemas.openxmlformats.org/officeDocument/2006/relationships" xmlns:p="http://schemas.openxmlformats.org/presentationml/2006/main">
-  <p:cSld>
-    <p:spTree>
-      <p:nvGrpSpPr>
-        <p:cNvPr id="1" name=""/>
-        <p:cNvGrpSpPr/>
-        <p:nvPr/>
-      </p:nvGrpSpPr>
-      <p:grpSpPr>
-        <a:xfrm>
-          <a:off x="0" y="0"/>
-          <a:ext cx="0" cy="0"/>
-          <a:chOff x="0" y="0"/>
-          <a:chExt cx="0" cy="0"/>
-        </a:xfrm>
-      </p:grpSpPr>
-      <p:sp>
-        <p:nvSpPr>
-          <p:cNvPr id="3074" name="Rectangle 4"/>
-          <p:cNvSpPr>
-            <a:spLocks noGrp="1" noChangeArrowheads="1"/>
-          </p:cNvSpPr>
-          <p:nvPr>
-            <p:ph type="ctrTitle"/>
-          </p:nvPr>
-        </p:nvSpPr>
-        <p:spPr>
-          <a:xfrm>
-            <a:off x="685800" y="2133600"/>
-            <a:ext cx="7924800" cy="2667000"/>
-          </a:xfrm>
-        </p:spPr>
-        <p:txBody>
-          <a:bodyPr/>
-          <a:lstStyle/>
-          <a:p>
-            <a:pPr eaLnBrk="1" hangingPunct="1"/>
-            <a:r>
-              <a:rPr lang="en-US" sz="5400" b="0" smtClean="0"/>
-              <a:t>Prediction is difficult,</a:t>
-            </a:r>
-            <a:br>
-              <a:rPr lang="en-US" sz="5400" b="0" smtClean="0"/>
-            </a:br>
-            <a:r>
-              <a:rPr lang="en-US" sz="5400" b="0" smtClean="0"/>
-              <a:t>especially of the future</a:t>
-            </a:r>
-          </a:p>
-        </p:txBody>
-      </p:sp>
-      <p:sp>
-        <p:nvSpPr>
-          <p:cNvPr id="3075" name="Rectangle 5"/>
-          <p:cNvSpPr>
-            <a:spLocks noGrp="1" noChangeArrowheads="1"/>
-          </p:cNvSpPr>
-          <p:nvPr>
-            <p:ph type="subTitle" idx="1"/>
-          </p:nvPr>
-        </p:nvSpPr>
-        <p:spPr>
-          <a:xfrm>
-            <a:off x="2971800" y="4724400"/>
-            <a:ext cx="5181600" cy="762000"/>
-          </a:xfrm>
-        </p:spPr>
-        <p:txBody>
-          <a:bodyPr/>
-          <a:lstStyle/>
-          <a:p>
-            <a:pPr eaLnBrk="1" hangingPunct="1"/>
-            <a:r>
-              <a:rPr lang="en-US" sz="4000" i="1" smtClean="0"/>
-              <a:t>--- Niels Bohr</a:t>
-            </a:r>
-          </a:p>
-        </p:txBody>
-      </p:sp>
-    </p:spTree>
-    <p:extLst>
-      <p:ext uri="{BB962C8B-B14F-4D97-AF65-F5344CB8AC3E}">
-        <p14:creationId xmlns:p14="http://schemas.microsoft.com/office/powerpoint/2010/main" val="4250545466"/>
-      </p:ext>
-    </p:extLst>
-  </p:cSld>
-  <p:clrMapOvr>
-    <a:masterClrMapping/>
-  </p:clrMapOvr>
-  <mc:AlternateContent xmlns:mc="http://schemas.openxmlformats.org/markup-compatibility/2006">
-    <mc:Choice xmlns:p14="http://schemas.microsoft.com/office/powerpoint/2010/main" Requires="p14">
-      <p:transition spd="slow" p14:dur="900">
-        <p:fade/>
-      </p:transition>
-    </mc:Choice>
-    <mc:Fallback>
-      <p:transition xmlns:p14="http://schemas.microsoft.com/office/powerpoint/2010/main" spd="slow">
-        <p:fade/>
-      </p:transition>
-    </mc:Fallback>
-  </mc:AlternateContent>
-  <p:timing>
-    <p:tnLst>
-      <p:par>
-        <p:cTn xmlns:p14="http://schemas.microsoft.com/office/powerpoint/2010/main" id="1" dur="indefinite" restart="never" nodeType="tmRoot"/>
-      </p:par>
-    </p:tnLst>
-  </p:timing>
-</p:sld>
-</file>
-
-<file path=ppt/slides/slide40.xml><?xml version="1.0" encoding="utf-8"?>
+<file path=ppt/slides/slide42.xml><?xml version="1.0" encoding="utf-8"?>
 <p:sld xmlns:a="http://schemas.openxmlformats.org/drawingml/2006/main" xmlns:r="http://schemas.openxmlformats.org/officeDocument/2006/relationships" xmlns:p="http://schemas.openxmlformats.org/presentationml/2006/main">
   <p:cSld>
     <p:spTree>
@@ -20985,7 +22098,7 @@
                 <a:tabLst/>
                 <a:defRPr/>
               </a:pPr>
-              <a:t>40</a:t>
+              <a:t>42</a:t>
             </a:fld>
             <a:endParaRPr kumimoji="0" lang="en-US" sz="1200" b="0" i="0" u="none" strike="noStrike" kern="1200" cap="none" spc="0" normalizeH="0" baseline="0" noProof="0" dirty="0">
               <a:ln>
@@ -21087,7 +22200,7 @@
           <p:nvPr>
             <p:extLst>
               <p:ext uri="{D42A27DB-BD31-4B8C-83A1-F6EECF244321}">
-                <p14:modId xmlns:p14="http://schemas.microsoft.com/office/powerpoint/2010/main" val="1558511647"/>
+                <p14:modId xmlns:p14="http://schemas.microsoft.com/office/powerpoint/2010/main" val="737126335"/>
               </p:ext>
             </p:extLst>
           </p:nvPr>
@@ -21100,7 +22213,7 @@
           <a:graphicData uri="http://schemas.openxmlformats.org/presentationml/2006/ole">
             <mc:AlternateContent xmlns:mc="http://schemas.openxmlformats.org/markup-compatibility/2006">
               <mc:Choice xmlns:v="urn:schemas-microsoft-com:vml" Requires="v">
-                <p:oleObj spid="_x0000_s27656" name="Equation" r:id="rId4" imgW="1193800" imgH="495300" progId="Equation.DSMT4">
+                <p:oleObj spid="_x0000_s27659" name="Equation" r:id="rId4" imgW="1193800" imgH="495300" progId="Equation.DSMT4">
                   <p:embed/>
                 </p:oleObj>
               </mc:Choice>
@@ -21429,8 +22542,1276 @@
 </p:sld>
 </file>
 
-<file path=ppt/slides/slide41.xml><?xml version="1.0" encoding="utf-8"?>
+<file path=ppt/slides/slide43.xml><?xml version="1.0" encoding="utf-8"?>
 <p:sld xmlns:a="http://schemas.openxmlformats.org/drawingml/2006/main" xmlns:r="http://schemas.openxmlformats.org/officeDocument/2006/relationships" xmlns:p="http://schemas.openxmlformats.org/presentationml/2006/main">
+  <p:cSld>
+    <p:spTree>
+      <p:nvGrpSpPr>
+        <p:cNvPr id="1" name=""/>
+        <p:cNvGrpSpPr/>
+        <p:nvPr/>
+      </p:nvGrpSpPr>
+      <p:grpSpPr>
+        <a:xfrm>
+          <a:off x="0" y="0"/>
+          <a:ext cx="0" cy="0"/>
+          <a:chOff x="0" y="0"/>
+          <a:chExt cx="0" cy="0"/>
+        </a:xfrm>
+      </p:grpSpPr>
+      <p:sp>
+        <p:nvSpPr>
+          <p:cNvPr id="30726" name="Rectangle 4"/>
+          <p:cNvSpPr>
+            <a:spLocks noGrp="1" noChangeArrowheads="1"/>
+          </p:cNvSpPr>
+          <p:nvPr>
+            <p:ph type="title"/>
+          </p:nvPr>
+        </p:nvSpPr>
+        <p:spPr>
+          <a:xfrm>
+            <a:off x="1239780" y="228600"/>
+            <a:ext cx="7678258" cy="939508"/>
+          </a:xfrm>
+          <a:noFill/>
+        </p:spPr>
+        <p:txBody>
+          <a:bodyPr/>
+          <a:lstStyle/>
+          <a:p>
+            <a:pPr eaLnBrk="1" hangingPunct="1"/>
+            <a:r>
+              <a:rPr lang="en-US" sz="4000" dirty="0">
+                <a:solidFill>
+                  <a:schemeClr val="tx1"/>
+                </a:solidFill>
+              </a:rPr>
+              <a:t>11,000 TB cases </a:t>
+            </a:r>
+            <a:r>
+              <a:rPr lang="en-US" sz="4000" dirty="0" smtClean="0">
+                <a:solidFill>
+                  <a:schemeClr val="tx1"/>
+                </a:solidFill>
+              </a:rPr>
+              <a:t>reported</a:t>
+            </a:r>
+          </a:p>
+        </p:txBody>
+      </p:sp>
+      <p:cxnSp>
+        <p:nvCxnSpPr>
+          <p:cNvPr id="30727" name="AutoShape 21"/>
+          <p:cNvCxnSpPr>
+            <a:cxnSpLocks noChangeShapeType="1"/>
+          </p:cNvCxnSpPr>
+          <p:nvPr/>
+        </p:nvCxnSpPr>
+        <p:spPr bwMode="auto">
+          <a:xfrm>
+            <a:off x="1219200" y="3543300"/>
+            <a:ext cx="0" cy="0"/>
+          </a:xfrm>
+          <a:prstGeom prst="straightConnector1">
+            <a:avLst/>
+          </a:prstGeom>
+          <a:noFill/>
+          <a:ln w="9525">
+            <a:solidFill>
+              <a:schemeClr val="tx1"/>
+            </a:solidFill>
+            <a:round/>
+            <a:headEnd/>
+            <a:tailEnd/>
+          </a:ln>
+        </p:spPr>
+      </p:cxnSp>
+      <p:sp>
+        <p:nvSpPr>
+          <p:cNvPr id="39" name="Rectangle 4"/>
+          <p:cNvSpPr txBox="1">
+            <a:spLocks noChangeArrowheads="1"/>
+          </p:cNvSpPr>
+          <p:nvPr/>
+        </p:nvSpPr>
+        <p:spPr bwMode="auto">
+          <a:xfrm>
+            <a:off x="7696200" y="6629400"/>
+            <a:ext cx="1447800" cy="228600"/>
+          </a:xfrm>
+          <a:prstGeom prst="rect">
+            <a:avLst/>
+          </a:prstGeom>
+          <a:noFill/>
+          <a:ln w="9525">
+            <a:noFill/>
+            <a:miter lim="800000"/>
+            <a:headEnd/>
+            <a:tailEnd/>
+          </a:ln>
+          <a:effectLst/>
+        </p:spPr>
+        <p:txBody>
+          <a:bodyPr vert="horz" wrap="square" lIns="91440" tIns="45720" rIns="91440" bIns="45720" numCol="1" anchor="t" anchorCtr="0" compatLnSpc="1">
+            <a:prstTxWarp prst="textNoShape">
+              <a:avLst/>
+            </a:prstTxWarp>
+          </a:bodyPr>
+          <a:lstStyle>
+            <a:lvl1pPr algn="r">
+              <a:defRPr sz="1200" dirty="0" err="1" smtClean="0">
+                <a:latin typeface="+mn-lt"/>
+              </a:defRPr>
+            </a:lvl1pPr>
+          </a:lstStyle>
+          <a:p>
+            <a:pPr marL="0" marR="0" lvl="0" indent="0" algn="r" defTabSz="914400" rtl="0" eaLnBrk="1" fontAlgn="base" latinLnBrk="0" hangingPunct="1">
+              <a:lnSpc>
+                <a:spcPct val="100000"/>
+              </a:lnSpc>
+              <a:spcBef>
+                <a:spcPct val="0"/>
+              </a:spcBef>
+              <a:spcAft>
+                <a:spcPct val="0"/>
+              </a:spcAft>
+              <a:buClrTx/>
+              <a:buSzTx/>
+              <a:buFontTx/>
+              <a:buNone/>
+              <a:tabLst/>
+              <a:defRPr/>
+            </a:pPr>
+            <a:r>
+              <a:rPr kumimoji="0" lang="en-US" sz="1200" b="0" i="0" u="none" strike="noStrike" kern="1200" cap="none" spc="0" normalizeH="0" baseline="0" noProof="0" dirty="0" smtClean="0">
+                <a:ln>
+                  <a:noFill/>
+                </a:ln>
+                <a:solidFill>
+                  <a:schemeClr val="tx1"/>
+                </a:solidFill>
+                <a:effectLst/>
+                <a:uLnTx/>
+                <a:uFillTx/>
+                <a:latin typeface="+mn-lt"/>
+                <a:ea typeface="+mn-ea"/>
+                <a:cs typeface="+mn-cs"/>
+              </a:rPr>
+              <a:t>testing.</a:t>
+            </a:r>
+            <a:fld id="{B9A0B45D-6AFD-413C-B761-B121FB8BE940}" type="slidenum">
+              <a:rPr kumimoji="0" lang="en-US" sz="1200" b="0" i="0" u="none" strike="noStrike" kern="1200" cap="none" spc="0" normalizeH="0" baseline="0" noProof="0" smtClean="0">
+                <a:ln>
+                  <a:noFill/>
+                </a:ln>
+                <a:solidFill>
+                  <a:schemeClr val="tx1"/>
+                </a:solidFill>
+                <a:effectLst/>
+                <a:uLnTx/>
+                <a:uFillTx/>
+                <a:latin typeface="+mn-lt"/>
+                <a:ea typeface="+mn-ea"/>
+                <a:cs typeface="+mn-cs"/>
+              </a:rPr>
+              <a:pPr marL="0" marR="0" lvl="0" indent="0" algn="r" defTabSz="914400" rtl="0" eaLnBrk="1" fontAlgn="base" latinLnBrk="0" hangingPunct="1">
+                <a:lnSpc>
+                  <a:spcPct val="100000"/>
+                </a:lnSpc>
+                <a:spcBef>
+                  <a:spcPct val="0"/>
+                </a:spcBef>
+                <a:spcAft>
+                  <a:spcPct val="0"/>
+                </a:spcAft>
+                <a:buClrTx/>
+                <a:buSzTx/>
+                <a:buFontTx/>
+                <a:buNone/>
+                <a:tabLst/>
+                <a:defRPr/>
+              </a:pPr>
+              <a:t>43</a:t>
+            </a:fld>
+            <a:endParaRPr kumimoji="0" lang="en-US" sz="1200" b="0" i="0" u="none" strike="noStrike" kern="1200" cap="none" spc="0" normalizeH="0" baseline="0" noProof="0" dirty="0">
+              <a:ln>
+                <a:noFill/>
+              </a:ln>
+              <a:solidFill>
+                <a:schemeClr val="tx1"/>
+              </a:solidFill>
+              <a:effectLst/>
+              <a:uLnTx/>
+              <a:uFillTx/>
+              <a:latin typeface="+mn-lt"/>
+              <a:ea typeface="+mn-ea"/>
+              <a:cs typeface="+mn-cs"/>
+            </a:endParaRPr>
+          </a:p>
+        </p:txBody>
+      </p:sp>
+      <p:sp>
+        <p:nvSpPr>
+          <p:cNvPr id="2" name="TextBox 1"/>
+          <p:cNvSpPr txBox="1"/>
+          <p:nvPr/>
+        </p:nvSpPr>
+        <p:spPr>
+          <a:xfrm>
+            <a:off x="205941" y="1265483"/>
+            <a:ext cx="8718173" cy="3342453"/>
+          </a:xfrm>
+          <a:prstGeom prst="rect">
+            <a:avLst/>
+          </a:prstGeom>
+          <a:noFill/>
+        </p:spPr>
+        <p:txBody>
+          <a:bodyPr wrap="square" rtlCol="0">
+            <a:spAutoFit/>
+          </a:bodyPr>
+          <a:lstStyle/>
+          <a:p>
+            <a:pPr algn="l"/>
+            <a:r>
+              <a:rPr lang="en-US" sz="4800" dirty="0" smtClean="0">
+                <a:latin typeface="Comic Sans MS"/>
+                <a:cs typeface="Comic Sans MS"/>
+              </a:rPr>
+              <a:t>CDC got reports of 11,000 cases of TB in US </a:t>
+            </a:r>
+            <a:r>
+              <a:rPr lang="en-US" sz="4800" dirty="0" smtClean="0">
+                <a:solidFill>
+                  <a:srgbClr val="000000"/>
+                </a:solidFill>
+                <a:latin typeface="Comic Sans MS"/>
+                <a:cs typeface="Comic Sans MS"/>
+              </a:rPr>
+              <a:t>in 2011</a:t>
+            </a:r>
+            <a:r>
+              <a:rPr lang="en-US" sz="4800" dirty="0" smtClean="0">
+                <a:latin typeface="Comic Sans MS"/>
+                <a:cs typeface="Comic Sans MS"/>
+              </a:rPr>
+              <a:t>.</a:t>
+            </a:r>
+            <a:endParaRPr lang="en-US" sz="4800" dirty="0">
+              <a:latin typeface="Comic Sans MS"/>
+              <a:cs typeface="Comic Sans MS"/>
+            </a:endParaRPr>
+          </a:p>
+          <a:p>
+            <a:pPr algn="l"/>
+            <a:r>
+              <a:rPr lang="en-US" sz="4800" dirty="0" smtClean="0">
+                <a:latin typeface="Comic Sans MS"/>
+                <a:cs typeface="Comic Sans MS"/>
+              </a:rPr>
+              <a:t>Will be lots of unreported.</a:t>
+            </a:r>
+          </a:p>
+          <a:p>
+            <a:pPr algn="l"/>
+            <a:r>
+              <a:rPr lang="en-US" sz="4800" dirty="0" smtClean="0">
+                <a:latin typeface="Comic Sans MS"/>
+                <a:cs typeface="Comic Sans MS"/>
+              </a:rPr>
+              <a:t>So estimate:</a:t>
+            </a:r>
+          </a:p>
+        </p:txBody>
+      </p:sp>
+      <p:graphicFrame>
+        <p:nvGraphicFramePr>
+          <p:cNvPr id="7" name="Object 6"/>
+          <p:cNvGraphicFramePr>
+            <a:graphicFrameLocks noChangeAspect="1"/>
+          </p:cNvGraphicFramePr>
+          <p:nvPr>
+            <p:extLst>
+              <p:ext uri="{D42A27DB-BD31-4B8C-83A1-F6EECF244321}">
+                <p14:modId xmlns:p14="http://schemas.microsoft.com/office/powerpoint/2010/main" val="1484143086"/>
+              </p:ext>
+            </p:extLst>
+          </p:nvPr>
+        </p:nvGraphicFramePr>
+        <p:xfrm>
+          <a:off x="1698625" y="3900488"/>
+          <a:ext cx="5924550" cy="2195512"/>
+        </p:xfrm>
+        <a:graphic>
+          <a:graphicData uri="http://schemas.openxmlformats.org/presentationml/2006/ole">
+            <mc:AlternateContent xmlns:mc="http://schemas.openxmlformats.org/markup-compatibility/2006">
+              <mc:Choice xmlns:v="urn:schemas-microsoft-com:vml" Requires="v">
+                <p:oleObj spid="_x0000_s62466" name="Equation" r:id="rId4" imgW="1333500" imgH="495300" progId="Equation.DSMT4">
+                  <p:embed/>
+                </p:oleObj>
+              </mc:Choice>
+              <mc:Fallback>
+                <p:oleObj name="Equation" r:id="rId4" imgW="1333500" imgH="495300" progId="Equation.DSMT4">
+                  <p:embed/>
+                  <p:pic>
+                    <p:nvPicPr>
+                      <p:cNvPr id="0" name=""/>
+                      <p:cNvPicPr/>
+                      <p:nvPr/>
+                    </p:nvPicPr>
+                    <p:blipFill>
+                      <a:blip r:embed="rId5"/>
+                      <a:stretch>
+                        <a:fillRect/>
+                      </a:stretch>
+                    </p:blipFill>
+                    <p:spPr>
+                      <a:xfrm>
+                        <a:off x="1698625" y="3900488"/>
+                        <a:ext cx="5924550" cy="2195512"/>
+                      </a:xfrm>
+                      <a:prstGeom prst="rect">
+                        <a:avLst/>
+                      </a:prstGeom>
+                    </p:spPr>
+                  </p:pic>
+                </p:oleObj>
+              </mc:Fallback>
+            </mc:AlternateContent>
+          </a:graphicData>
+        </a:graphic>
+      </p:graphicFrame>
+    </p:spTree>
+    <p:extLst>
+      <p:ext uri="{BB962C8B-B14F-4D97-AF65-F5344CB8AC3E}">
+        <p14:creationId xmlns:p14="http://schemas.microsoft.com/office/powerpoint/2010/main" val="2860828458"/>
+      </p:ext>
+    </p:extLst>
+  </p:cSld>
+  <p:clrMapOvr>
+    <a:masterClrMapping/>
+  </p:clrMapOvr>
+  <mc:AlternateContent xmlns:mc="http://schemas.openxmlformats.org/markup-compatibility/2006" xmlns:p14="http://schemas.microsoft.com/office/powerpoint/2010/main">
+    <mc:Choice Requires="p14">
+      <p:transition spd="slow" p14:dur="1100" advClick="0">
+        <p:fade thruBlk="1"/>
+      </p:transition>
+    </mc:Choice>
+    <mc:Fallback xmlns="">
+      <p:transition xmlns:p14="http://schemas.microsoft.com/office/powerpoint/2010/main" spd="slow" advClick="0">
+        <p:fade thruBlk="1"/>
+      </p:transition>
+    </mc:Fallback>
+  </mc:AlternateContent>
+  <p:timing>
+    <p:tnLst>
+      <p:par>
+        <p:cTn xmlns:p14="http://schemas.microsoft.com/office/powerpoint/2010/main" id="1" dur="indefinite" restart="never" nodeType="tmRoot">
+          <p:childTnLst>
+            <p:seq concurrent="1" nextAc="seek">
+              <p:cTn id="2" dur="indefinite" nodeType="mainSeq">
+                <p:childTnLst>
+                  <p:par>
+                    <p:cTn id="3" fill="hold">
+                      <p:stCondLst>
+                        <p:cond delay="indefinite"/>
+                      </p:stCondLst>
+                      <p:childTnLst>
+                        <p:par>
+                          <p:cTn id="4" fill="hold">
+                            <p:stCondLst>
+                              <p:cond delay="0"/>
+                            </p:stCondLst>
+                            <p:childTnLst>
+                              <p:par>
+                                <p:cTn id="5" presetID="10" presetClass="entr" presetSubtype="0" fill="hold" grpId="0" nodeType="clickEffect">
+                                  <p:stCondLst>
+                                    <p:cond delay="0"/>
+                                  </p:stCondLst>
+                                  <p:childTnLst>
+                                    <p:set>
+                                      <p:cBhvr>
+                                        <p:cTn id="6" dur="1" fill="hold">
+                                          <p:stCondLst>
+                                            <p:cond delay="0"/>
+                                          </p:stCondLst>
+                                        </p:cTn>
+                                        <p:tgtEl>
+                                          <p:spTgt spid="2">
+                                            <p:txEl>
+                                              <p:pRg st="0" end="0"/>
+                                            </p:txEl>
+                                          </p:spTgt>
+                                        </p:tgtEl>
+                                        <p:attrNameLst>
+                                          <p:attrName>style.visibility</p:attrName>
+                                        </p:attrNameLst>
+                                      </p:cBhvr>
+                                      <p:to>
+                                        <p:strVal val="visible"/>
+                                      </p:to>
+                                    </p:set>
+                                    <p:animEffect transition="in" filter="fade">
+                                      <p:cBhvr>
+                                        <p:cTn id="7" dur="500"/>
+                                        <p:tgtEl>
+                                          <p:spTgt spid="2">
+                                            <p:txEl>
+                                              <p:pRg st="0" end="0"/>
+                                            </p:txEl>
+                                          </p:spTgt>
+                                        </p:tgtEl>
+                                      </p:cBhvr>
+                                    </p:animEffect>
+                                  </p:childTnLst>
+                                </p:cTn>
+                              </p:par>
+                            </p:childTnLst>
+                          </p:cTn>
+                        </p:par>
+                      </p:childTnLst>
+                    </p:cTn>
+                  </p:par>
+                  <p:par>
+                    <p:cTn id="8" fill="hold">
+                      <p:stCondLst>
+                        <p:cond delay="indefinite"/>
+                      </p:stCondLst>
+                      <p:childTnLst>
+                        <p:par>
+                          <p:cTn id="9" fill="hold">
+                            <p:stCondLst>
+                              <p:cond delay="0"/>
+                            </p:stCondLst>
+                            <p:childTnLst>
+                              <p:par>
+                                <p:cTn id="10" presetID="10" presetClass="entr" presetSubtype="0" fill="hold" grpId="0" nodeType="clickEffect">
+                                  <p:stCondLst>
+                                    <p:cond delay="0"/>
+                                  </p:stCondLst>
+                                  <p:childTnLst>
+                                    <p:set>
+                                      <p:cBhvr>
+                                        <p:cTn id="11" dur="1" fill="hold">
+                                          <p:stCondLst>
+                                            <p:cond delay="0"/>
+                                          </p:stCondLst>
+                                        </p:cTn>
+                                        <p:tgtEl>
+                                          <p:spTgt spid="2">
+                                            <p:txEl>
+                                              <p:pRg st="1" end="1"/>
+                                            </p:txEl>
+                                          </p:spTgt>
+                                        </p:tgtEl>
+                                        <p:attrNameLst>
+                                          <p:attrName>style.visibility</p:attrName>
+                                        </p:attrNameLst>
+                                      </p:cBhvr>
+                                      <p:to>
+                                        <p:strVal val="visible"/>
+                                      </p:to>
+                                    </p:set>
+                                    <p:animEffect transition="in" filter="fade">
+                                      <p:cBhvr>
+                                        <p:cTn id="12" dur="500"/>
+                                        <p:tgtEl>
+                                          <p:spTgt spid="2">
+                                            <p:txEl>
+                                              <p:pRg st="1" end="1"/>
+                                            </p:txEl>
+                                          </p:spTgt>
+                                        </p:tgtEl>
+                                      </p:cBhvr>
+                                    </p:animEffect>
+                                  </p:childTnLst>
+                                </p:cTn>
+                              </p:par>
+                            </p:childTnLst>
+                          </p:cTn>
+                        </p:par>
+                      </p:childTnLst>
+                    </p:cTn>
+                  </p:par>
+                  <p:par>
+                    <p:cTn id="13" fill="hold">
+                      <p:stCondLst>
+                        <p:cond delay="indefinite"/>
+                      </p:stCondLst>
+                      <p:childTnLst>
+                        <p:par>
+                          <p:cTn id="14" fill="hold">
+                            <p:stCondLst>
+                              <p:cond delay="0"/>
+                            </p:stCondLst>
+                            <p:childTnLst>
+                              <p:par>
+                                <p:cTn id="15" presetID="10" presetClass="entr" presetSubtype="0" fill="hold" grpId="0" nodeType="clickEffect">
+                                  <p:stCondLst>
+                                    <p:cond delay="0"/>
+                                  </p:stCondLst>
+                                  <p:childTnLst>
+                                    <p:set>
+                                      <p:cBhvr>
+                                        <p:cTn id="16" dur="1" fill="hold">
+                                          <p:stCondLst>
+                                            <p:cond delay="0"/>
+                                          </p:stCondLst>
+                                        </p:cTn>
+                                        <p:tgtEl>
+                                          <p:spTgt spid="2">
+                                            <p:txEl>
+                                              <p:pRg st="2" end="2"/>
+                                            </p:txEl>
+                                          </p:spTgt>
+                                        </p:tgtEl>
+                                        <p:attrNameLst>
+                                          <p:attrName>style.visibility</p:attrName>
+                                        </p:attrNameLst>
+                                      </p:cBhvr>
+                                      <p:to>
+                                        <p:strVal val="visible"/>
+                                      </p:to>
+                                    </p:set>
+                                    <p:animEffect transition="in" filter="fade">
+                                      <p:cBhvr>
+                                        <p:cTn id="17" dur="500"/>
+                                        <p:tgtEl>
+                                          <p:spTgt spid="2">
+                                            <p:txEl>
+                                              <p:pRg st="2" end="2"/>
+                                            </p:txEl>
+                                          </p:spTgt>
+                                        </p:tgtEl>
+                                      </p:cBhvr>
+                                    </p:animEffect>
+                                  </p:childTnLst>
+                                </p:cTn>
+                              </p:par>
+                            </p:childTnLst>
+                          </p:cTn>
+                        </p:par>
+                      </p:childTnLst>
+                    </p:cTn>
+                  </p:par>
+                  <p:par>
+                    <p:cTn id="18" fill="hold">
+                      <p:stCondLst>
+                        <p:cond delay="indefinite"/>
+                      </p:stCondLst>
+                      <p:childTnLst>
+                        <p:par>
+                          <p:cTn id="19" fill="hold">
+                            <p:stCondLst>
+                              <p:cond delay="0"/>
+                            </p:stCondLst>
+                            <p:childTnLst>
+                              <p:par>
+                                <p:cTn id="20" presetID="22" presetClass="entr" presetSubtype="8" fill="hold" nodeType="clickEffect">
+                                  <p:stCondLst>
+                                    <p:cond delay="0"/>
+                                  </p:stCondLst>
+                                  <p:childTnLst>
+                                    <p:set>
+                                      <p:cBhvr>
+                                        <p:cTn id="21" dur="1" fill="hold">
+                                          <p:stCondLst>
+                                            <p:cond delay="0"/>
+                                          </p:stCondLst>
+                                        </p:cTn>
+                                        <p:tgtEl>
+                                          <p:spTgt spid="7"/>
+                                        </p:tgtEl>
+                                        <p:attrNameLst>
+                                          <p:attrName>style.visibility</p:attrName>
+                                        </p:attrNameLst>
+                                      </p:cBhvr>
+                                      <p:to>
+                                        <p:strVal val="visible"/>
+                                      </p:to>
+                                    </p:set>
+                                    <p:animEffect transition="in" filter="wipe(left)">
+                                      <p:cBhvr>
+                                        <p:cTn id="22" dur="2000"/>
+                                        <p:tgtEl>
+                                          <p:spTgt spid="7"/>
+                                        </p:tgtEl>
+                                      </p:cBhvr>
+                                    </p:animEffect>
+                                  </p:childTnLst>
+                                </p:cTn>
+                              </p:par>
+                            </p:childTnLst>
+                          </p:cTn>
+                        </p:par>
+                      </p:childTnLst>
+                    </p:cTn>
+                  </p:par>
+                </p:childTnLst>
+              </p:cTn>
+              <p:prevCondLst>
+                <p:cond evt="onPrev" delay="0">
+                  <p:tgtEl>
+                    <p:sldTgt/>
+                  </p:tgtEl>
+                </p:cond>
+              </p:prevCondLst>
+              <p:nextCondLst>
+                <p:cond evt="onNext" delay="0">
+                  <p:tgtEl>
+                    <p:sldTgt/>
+                  </p:tgtEl>
+                </p:cond>
+              </p:nextCondLst>
+            </p:seq>
+          </p:childTnLst>
+        </p:cTn>
+      </p:par>
+    </p:tnLst>
+    <p:bldLst>
+      <p:bldP spid="2" grpId="0" build="p"/>
+    </p:bldLst>
+  </p:timing>
+</p:sld>
+</file>
+
+<file path=ppt/slides/slide44.xml><?xml version="1.0" encoding="utf-8"?>
+<p:sld xmlns:a="http://schemas.openxmlformats.org/drawingml/2006/main" xmlns:r="http://schemas.openxmlformats.org/officeDocument/2006/relationships" xmlns:p="http://schemas.openxmlformats.org/presentationml/2006/main">
+  <p:cSld>
+    <p:spTree>
+      <p:nvGrpSpPr>
+        <p:cNvPr id="1" name=""/>
+        <p:cNvGrpSpPr/>
+        <p:nvPr/>
+      </p:nvGrpSpPr>
+      <p:grpSpPr>
+        <a:xfrm>
+          <a:off x="0" y="0"/>
+          <a:ext cx="0" cy="0"/>
+          <a:chOff x="0" y="0"/>
+          <a:chExt cx="0" cy="0"/>
+        </a:xfrm>
+      </p:grpSpPr>
+      <p:sp>
+        <p:nvSpPr>
+          <p:cNvPr id="30726" name="Rectangle 4"/>
+          <p:cNvSpPr>
+            <a:spLocks noGrp="1" noChangeArrowheads="1"/>
+          </p:cNvSpPr>
+          <p:nvPr>
+            <p:ph type="title"/>
+          </p:nvPr>
+        </p:nvSpPr>
+        <p:spPr>
+          <a:xfrm>
+            <a:off x="1239780" y="228600"/>
+            <a:ext cx="7678258" cy="939508"/>
+          </a:xfrm>
+          <a:noFill/>
+        </p:spPr>
+        <p:txBody>
+          <a:bodyPr/>
+          <a:lstStyle/>
+          <a:p>
+            <a:pPr eaLnBrk="1" hangingPunct="1"/>
+            <a:r>
+              <a:rPr lang="en-US" sz="4000" dirty="0">
+                <a:solidFill>
+                  <a:schemeClr val="tx1"/>
+                </a:solidFill>
+              </a:rPr>
+              <a:t>11,000 TB cases </a:t>
+            </a:r>
+            <a:r>
+              <a:rPr lang="en-US" sz="4000" dirty="0" smtClean="0">
+                <a:solidFill>
+                  <a:schemeClr val="tx1"/>
+                </a:solidFill>
+              </a:rPr>
+              <a:t>reported</a:t>
+            </a:r>
+          </a:p>
+        </p:txBody>
+      </p:sp>
+      <p:cxnSp>
+        <p:nvCxnSpPr>
+          <p:cNvPr id="30727" name="AutoShape 21"/>
+          <p:cNvCxnSpPr>
+            <a:cxnSpLocks noChangeShapeType="1"/>
+          </p:cNvCxnSpPr>
+          <p:nvPr/>
+        </p:nvCxnSpPr>
+        <p:spPr bwMode="auto">
+          <a:xfrm>
+            <a:off x="1219200" y="3543300"/>
+            <a:ext cx="0" cy="0"/>
+          </a:xfrm>
+          <a:prstGeom prst="straightConnector1">
+            <a:avLst/>
+          </a:prstGeom>
+          <a:noFill/>
+          <a:ln w="9525">
+            <a:solidFill>
+              <a:schemeClr val="tx1"/>
+            </a:solidFill>
+            <a:round/>
+            <a:headEnd/>
+            <a:tailEnd/>
+          </a:ln>
+        </p:spPr>
+      </p:cxnSp>
+      <p:sp>
+        <p:nvSpPr>
+          <p:cNvPr id="39" name="Rectangle 4"/>
+          <p:cNvSpPr txBox="1">
+            <a:spLocks noChangeArrowheads="1"/>
+          </p:cNvSpPr>
+          <p:nvPr/>
+        </p:nvSpPr>
+        <p:spPr bwMode="auto">
+          <a:xfrm>
+            <a:off x="7696200" y="6629400"/>
+            <a:ext cx="1447800" cy="228600"/>
+          </a:xfrm>
+          <a:prstGeom prst="rect">
+            <a:avLst/>
+          </a:prstGeom>
+          <a:noFill/>
+          <a:ln w="9525">
+            <a:noFill/>
+            <a:miter lim="800000"/>
+            <a:headEnd/>
+            <a:tailEnd/>
+          </a:ln>
+          <a:effectLst/>
+        </p:spPr>
+        <p:txBody>
+          <a:bodyPr vert="horz" wrap="square" lIns="91440" tIns="45720" rIns="91440" bIns="45720" numCol="1" anchor="t" anchorCtr="0" compatLnSpc="1">
+            <a:prstTxWarp prst="textNoShape">
+              <a:avLst/>
+            </a:prstTxWarp>
+          </a:bodyPr>
+          <a:lstStyle>
+            <a:lvl1pPr algn="r">
+              <a:defRPr sz="1200" dirty="0" err="1" smtClean="0">
+                <a:latin typeface="+mn-lt"/>
+              </a:defRPr>
+            </a:lvl1pPr>
+          </a:lstStyle>
+          <a:p>
+            <a:pPr marL="0" marR="0" lvl="0" indent="0" algn="r" defTabSz="914400" rtl="0" eaLnBrk="1" fontAlgn="base" latinLnBrk="0" hangingPunct="1">
+              <a:lnSpc>
+                <a:spcPct val="100000"/>
+              </a:lnSpc>
+              <a:spcBef>
+                <a:spcPct val="0"/>
+              </a:spcBef>
+              <a:spcAft>
+                <a:spcPct val="0"/>
+              </a:spcAft>
+              <a:buClrTx/>
+              <a:buSzTx/>
+              <a:buFontTx/>
+              <a:buNone/>
+              <a:tabLst/>
+              <a:defRPr/>
+            </a:pPr>
+            <a:r>
+              <a:rPr kumimoji="0" lang="en-US" sz="1200" b="0" i="0" u="none" strike="noStrike" kern="1200" cap="none" spc="0" normalizeH="0" baseline="0" noProof="0" dirty="0" smtClean="0">
+                <a:ln>
+                  <a:noFill/>
+                </a:ln>
+                <a:solidFill>
+                  <a:schemeClr val="tx1"/>
+                </a:solidFill>
+                <a:effectLst/>
+                <a:uLnTx/>
+                <a:uFillTx/>
+                <a:latin typeface="+mn-lt"/>
+                <a:ea typeface="+mn-ea"/>
+                <a:cs typeface="+mn-cs"/>
+              </a:rPr>
+              <a:t>testing.</a:t>
+            </a:r>
+            <a:fld id="{B9A0B45D-6AFD-413C-B761-B121FB8BE940}" type="slidenum">
+              <a:rPr kumimoji="0" lang="en-US" sz="1200" b="0" i="0" u="none" strike="noStrike" kern="1200" cap="none" spc="0" normalizeH="0" baseline="0" noProof="0" smtClean="0">
+                <a:ln>
+                  <a:noFill/>
+                </a:ln>
+                <a:solidFill>
+                  <a:schemeClr val="tx1"/>
+                </a:solidFill>
+                <a:effectLst/>
+                <a:uLnTx/>
+                <a:uFillTx/>
+                <a:latin typeface="+mn-lt"/>
+                <a:ea typeface="+mn-ea"/>
+                <a:cs typeface="+mn-cs"/>
+              </a:rPr>
+              <a:pPr marL="0" marR="0" lvl="0" indent="0" algn="r" defTabSz="914400" rtl="0" eaLnBrk="1" fontAlgn="base" latinLnBrk="0" hangingPunct="1">
+                <a:lnSpc>
+                  <a:spcPct val="100000"/>
+                </a:lnSpc>
+                <a:spcBef>
+                  <a:spcPct val="0"/>
+                </a:spcBef>
+                <a:spcAft>
+                  <a:spcPct val="0"/>
+                </a:spcAft>
+                <a:buClrTx/>
+                <a:buSzTx/>
+                <a:buFontTx/>
+                <a:buNone/>
+                <a:tabLst/>
+                <a:defRPr/>
+              </a:pPr>
+              <a:t>44</a:t>
+            </a:fld>
+            <a:endParaRPr kumimoji="0" lang="en-US" sz="1200" b="0" i="0" u="none" strike="noStrike" kern="1200" cap="none" spc="0" normalizeH="0" baseline="0" noProof="0" dirty="0">
+              <a:ln>
+                <a:noFill/>
+              </a:ln>
+              <a:solidFill>
+                <a:schemeClr val="tx1"/>
+              </a:solidFill>
+              <a:effectLst/>
+              <a:uLnTx/>
+              <a:uFillTx/>
+              <a:latin typeface="+mn-lt"/>
+              <a:ea typeface="+mn-ea"/>
+              <a:cs typeface="+mn-cs"/>
+            </a:endParaRPr>
+          </a:p>
+        </p:txBody>
+      </p:sp>
+      <p:sp>
+        <p:nvSpPr>
+          <p:cNvPr id="2" name="TextBox 1"/>
+          <p:cNvSpPr txBox="1"/>
+          <p:nvPr/>
+        </p:nvSpPr>
+        <p:spPr>
+          <a:xfrm>
+            <a:off x="205941" y="1265483"/>
+            <a:ext cx="8718173" cy="3342453"/>
+          </a:xfrm>
+          <a:prstGeom prst="rect">
+            <a:avLst/>
+          </a:prstGeom>
+          <a:noFill/>
+        </p:spPr>
+        <p:txBody>
+          <a:bodyPr wrap="square" rtlCol="0">
+            <a:spAutoFit/>
+          </a:bodyPr>
+          <a:lstStyle/>
+          <a:p>
+            <a:pPr algn="l"/>
+            <a:r>
+              <a:rPr lang="en-US" sz="4800" dirty="0" smtClean="0">
+                <a:latin typeface="Comic Sans MS"/>
+                <a:cs typeface="Comic Sans MS"/>
+              </a:rPr>
+              <a:t>CDC got reports of 11,000 cases of TB in US </a:t>
+            </a:r>
+            <a:r>
+              <a:rPr lang="en-US" sz="4800" dirty="0" smtClean="0">
+                <a:solidFill>
+                  <a:srgbClr val="000000"/>
+                </a:solidFill>
+                <a:latin typeface="Comic Sans MS"/>
+                <a:cs typeface="Comic Sans MS"/>
+              </a:rPr>
+              <a:t>in 2011</a:t>
+            </a:r>
+            <a:r>
+              <a:rPr lang="en-US" sz="4800" dirty="0" smtClean="0">
+                <a:latin typeface="Comic Sans MS"/>
+                <a:cs typeface="Comic Sans MS"/>
+              </a:rPr>
+              <a:t>.</a:t>
+            </a:r>
+            <a:endParaRPr lang="en-US" sz="4800" dirty="0">
+              <a:latin typeface="Comic Sans MS"/>
+              <a:cs typeface="Comic Sans MS"/>
+            </a:endParaRPr>
+          </a:p>
+          <a:p>
+            <a:pPr algn="l"/>
+            <a:r>
+              <a:rPr lang="en-US" sz="4800" dirty="0" smtClean="0">
+                <a:latin typeface="Comic Sans MS"/>
+                <a:cs typeface="Comic Sans MS"/>
+              </a:rPr>
+              <a:t>Will be lots of unreported.</a:t>
+            </a:r>
+          </a:p>
+          <a:p>
+            <a:pPr algn="l"/>
+            <a:r>
+              <a:rPr lang="en-US" sz="4800" dirty="0" smtClean="0">
+                <a:latin typeface="Comic Sans MS"/>
+                <a:cs typeface="Comic Sans MS"/>
+              </a:rPr>
+              <a:t>So estimate:</a:t>
+            </a:r>
+          </a:p>
+        </p:txBody>
+      </p:sp>
+      <p:graphicFrame>
+        <p:nvGraphicFramePr>
+          <p:cNvPr id="7" name="Object 6"/>
+          <p:cNvGraphicFramePr>
+            <a:graphicFrameLocks noChangeAspect="1"/>
+          </p:cNvGraphicFramePr>
+          <p:nvPr>
+            <p:extLst>
+              <p:ext uri="{D42A27DB-BD31-4B8C-83A1-F6EECF244321}">
+                <p14:modId xmlns:p14="http://schemas.microsoft.com/office/powerpoint/2010/main" val="2958372978"/>
+              </p:ext>
+            </p:extLst>
+          </p:nvPr>
+        </p:nvGraphicFramePr>
+        <p:xfrm>
+          <a:off x="1276350" y="3824288"/>
+          <a:ext cx="6770688" cy="2195512"/>
+        </p:xfrm>
+        <a:graphic>
+          <a:graphicData uri="http://schemas.openxmlformats.org/presentationml/2006/ole">
+            <mc:AlternateContent xmlns:mc="http://schemas.openxmlformats.org/markup-compatibility/2006">
+              <mc:Choice xmlns:v="urn:schemas-microsoft-com:vml" Requires="v">
+                <p:oleObj spid="_x0000_s63490" name="Equation" r:id="rId4" imgW="1524000" imgH="495300" progId="Equation.DSMT4">
+                  <p:embed/>
+                </p:oleObj>
+              </mc:Choice>
+              <mc:Fallback>
+                <p:oleObj name="Equation" r:id="rId4" imgW="1524000" imgH="495300" progId="Equation.DSMT4">
+                  <p:embed/>
+                  <p:pic>
+                    <p:nvPicPr>
+                      <p:cNvPr id="0" name=""/>
+                      <p:cNvPicPr/>
+                      <p:nvPr/>
+                    </p:nvPicPr>
+                    <p:blipFill>
+                      <a:blip r:embed="rId5"/>
+                      <a:stretch>
+                        <a:fillRect/>
+                      </a:stretch>
+                    </p:blipFill>
+                    <p:spPr>
+                      <a:xfrm>
+                        <a:off x="1276350" y="3824288"/>
+                        <a:ext cx="6770688" cy="2195512"/>
+                      </a:xfrm>
+                      <a:prstGeom prst="rect">
+                        <a:avLst/>
+                      </a:prstGeom>
+                    </p:spPr>
+                  </p:pic>
+                </p:oleObj>
+              </mc:Fallback>
+            </mc:AlternateContent>
+          </a:graphicData>
+        </a:graphic>
+      </p:graphicFrame>
+    </p:spTree>
+    <p:extLst>
+      <p:ext uri="{BB962C8B-B14F-4D97-AF65-F5344CB8AC3E}">
+        <p14:creationId xmlns:p14="http://schemas.microsoft.com/office/powerpoint/2010/main" val="2132772594"/>
+      </p:ext>
+    </p:extLst>
+  </p:cSld>
+  <p:clrMapOvr>
+    <a:masterClrMapping/>
+  </p:clrMapOvr>
+  <mc:AlternateContent xmlns:mc="http://schemas.openxmlformats.org/markup-compatibility/2006" xmlns:p14="http://schemas.microsoft.com/office/powerpoint/2010/main">
+    <mc:Choice Requires="p14">
+      <p:transition spd="slow" p14:dur="1100" advClick="0">
+        <p:fade thruBlk="1"/>
+      </p:transition>
+    </mc:Choice>
+    <mc:Fallback xmlns="">
+      <p:transition xmlns:p14="http://schemas.microsoft.com/office/powerpoint/2010/main" spd="slow" advClick="0">
+        <p:fade thruBlk="1"/>
+      </p:transition>
+    </mc:Fallback>
+  </mc:AlternateContent>
+  <p:timing>
+    <p:tnLst>
+      <p:par>
+        <p:cTn xmlns:p14="http://schemas.microsoft.com/office/powerpoint/2010/main" id="1" dur="indefinite" restart="never" nodeType="tmRoot">
+          <p:childTnLst>
+            <p:seq concurrent="1" nextAc="seek">
+              <p:cTn id="2" dur="indefinite" nodeType="mainSeq">
+                <p:childTnLst>
+                  <p:par>
+                    <p:cTn id="3" fill="hold">
+                      <p:stCondLst>
+                        <p:cond delay="indefinite"/>
+                      </p:stCondLst>
+                      <p:childTnLst>
+                        <p:par>
+                          <p:cTn id="4" fill="hold">
+                            <p:stCondLst>
+                              <p:cond delay="0"/>
+                            </p:stCondLst>
+                            <p:childTnLst>
+                              <p:par>
+                                <p:cTn id="5" presetID="10" presetClass="entr" presetSubtype="0" fill="hold" grpId="0" nodeType="clickEffect">
+                                  <p:stCondLst>
+                                    <p:cond delay="0"/>
+                                  </p:stCondLst>
+                                  <p:childTnLst>
+                                    <p:set>
+                                      <p:cBhvr>
+                                        <p:cTn id="6" dur="1" fill="hold">
+                                          <p:stCondLst>
+                                            <p:cond delay="0"/>
+                                          </p:stCondLst>
+                                        </p:cTn>
+                                        <p:tgtEl>
+                                          <p:spTgt spid="2">
+                                            <p:txEl>
+                                              <p:pRg st="0" end="0"/>
+                                            </p:txEl>
+                                          </p:spTgt>
+                                        </p:tgtEl>
+                                        <p:attrNameLst>
+                                          <p:attrName>style.visibility</p:attrName>
+                                        </p:attrNameLst>
+                                      </p:cBhvr>
+                                      <p:to>
+                                        <p:strVal val="visible"/>
+                                      </p:to>
+                                    </p:set>
+                                    <p:animEffect transition="in" filter="fade">
+                                      <p:cBhvr>
+                                        <p:cTn id="7" dur="500"/>
+                                        <p:tgtEl>
+                                          <p:spTgt spid="2">
+                                            <p:txEl>
+                                              <p:pRg st="0" end="0"/>
+                                            </p:txEl>
+                                          </p:spTgt>
+                                        </p:tgtEl>
+                                      </p:cBhvr>
+                                    </p:animEffect>
+                                  </p:childTnLst>
+                                </p:cTn>
+                              </p:par>
+                            </p:childTnLst>
+                          </p:cTn>
+                        </p:par>
+                      </p:childTnLst>
+                    </p:cTn>
+                  </p:par>
+                  <p:par>
+                    <p:cTn id="8" fill="hold">
+                      <p:stCondLst>
+                        <p:cond delay="indefinite"/>
+                      </p:stCondLst>
+                      <p:childTnLst>
+                        <p:par>
+                          <p:cTn id="9" fill="hold">
+                            <p:stCondLst>
+                              <p:cond delay="0"/>
+                            </p:stCondLst>
+                            <p:childTnLst>
+                              <p:par>
+                                <p:cTn id="10" presetID="10" presetClass="entr" presetSubtype="0" fill="hold" grpId="0" nodeType="clickEffect">
+                                  <p:stCondLst>
+                                    <p:cond delay="0"/>
+                                  </p:stCondLst>
+                                  <p:childTnLst>
+                                    <p:set>
+                                      <p:cBhvr>
+                                        <p:cTn id="11" dur="1" fill="hold">
+                                          <p:stCondLst>
+                                            <p:cond delay="0"/>
+                                          </p:stCondLst>
+                                        </p:cTn>
+                                        <p:tgtEl>
+                                          <p:spTgt spid="2">
+                                            <p:txEl>
+                                              <p:pRg st="1" end="1"/>
+                                            </p:txEl>
+                                          </p:spTgt>
+                                        </p:tgtEl>
+                                        <p:attrNameLst>
+                                          <p:attrName>style.visibility</p:attrName>
+                                        </p:attrNameLst>
+                                      </p:cBhvr>
+                                      <p:to>
+                                        <p:strVal val="visible"/>
+                                      </p:to>
+                                    </p:set>
+                                    <p:animEffect transition="in" filter="fade">
+                                      <p:cBhvr>
+                                        <p:cTn id="12" dur="500"/>
+                                        <p:tgtEl>
+                                          <p:spTgt spid="2">
+                                            <p:txEl>
+                                              <p:pRg st="1" end="1"/>
+                                            </p:txEl>
+                                          </p:spTgt>
+                                        </p:tgtEl>
+                                      </p:cBhvr>
+                                    </p:animEffect>
+                                  </p:childTnLst>
+                                </p:cTn>
+                              </p:par>
+                            </p:childTnLst>
+                          </p:cTn>
+                        </p:par>
+                      </p:childTnLst>
+                    </p:cTn>
+                  </p:par>
+                  <p:par>
+                    <p:cTn id="13" fill="hold">
+                      <p:stCondLst>
+                        <p:cond delay="indefinite"/>
+                      </p:stCondLst>
+                      <p:childTnLst>
+                        <p:par>
+                          <p:cTn id="14" fill="hold">
+                            <p:stCondLst>
+                              <p:cond delay="0"/>
+                            </p:stCondLst>
+                            <p:childTnLst>
+                              <p:par>
+                                <p:cTn id="15" presetID="10" presetClass="entr" presetSubtype="0" fill="hold" grpId="0" nodeType="clickEffect">
+                                  <p:stCondLst>
+                                    <p:cond delay="0"/>
+                                  </p:stCondLst>
+                                  <p:childTnLst>
+                                    <p:set>
+                                      <p:cBhvr>
+                                        <p:cTn id="16" dur="1" fill="hold">
+                                          <p:stCondLst>
+                                            <p:cond delay="0"/>
+                                          </p:stCondLst>
+                                        </p:cTn>
+                                        <p:tgtEl>
+                                          <p:spTgt spid="2">
+                                            <p:txEl>
+                                              <p:pRg st="2" end="2"/>
+                                            </p:txEl>
+                                          </p:spTgt>
+                                        </p:tgtEl>
+                                        <p:attrNameLst>
+                                          <p:attrName>style.visibility</p:attrName>
+                                        </p:attrNameLst>
+                                      </p:cBhvr>
+                                      <p:to>
+                                        <p:strVal val="visible"/>
+                                      </p:to>
+                                    </p:set>
+                                    <p:animEffect transition="in" filter="fade">
+                                      <p:cBhvr>
+                                        <p:cTn id="17" dur="500"/>
+                                        <p:tgtEl>
+                                          <p:spTgt spid="2">
+                                            <p:txEl>
+                                              <p:pRg st="2" end="2"/>
+                                            </p:txEl>
+                                          </p:spTgt>
+                                        </p:tgtEl>
+                                      </p:cBhvr>
+                                    </p:animEffect>
+                                  </p:childTnLst>
+                                </p:cTn>
+                              </p:par>
+                            </p:childTnLst>
+                          </p:cTn>
+                        </p:par>
+                      </p:childTnLst>
+                    </p:cTn>
+                  </p:par>
+                  <p:par>
+                    <p:cTn id="18" fill="hold">
+                      <p:stCondLst>
+                        <p:cond delay="indefinite"/>
+                      </p:stCondLst>
+                      <p:childTnLst>
+                        <p:par>
+                          <p:cTn id="19" fill="hold">
+                            <p:stCondLst>
+                              <p:cond delay="0"/>
+                            </p:stCondLst>
+                            <p:childTnLst>
+                              <p:par>
+                                <p:cTn id="20" presetID="22" presetClass="entr" presetSubtype="8" fill="hold" nodeType="clickEffect">
+                                  <p:stCondLst>
+                                    <p:cond delay="0"/>
+                                  </p:stCondLst>
+                                  <p:childTnLst>
+                                    <p:set>
+                                      <p:cBhvr>
+                                        <p:cTn id="21" dur="1" fill="hold">
+                                          <p:stCondLst>
+                                            <p:cond delay="0"/>
+                                          </p:stCondLst>
+                                        </p:cTn>
+                                        <p:tgtEl>
+                                          <p:spTgt spid="7"/>
+                                        </p:tgtEl>
+                                        <p:attrNameLst>
+                                          <p:attrName>style.visibility</p:attrName>
+                                        </p:attrNameLst>
+                                      </p:cBhvr>
+                                      <p:to>
+                                        <p:strVal val="visible"/>
+                                      </p:to>
+                                    </p:set>
+                                    <p:animEffect transition="in" filter="wipe(left)">
+                                      <p:cBhvr>
+                                        <p:cTn id="22" dur="2000"/>
+                                        <p:tgtEl>
+                                          <p:spTgt spid="7"/>
+                                        </p:tgtEl>
+                                      </p:cBhvr>
+                                    </p:animEffect>
+                                  </p:childTnLst>
+                                </p:cTn>
+                              </p:par>
+                            </p:childTnLst>
+                          </p:cTn>
+                        </p:par>
+                      </p:childTnLst>
+                    </p:cTn>
+                  </p:par>
+                </p:childTnLst>
+              </p:cTn>
+              <p:prevCondLst>
+                <p:cond evt="onPrev" delay="0">
+                  <p:tgtEl>
+                    <p:sldTgt/>
+                  </p:tgtEl>
+                </p:cond>
+              </p:prevCondLst>
+              <p:nextCondLst>
+                <p:cond evt="onNext" delay="0">
+                  <p:tgtEl>
+                    <p:sldTgt/>
+                  </p:tgtEl>
+                </p:cond>
+              </p:nextCondLst>
+            </p:seq>
+          </p:childTnLst>
+        </p:cTn>
+      </p:par>
+    </p:tnLst>
+    <p:bldLst>
+      <p:bldP spid="2" grpId="0" build="p"/>
+    </p:bldLst>
+  </p:timing>
+</p:sld>
+</file>
+
+<file path=ppt/slides/slide45.xml><?xml version="1.0" encoding="utf-8"?>
+<p:sld xmlns:a="http://schemas.openxmlformats.org/drawingml/2006/main" xmlns:r="http://schemas.openxmlformats.org/officeDocument/2006/relationships" xmlns:p="http://schemas.openxmlformats.org/presentationml/2006/main" show="0">
   <p:cSld>
     <p:spTree>
       <p:nvGrpSpPr>
@@ -21578,7 +23959,7 @@
                 <a:tabLst/>
                 <a:defRPr/>
               </a:pPr>
-              <a:t>41</a:t>
+              <a:t>45</a:t>
             </a:fld>
             <a:endParaRPr kumimoji="0" lang="en-US" sz="1200" b="0" i="0" u="none" strike="noStrike" kern="1200" cap="none" spc="0" normalizeH="0" baseline="0" noProof="0" dirty="0">
               <a:ln>
@@ -21619,7 +24000,7 @@
           <a:graphicData uri="http://schemas.openxmlformats.org/presentationml/2006/ole">
             <mc:AlternateContent xmlns:mc="http://schemas.openxmlformats.org/markup-compatibility/2006">
               <mc:Choice xmlns:v="urn:schemas-microsoft-com:vml" Requires="v">
-                <p:oleObj spid="_x0000_s28685" name="Equation" r:id="rId4" imgW="1778000" imgH="508000" progId="Equation.DSMT4">
+                <p:oleObj spid="_x0000_s28690" name="Equation" r:id="rId4" imgW="1778000" imgH="508000" progId="Equation.DSMT4">
                   <p:embed/>
                 </p:oleObj>
               </mc:Choice>
@@ -21676,7 +24057,7 @@
           <a:graphicData uri="http://schemas.openxmlformats.org/presentationml/2006/ole">
             <mc:AlternateContent xmlns:mc="http://schemas.openxmlformats.org/markup-compatibility/2006">
               <mc:Choice xmlns:v="urn:schemas-microsoft-com:vml" Requires="v">
-                <p:oleObj spid="_x0000_s28686" name="Equation" r:id="rId6" imgW="1346200" imgH="889000" progId="Equation.DSMT4">
+                <p:oleObj spid="_x0000_s28691" name="Equation" r:id="rId6" imgW="1346200" imgH="889000" progId="Equation.DSMT4">
                   <p:embed/>
                 </p:oleObj>
               </mc:Choice>
@@ -21843,8 +24224,8 @@
 </p:sld>
 </file>
 
-<file path=ppt/slides/slide42.xml><?xml version="1.0" encoding="utf-8"?>
-<p:sld xmlns:a="http://schemas.openxmlformats.org/drawingml/2006/main" xmlns:r="http://schemas.openxmlformats.org/officeDocument/2006/relationships" xmlns:p="http://schemas.openxmlformats.org/presentationml/2006/main">
+<file path=ppt/slides/slide46.xml><?xml version="1.0" encoding="utf-8"?>
+<p:sld xmlns:a="http://schemas.openxmlformats.org/drawingml/2006/main" xmlns:r="http://schemas.openxmlformats.org/officeDocument/2006/relationships" xmlns:p="http://schemas.openxmlformats.org/presentationml/2006/main" show="0">
   <p:cSld>
     <p:spTree>
       <p:nvGrpSpPr>
@@ -21992,7 +24373,7 @@
                 <a:tabLst/>
                 <a:defRPr/>
               </a:pPr>
-              <a:t>42</a:t>
+              <a:t>46</a:t>
             </a:fld>
             <a:endParaRPr kumimoji="0" lang="en-US" sz="1200" b="0" i="0" u="none" strike="noStrike" kern="1200" cap="none" spc="0" normalizeH="0" baseline="0" noProof="0" dirty="0">
               <a:ln>
@@ -22033,7 +24414,7 @@
           <a:graphicData uri="http://schemas.openxmlformats.org/presentationml/2006/ole">
             <mc:AlternateContent xmlns:mc="http://schemas.openxmlformats.org/markup-compatibility/2006">
               <mc:Choice xmlns:v="urn:schemas-microsoft-com:vml" Requires="v">
-                <p:oleObj spid="_x0000_s29721" name="Equation" r:id="rId4" imgW="2413000" imgH="457200" progId="Equation.DSMT4">
+                <p:oleObj spid="_x0000_s29728" name="Equation" r:id="rId4" imgW="2413000" imgH="457200" progId="Equation.DSMT4">
                   <p:embed/>
                 </p:oleObj>
               </mc:Choice>
@@ -22090,7 +24471,7 @@
           <a:graphicData uri="http://schemas.openxmlformats.org/presentationml/2006/ole">
             <mc:AlternateContent xmlns:mc="http://schemas.openxmlformats.org/markup-compatibility/2006">
               <mc:Choice xmlns:v="urn:schemas-microsoft-com:vml" Requires="v">
-                <p:oleObj spid="_x0000_s29722" name="Equation" r:id="rId6" imgW="2235200" imgH="495300" progId="Equation.DSMT4">
+                <p:oleObj spid="_x0000_s29729" name="Equation" r:id="rId6" imgW="2235200" imgH="495300" progId="Equation.DSMT4">
                   <p:embed/>
                 </p:oleObj>
               </mc:Choice>
@@ -22322,7 +24703,7 @@
           <a:graphicData uri="http://schemas.openxmlformats.org/presentationml/2006/ole">
             <mc:AlternateContent xmlns:mc="http://schemas.openxmlformats.org/markup-compatibility/2006">
               <mc:Choice xmlns:v="urn:schemas-microsoft-com:vml" Requires="v">
-                <p:oleObj spid="_x0000_s29723" name="Equation" r:id="rId8" imgW="457200" imgH="469900" progId="Equation.DSMT4">
+                <p:oleObj spid="_x0000_s29730" name="Equation" r:id="rId8" imgW="457200" imgH="469900" progId="Equation.DSMT4">
                   <p:embed/>
                 </p:oleObj>
               </mc:Choice>
@@ -22677,8 +25058,8 @@
 </p:sld>
 </file>
 
-<file path=ppt/slides/slide43.xml><?xml version="1.0" encoding="utf-8"?>
-<p:sld xmlns:a="http://schemas.openxmlformats.org/drawingml/2006/main" xmlns:r="http://schemas.openxmlformats.org/officeDocument/2006/relationships" xmlns:p="http://schemas.openxmlformats.org/presentationml/2006/main">
+<file path=ppt/slides/slide47.xml><?xml version="1.0" encoding="utf-8"?>
+<p:sld xmlns:a="http://schemas.openxmlformats.org/drawingml/2006/main" xmlns:r="http://schemas.openxmlformats.org/officeDocument/2006/relationships" xmlns:p="http://schemas.openxmlformats.org/presentationml/2006/main" show="0">
   <p:cSld>
     <p:spTree>
       <p:nvGrpSpPr>
@@ -23075,13 +25456,13 @@
   <p:clrMapOvr>
     <a:masterClrMapping/>
   </p:clrMapOvr>
-  <mc:AlternateContent xmlns:mc="http://schemas.openxmlformats.org/markup-compatibility/2006" xmlns:p14="http://schemas.microsoft.com/office/powerpoint/2010/main">
-    <mc:Choice Requires="p14">
+  <mc:AlternateContent xmlns:mc="http://schemas.openxmlformats.org/markup-compatibility/2006">
+    <mc:Choice xmlns:p14="http://schemas.microsoft.com/office/powerpoint/2010/main" Requires="p14">
       <p:transition spd="slow" p14:dur="900" advClick="0">
         <p:fade/>
       </p:transition>
     </mc:Choice>
-    <mc:Fallback xmlns="">
+    <mc:Fallback>
       <p:transition xmlns:p14="http://schemas.microsoft.com/office/powerpoint/2010/main" spd="slow" advClick="0">
         <p:fade/>
       </p:transition>
@@ -23401,8 +25782,8 @@
 </p:sld>
 </file>
 
-<file path=ppt/slides/slide44.xml><?xml version="1.0" encoding="utf-8"?>
-<p:sld xmlns:a="http://schemas.openxmlformats.org/drawingml/2006/main" xmlns:r="http://schemas.openxmlformats.org/officeDocument/2006/relationships" xmlns:p="http://schemas.openxmlformats.org/presentationml/2006/main">
+<file path=ppt/slides/slide48.xml><?xml version="1.0" encoding="utf-8"?>
+<p:sld xmlns:a="http://schemas.openxmlformats.org/drawingml/2006/main" xmlns:r="http://schemas.openxmlformats.org/officeDocument/2006/relationships" xmlns:p="http://schemas.openxmlformats.org/presentationml/2006/main" show="0">
   <p:cSld>
     <p:spTree>
       <p:nvGrpSpPr>
@@ -23738,8 +26119,8 @@
 </p:sld>
 </file>
 
-<file path=ppt/slides/slide45.xml><?xml version="1.0" encoding="utf-8"?>
-<p:sld xmlns:a="http://schemas.openxmlformats.org/drawingml/2006/main" xmlns:r="http://schemas.openxmlformats.org/officeDocument/2006/relationships" xmlns:p="http://schemas.openxmlformats.org/presentationml/2006/main">
+<file path=ppt/slides/slide49.xml><?xml version="1.0" encoding="utf-8"?>
+<p:sld xmlns:a="http://schemas.openxmlformats.org/drawingml/2006/main" xmlns:r="http://schemas.openxmlformats.org/officeDocument/2006/relationships" xmlns:p="http://schemas.openxmlformats.org/presentationml/2006/main" show="0">
   <p:cSld>
     <p:spTree>
       <p:nvGrpSpPr>
@@ -24010,1192 +26391,18 @@
   <p:clrMapOvr>
     <a:masterClrMapping/>
   </p:clrMapOvr>
-  <mc:AlternateContent xmlns:mc="http://schemas.openxmlformats.org/markup-compatibility/2006" xmlns:p14="http://schemas.microsoft.com/office/powerpoint/2010/main">
-    <mc:Choice Requires="p14">
+  <mc:AlternateContent xmlns:mc="http://schemas.openxmlformats.org/markup-compatibility/2006">
+    <mc:Choice xmlns:p14="http://schemas.microsoft.com/office/powerpoint/2010/main" Requires="p14">
       <p:transition spd="slow" p14:dur="900" advClick="0">
         <p:fade/>
       </p:transition>
     </mc:Choice>
-    <mc:Fallback xmlns="">
+    <mc:Fallback>
       <p:transition xmlns:p14="http://schemas.microsoft.com/office/powerpoint/2010/main" spd="slow" advClick="0">
         <p:fade/>
       </p:transition>
     </mc:Fallback>
   </mc:AlternateContent>
-  <p:timing>
-    <p:tnLst>
-      <p:par>
-        <p:cTn xmlns:p14="http://schemas.microsoft.com/office/powerpoint/2010/main" id="1" dur="indefinite" restart="never" nodeType="tmRoot"/>
-      </p:par>
-    </p:tnLst>
-  </p:timing>
-</p:sld>
-</file>
-
-<file path=ppt/slides/slide46.xml><?xml version="1.0" encoding="utf-8"?>
-<p:sld xmlns:a="http://schemas.openxmlformats.org/drawingml/2006/main" xmlns:r="http://schemas.openxmlformats.org/officeDocument/2006/relationships" xmlns:p="http://schemas.openxmlformats.org/presentationml/2006/main">
-  <p:cSld>
-    <p:spTree>
-      <p:nvGrpSpPr>
-        <p:cNvPr id="1" name=""/>
-        <p:cNvGrpSpPr/>
-        <p:nvPr/>
-      </p:nvGrpSpPr>
-      <p:grpSpPr>
-        <a:xfrm>
-          <a:off x="0" y="0"/>
-          <a:ext cx="0" cy="0"/>
-          <a:chOff x="0" y="0"/>
-          <a:chExt cx="0" cy="0"/>
-        </a:xfrm>
-      </p:grpSpPr>
-      <p:sp>
-        <p:nvSpPr>
-          <p:cNvPr id="6" name="TextBox 5"/>
-          <p:cNvSpPr txBox="1"/>
-          <p:nvPr/>
-        </p:nvSpPr>
-        <p:spPr>
-          <a:xfrm>
-            <a:off x="355568" y="1379277"/>
-            <a:ext cx="8234045" cy="3785652"/>
-          </a:xfrm>
-          <a:prstGeom prst="rect">
-            <a:avLst/>
-          </a:prstGeom>
-          <a:noFill/>
-        </p:spPr>
-        <p:txBody>
-          <a:bodyPr wrap="none" rtlCol="0">
-            <a:spAutoFit/>
-          </a:bodyPr>
-          <a:lstStyle/>
-          <a:p>
-            <a:pPr algn="l"/>
-            <a:r>
-              <a:rPr lang="en-US" sz="4800" dirty="0">
-                <a:solidFill>
-                  <a:srgbClr val="0000CC"/>
-                </a:solidFill>
-                <a:latin typeface="Comic Sans MS"/>
-                <a:cs typeface="Comic Sans MS"/>
-              </a:rPr>
-              <a:t>99%</a:t>
-            </a:r>
-            <a:r>
-              <a:rPr lang="en-US" sz="4800" dirty="0">
-                <a:latin typeface="Comic Sans MS"/>
-                <a:cs typeface="Comic Sans MS"/>
-              </a:rPr>
-              <a:t> accurate </a:t>
-            </a:r>
-            <a:r>
-              <a:rPr lang="en-US" sz="4800" dirty="0" smtClean="0">
-                <a:latin typeface="Comic Sans MS"/>
-                <a:cs typeface="Comic Sans MS"/>
-              </a:rPr>
-              <a:t>test is not so</a:t>
-            </a:r>
-          </a:p>
-          <a:p>
-            <a:pPr algn="l"/>
-            <a:r>
-              <a:rPr lang="en-US" sz="4800" dirty="0" smtClean="0">
-                <a:latin typeface="Comic Sans MS"/>
-                <a:cs typeface="Comic Sans MS"/>
-              </a:rPr>
-              <a:t>good here.  In fact, there’s</a:t>
-            </a:r>
-          </a:p>
-          <a:p>
-            <a:pPr algn="l"/>
-            <a:r>
-              <a:rPr lang="en-US" sz="4800" dirty="0" smtClean="0">
-                <a:latin typeface="Comic Sans MS"/>
-                <a:cs typeface="Comic Sans MS"/>
-              </a:rPr>
-              <a:t>a trivial test that is </a:t>
-            </a:r>
-            <a:r>
-              <a:rPr lang="en-US" sz="4800" dirty="0" smtClean="0">
-                <a:solidFill>
-                  <a:srgbClr val="0000CC"/>
-                </a:solidFill>
-                <a:latin typeface="Comic Sans MS"/>
-                <a:cs typeface="Comic Sans MS"/>
-              </a:rPr>
-              <a:t>99.99%</a:t>
-            </a:r>
-          </a:p>
-          <a:p>
-            <a:pPr algn="l"/>
-            <a:r>
-              <a:rPr lang="en-US" sz="4800" dirty="0" smtClean="0">
-                <a:latin typeface="Comic Sans MS"/>
-                <a:cs typeface="Comic Sans MS"/>
-              </a:rPr>
-              <a:t>accurate:</a:t>
-            </a:r>
-          </a:p>
-          <a:p>
-            <a:pPr algn="l"/>
-            <a:r>
-              <a:rPr lang="en-US" sz="4800" dirty="0">
-                <a:latin typeface="Comic Sans MS"/>
-                <a:cs typeface="Comic Sans MS"/>
-              </a:rPr>
-              <a:t>	 </a:t>
-            </a:r>
-            <a:r>
-              <a:rPr lang="en-US" sz="4800" dirty="0" smtClean="0">
-                <a:latin typeface="Comic Sans MS"/>
-                <a:cs typeface="Comic Sans MS"/>
-              </a:rPr>
-              <a:t>   </a:t>
-            </a:r>
-            <a:r>
-              <a:rPr lang="en-US" sz="4800" dirty="0" smtClean="0">
-                <a:solidFill>
-                  <a:srgbClr val="8C0085"/>
-                </a:solidFill>
-                <a:latin typeface="Comic Sans MS"/>
-                <a:cs typeface="Comic Sans MS"/>
-              </a:rPr>
-              <a:t>always</a:t>
-            </a:r>
-            <a:r>
-              <a:rPr lang="en-US" sz="4800" dirty="0" smtClean="0">
-                <a:latin typeface="Comic Sans MS"/>
-                <a:cs typeface="Comic Sans MS"/>
-              </a:rPr>
-              <a:t> say “</a:t>
-            </a:r>
-            <a:r>
-              <a:rPr lang="en-US" sz="4800" dirty="0" smtClean="0">
-                <a:solidFill>
-                  <a:srgbClr val="8C0085"/>
-                </a:solidFill>
-                <a:latin typeface="Comic Sans MS"/>
-                <a:cs typeface="Comic Sans MS"/>
-              </a:rPr>
-              <a:t>No TB</a:t>
-            </a:r>
-            <a:r>
-              <a:rPr lang="en-US" sz="4800" dirty="0" smtClean="0">
-                <a:latin typeface="Comic Sans MS"/>
-                <a:cs typeface="Comic Sans MS"/>
-              </a:rPr>
-              <a:t>”</a:t>
-            </a:r>
-          </a:p>
-        </p:txBody>
-      </p:sp>
-      <p:sp>
-        <p:nvSpPr>
-          <p:cNvPr id="7" name="Rectangle 4"/>
-          <p:cNvSpPr txBox="1">
-            <a:spLocks noChangeArrowheads="1"/>
-          </p:cNvSpPr>
-          <p:nvPr/>
-        </p:nvSpPr>
-        <p:spPr bwMode="auto">
-          <a:xfrm>
-            <a:off x="1447800" y="381000"/>
-            <a:ext cx="6553200" cy="838200"/>
-          </a:xfrm>
-          <a:prstGeom prst="rect">
-            <a:avLst/>
-          </a:prstGeom>
-          <a:noFill/>
-          <a:ln w="9525">
-            <a:noFill/>
-            <a:miter lim="800000"/>
-            <a:headEnd/>
-            <a:tailEnd/>
-          </a:ln>
-        </p:spPr>
-        <p:txBody>
-          <a:bodyPr vert="horz" wrap="square" lIns="91440" tIns="45720" rIns="91440" bIns="45720" numCol="1" anchor="ctr" anchorCtr="0" compatLnSpc="1">
-            <a:prstTxWarp prst="textNoShape">
-              <a:avLst/>
-            </a:prstTxWarp>
-          </a:bodyPr>
-          <a:lstStyle>
-            <a:lvl1pPr algn="ctr" rtl="0" eaLnBrk="0" fontAlgn="base" hangingPunct="0">
-              <a:spcBef>
-                <a:spcPct val="0"/>
-              </a:spcBef>
-              <a:spcAft>
-                <a:spcPct val="0"/>
-              </a:spcAft>
-              <a:defRPr sz="3200" b="1">
-                <a:solidFill>
-                  <a:schemeClr val="tx2"/>
-                </a:solidFill>
-                <a:latin typeface="+mj-lt"/>
-                <a:ea typeface="+mj-ea"/>
-                <a:cs typeface="+mj-cs"/>
-              </a:defRPr>
-            </a:lvl1pPr>
-            <a:lvl2pPr algn="ctr" rtl="0" eaLnBrk="0" fontAlgn="base" hangingPunct="0">
-              <a:spcBef>
-                <a:spcPct val="0"/>
-              </a:spcBef>
-              <a:spcAft>
-                <a:spcPct val="0"/>
-              </a:spcAft>
-              <a:defRPr sz="3600" b="1">
-                <a:solidFill>
-                  <a:schemeClr val="tx2"/>
-                </a:solidFill>
-                <a:latin typeface="Comic Sans MS" pitchFamily="66" charset="0"/>
-              </a:defRPr>
-            </a:lvl2pPr>
-            <a:lvl3pPr algn="ctr" rtl="0" eaLnBrk="0" fontAlgn="base" hangingPunct="0">
-              <a:spcBef>
-                <a:spcPct val="0"/>
-              </a:spcBef>
-              <a:spcAft>
-                <a:spcPct val="0"/>
-              </a:spcAft>
-              <a:defRPr sz="3600" b="1">
-                <a:solidFill>
-                  <a:schemeClr val="tx2"/>
-                </a:solidFill>
-                <a:latin typeface="Comic Sans MS" pitchFamily="66" charset="0"/>
-              </a:defRPr>
-            </a:lvl3pPr>
-            <a:lvl4pPr algn="ctr" rtl="0" eaLnBrk="0" fontAlgn="base" hangingPunct="0">
-              <a:spcBef>
-                <a:spcPct val="0"/>
-              </a:spcBef>
-              <a:spcAft>
-                <a:spcPct val="0"/>
-              </a:spcAft>
-              <a:defRPr sz="3600" b="1">
-                <a:solidFill>
-                  <a:schemeClr val="tx2"/>
-                </a:solidFill>
-                <a:latin typeface="Comic Sans MS" pitchFamily="66" charset="0"/>
-              </a:defRPr>
-            </a:lvl4pPr>
-            <a:lvl5pPr algn="ctr" rtl="0" eaLnBrk="0" fontAlgn="base" hangingPunct="0">
-              <a:spcBef>
-                <a:spcPct val="0"/>
-              </a:spcBef>
-              <a:spcAft>
-                <a:spcPct val="0"/>
-              </a:spcAft>
-              <a:defRPr sz="3600" b="1">
-                <a:solidFill>
-                  <a:schemeClr val="tx2"/>
-                </a:solidFill>
-                <a:latin typeface="Comic Sans MS" pitchFamily="66" charset="0"/>
-              </a:defRPr>
-            </a:lvl5pPr>
-            <a:lvl6pPr marL="457200" algn="ctr" rtl="0" fontAlgn="base">
-              <a:spcBef>
-                <a:spcPct val="0"/>
-              </a:spcBef>
-              <a:spcAft>
-                <a:spcPct val="0"/>
-              </a:spcAft>
-              <a:defRPr sz="3600" b="1">
-                <a:solidFill>
-                  <a:schemeClr val="tx2"/>
-                </a:solidFill>
-                <a:latin typeface="Comic Sans MS" pitchFamily="66" charset="0"/>
-              </a:defRPr>
-            </a:lvl6pPr>
-            <a:lvl7pPr marL="914400" algn="ctr" rtl="0" fontAlgn="base">
-              <a:spcBef>
-                <a:spcPct val="0"/>
-              </a:spcBef>
-              <a:spcAft>
-                <a:spcPct val="0"/>
-              </a:spcAft>
-              <a:defRPr sz="3600" b="1">
-                <a:solidFill>
-                  <a:schemeClr val="tx2"/>
-                </a:solidFill>
-                <a:latin typeface="Comic Sans MS" pitchFamily="66" charset="0"/>
-              </a:defRPr>
-            </a:lvl7pPr>
-            <a:lvl8pPr marL="1371600" algn="ctr" rtl="0" fontAlgn="base">
-              <a:spcBef>
-                <a:spcPct val="0"/>
-              </a:spcBef>
-              <a:spcAft>
-                <a:spcPct val="0"/>
-              </a:spcAft>
-              <a:defRPr sz="3600" b="1">
-                <a:solidFill>
-                  <a:schemeClr val="tx2"/>
-                </a:solidFill>
-                <a:latin typeface="Comic Sans MS" pitchFamily="66" charset="0"/>
-              </a:defRPr>
-            </a:lvl8pPr>
-            <a:lvl9pPr marL="1828800" algn="ctr" rtl="0" fontAlgn="base">
-              <a:spcBef>
-                <a:spcPct val="0"/>
-              </a:spcBef>
-              <a:spcAft>
-                <a:spcPct val="0"/>
-              </a:spcAft>
-              <a:defRPr sz="3600" b="1">
-                <a:solidFill>
-                  <a:schemeClr val="tx2"/>
-                </a:solidFill>
-                <a:latin typeface="Comic Sans MS" pitchFamily="66" charset="0"/>
-              </a:defRPr>
-            </a:lvl9pPr>
-          </a:lstStyle>
-          <a:p>
-            <a:pPr eaLnBrk="1" hangingPunct="1"/>
-            <a:r>
-              <a:rPr lang="en-US" sz="4000" dirty="0" smtClean="0">
-                <a:solidFill>
-                  <a:schemeClr val="tx1"/>
-                </a:solidFill>
-                <a:latin typeface="Comic Sans MS"/>
-                <a:cs typeface="Comic Sans MS"/>
-              </a:rPr>
-              <a:t>A “more accurate” test</a:t>
-            </a:r>
-          </a:p>
-        </p:txBody>
-      </p:sp>
-    </p:spTree>
-    <p:extLst>
-      <p:ext uri="{BB962C8B-B14F-4D97-AF65-F5344CB8AC3E}">
-        <p14:creationId xmlns:p14="http://schemas.microsoft.com/office/powerpoint/2010/main" val="3844524566"/>
-      </p:ext>
-    </p:extLst>
-  </p:cSld>
-  <p:clrMapOvr>
-    <a:masterClrMapping/>
-  </p:clrMapOvr>
-  <mc:AlternateContent xmlns:mc="http://schemas.openxmlformats.org/markup-compatibility/2006" xmlns:p14="http://schemas.microsoft.com/office/powerpoint/2010/main">
-    <mc:Choice Requires="p14">
-      <p:transition spd="med" p14:dur="700" advClick="0">
-        <p:fade/>
-      </p:transition>
-    </mc:Choice>
-    <mc:Fallback xmlns="">
-      <p:transition xmlns:p14="http://schemas.microsoft.com/office/powerpoint/2010/main" spd="med" advClick="0">
-        <p:fade/>
-      </p:transition>
-    </mc:Fallback>
-  </mc:AlternateContent>
-  <p:timing>
-    <p:tnLst>
-      <p:par>
-        <p:cTn xmlns:p14="http://schemas.microsoft.com/office/powerpoint/2010/main" id="1" dur="indefinite" restart="never" nodeType="tmRoot">
-          <p:childTnLst>
-            <p:seq concurrent="1" nextAc="seek">
-              <p:cTn id="2" dur="indefinite" nodeType="mainSeq">
-                <p:childTnLst>
-                  <p:par>
-                    <p:cTn id="3" fill="hold">
-                      <p:stCondLst>
-                        <p:cond delay="indefinite"/>
-                      </p:stCondLst>
-                      <p:childTnLst>
-                        <p:par>
-                          <p:cTn id="4" fill="hold">
-                            <p:stCondLst>
-                              <p:cond delay="0"/>
-                            </p:stCondLst>
-                            <p:childTnLst>
-                              <p:par>
-                                <p:cTn id="5" presetID="10" presetClass="entr" presetSubtype="0" fill="hold" nodeType="clickEffect">
-                                  <p:stCondLst>
-                                    <p:cond delay="0"/>
-                                  </p:stCondLst>
-                                  <p:childTnLst>
-                                    <p:set>
-                                      <p:cBhvr>
-                                        <p:cTn id="6" dur="1" fill="hold">
-                                          <p:stCondLst>
-                                            <p:cond delay="0"/>
-                                          </p:stCondLst>
-                                        </p:cTn>
-                                        <p:tgtEl>
-                                          <p:spTgt spid="6">
-                                            <p:txEl>
-                                              <p:pRg st="4" end="4"/>
-                                            </p:txEl>
-                                          </p:spTgt>
-                                        </p:tgtEl>
-                                        <p:attrNameLst>
-                                          <p:attrName>style.visibility</p:attrName>
-                                        </p:attrNameLst>
-                                      </p:cBhvr>
-                                      <p:to>
-                                        <p:strVal val="visible"/>
-                                      </p:to>
-                                    </p:set>
-                                    <p:animEffect transition="in" filter="fade">
-                                      <p:cBhvr>
-                                        <p:cTn id="7" dur="500"/>
-                                        <p:tgtEl>
-                                          <p:spTgt spid="6">
-                                            <p:txEl>
-                                              <p:pRg st="4" end="4"/>
-                                            </p:txEl>
-                                          </p:spTgt>
-                                        </p:tgtEl>
-                                      </p:cBhvr>
-                                    </p:animEffect>
-                                  </p:childTnLst>
-                                </p:cTn>
-                              </p:par>
-                            </p:childTnLst>
-                          </p:cTn>
-                        </p:par>
-                      </p:childTnLst>
-                    </p:cTn>
-                  </p:par>
-                </p:childTnLst>
-              </p:cTn>
-              <p:prevCondLst>
-                <p:cond evt="onPrev" delay="0">
-                  <p:tgtEl>
-                    <p:sldTgt/>
-                  </p:tgtEl>
-                </p:cond>
-              </p:prevCondLst>
-              <p:nextCondLst>
-                <p:cond evt="onNext" delay="0">
-                  <p:tgtEl>
-                    <p:sldTgt/>
-                  </p:tgtEl>
-                </p:cond>
-              </p:nextCondLst>
-            </p:seq>
-          </p:childTnLst>
-        </p:cTn>
-      </p:par>
-    </p:tnLst>
-  </p:timing>
-</p:sld>
-</file>
-
-<file path=ppt/slides/slide47.xml><?xml version="1.0" encoding="utf-8"?>
-<p:sld xmlns:a="http://schemas.openxmlformats.org/drawingml/2006/main" xmlns:r="http://schemas.openxmlformats.org/officeDocument/2006/relationships" xmlns:p="http://schemas.openxmlformats.org/presentationml/2006/main">
-  <p:cSld>
-    <p:spTree>
-      <p:nvGrpSpPr>
-        <p:cNvPr id="1" name=""/>
-        <p:cNvGrpSpPr/>
-        <p:nvPr/>
-      </p:nvGrpSpPr>
-      <p:grpSpPr>
-        <a:xfrm>
-          <a:off x="0" y="0"/>
-          <a:ext cx="0" cy="0"/>
-          <a:chOff x="0" y="0"/>
-          <a:chExt cx="0" cy="0"/>
-        </a:xfrm>
-      </p:grpSpPr>
-      <p:sp>
-        <p:nvSpPr>
-          <p:cNvPr id="2" name="Title 1"/>
-          <p:cNvSpPr>
-            <a:spLocks noGrp="1"/>
-          </p:cNvSpPr>
-          <p:nvPr>
-            <p:ph type="title"/>
-          </p:nvPr>
-        </p:nvSpPr>
-        <p:spPr/>
-        <p:txBody>
-          <a:bodyPr/>
-          <a:lstStyle/>
-          <a:p>
-            <a:r>
-              <a:rPr lang="en-US" sz="4400" dirty="0" smtClean="0"/>
-              <a:t>testing </a:t>
-            </a:r>
-            <a:r>
-              <a:rPr lang="en-US" sz="4400" dirty="0" smtClean="0"/>
-              <a:t>Rule</a:t>
-            </a:r>
-            <a:endParaRPr lang="en-US" sz="4400" dirty="0"/>
-          </a:p>
-        </p:txBody>
-      </p:sp>
-      <p:graphicFrame>
-        <p:nvGraphicFramePr>
-          <p:cNvPr id="5" name="Object 4"/>
-          <p:cNvGraphicFramePr>
-            <a:graphicFrameLocks noChangeAspect="1"/>
-          </p:cNvGraphicFramePr>
-          <p:nvPr>
-            <p:extLst>
-              <p:ext uri="{D42A27DB-BD31-4B8C-83A1-F6EECF244321}">
-                <p14:modId xmlns:p14="http://schemas.microsoft.com/office/powerpoint/2010/main" val="1559780164"/>
-              </p:ext>
-            </p:extLst>
-          </p:nvPr>
-        </p:nvGraphicFramePr>
-        <p:xfrm>
-          <a:off x="788988" y="1220661"/>
-          <a:ext cx="7361237" cy="1755775"/>
-        </p:xfrm>
-        <a:graphic>
-          <a:graphicData uri="http://schemas.openxmlformats.org/presentationml/2006/ole">
-            <mc:AlternateContent xmlns:mc="http://schemas.openxmlformats.org/markup-compatibility/2006">
-              <mc:Choice xmlns:v="urn:schemas-microsoft-com:vml" Requires="v">
-                <p:oleObj spid="_x0000_s30733" name="Equation" r:id="rId3" imgW="2070100" imgH="495300" progId="Equation.DSMT4">
-                  <p:embed/>
-                </p:oleObj>
-              </mc:Choice>
-              <mc:Fallback>
-                <p:oleObj name="Equation" r:id="rId3" imgW="2070100" imgH="495300" progId="Equation.DSMT4">
-                  <p:embed/>
-                  <p:pic>
-                    <p:nvPicPr>
-                      <p:cNvPr id="0" name=""/>
-                      <p:cNvPicPr/>
-                      <p:nvPr/>
-                    </p:nvPicPr>
-                    <p:blipFill>
-                      <a:blip r:embed="rId4"/>
-                      <a:stretch>
-                        <a:fillRect/>
-                      </a:stretch>
-                    </p:blipFill>
-                    <p:spPr>
-                      <a:xfrm>
-                        <a:off x="788988" y="1220661"/>
-                        <a:ext cx="7361237" cy="1755775"/>
-                      </a:xfrm>
-                      <a:prstGeom prst="rect">
-                        <a:avLst/>
-                      </a:prstGeom>
-                    </p:spPr>
-                  </p:pic>
-                </p:oleObj>
-              </mc:Fallback>
-            </mc:AlternateContent>
-          </a:graphicData>
-        </a:graphic>
-      </p:graphicFrame>
-      <p:graphicFrame>
-        <p:nvGraphicFramePr>
-          <p:cNvPr id="6" name="Object 5"/>
-          <p:cNvGraphicFramePr>
-            <a:graphicFrameLocks noChangeAspect="1"/>
-          </p:cNvGraphicFramePr>
-          <p:nvPr>
-            <p:extLst>
-              <p:ext uri="{D42A27DB-BD31-4B8C-83A1-F6EECF244321}">
-                <p14:modId xmlns:p14="http://schemas.microsoft.com/office/powerpoint/2010/main" val="3002439299"/>
-              </p:ext>
-            </p:extLst>
-          </p:nvPr>
-        </p:nvGraphicFramePr>
-        <p:xfrm>
-          <a:off x="1126598" y="3238190"/>
-          <a:ext cx="6801391" cy="1875427"/>
-        </p:xfrm>
-        <a:graphic>
-          <a:graphicData uri="http://schemas.openxmlformats.org/presentationml/2006/ole">
-            <mc:AlternateContent xmlns:mc="http://schemas.openxmlformats.org/markup-compatibility/2006">
-              <mc:Choice xmlns:v="urn:schemas-microsoft-com:vml" Requires="v">
-                <p:oleObj spid="_x0000_s30734" name="Equation" r:id="rId5" imgW="1790700" imgH="495300" progId="Equation.DSMT4">
-                  <p:embed/>
-                </p:oleObj>
-              </mc:Choice>
-              <mc:Fallback>
-                <p:oleObj name="Equation" r:id="rId5" imgW="1790700" imgH="495300" progId="Equation.DSMT4">
-                  <p:embed/>
-                  <p:pic>
-                    <p:nvPicPr>
-                      <p:cNvPr id="0" name=""/>
-                      <p:cNvPicPr/>
-                      <p:nvPr/>
-                    </p:nvPicPr>
-                    <p:blipFill>
-                      <a:blip r:embed="rId6"/>
-                      <a:stretch>
-                        <a:fillRect/>
-                      </a:stretch>
-                    </p:blipFill>
-                    <p:spPr>
-                      <a:xfrm>
-                        <a:off x="1126598" y="3238190"/>
-                        <a:ext cx="6801391" cy="1875427"/>
-                      </a:xfrm>
-                      <a:prstGeom prst="rect">
-                        <a:avLst/>
-                      </a:prstGeom>
-                    </p:spPr>
-                  </p:pic>
-                </p:oleObj>
-              </mc:Fallback>
-            </mc:AlternateContent>
-          </a:graphicData>
-        </a:graphic>
-      </p:graphicFrame>
-      <p:sp>
-        <p:nvSpPr>
-          <p:cNvPr id="7" name="Rectangle 6"/>
-          <p:cNvSpPr/>
-          <p:nvPr/>
-        </p:nvSpPr>
-        <p:spPr bwMode="auto">
-          <a:xfrm>
-            <a:off x="628814" y="3168550"/>
-            <a:ext cx="7656732" cy="2268534"/>
-          </a:xfrm>
-          <a:prstGeom prst="rect">
-            <a:avLst/>
-          </a:prstGeom>
-          <a:noFill/>
-          <a:ln w="38100" cap="flat" cmpd="sng" algn="ctr">
-            <a:solidFill>
-              <a:srgbClr val="FF33CC"/>
-            </a:solidFill>
-            <a:prstDash val="sysDash"/>
-            <a:round/>
-            <a:headEnd type="none" w="med" len="med"/>
-            <a:tailEnd type="none" w="med" len="med"/>
-          </a:ln>
-          <a:effectLst/>
-        </p:spPr>
-        <p:txBody>
-          <a:bodyPr vert="horz" wrap="none" lIns="91440" tIns="45720" rIns="91440" bIns="45720" numCol="1" rtlCol="0" anchor="ctr" anchorCtr="0" compatLnSpc="1">
-            <a:prstTxWarp prst="textNoShape">
-              <a:avLst/>
-            </a:prstTxWarp>
-          </a:bodyPr>
-          <a:lstStyle/>
-          <a:p>
-            <a:pPr marL="0" marR="0" indent="0" algn="ctr" defTabSz="914400" rtl="0" eaLnBrk="1" fontAlgn="base" latinLnBrk="0" hangingPunct="1">
-              <a:lnSpc>
-                <a:spcPct val="100000"/>
-              </a:lnSpc>
-              <a:spcBef>
-                <a:spcPct val="0"/>
-              </a:spcBef>
-              <a:spcAft>
-                <a:spcPct val="0"/>
-              </a:spcAft>
-              <a:buClrTx/>
-              <a:buSzTx/>
-              <a:buFontTx/>
-              <a:buNone/>
-              <a:tabLst/>
-            </a:pPr>
-            <a:endParaRPr kumimoji="0" lang="en-US" sz="1800" b="0" i="0" u="none" strike="noStrike" cap="none" normalizeH="0" baseline="0" smtClean="0">
-              <a:ln>
-                <a:noFill/>
-              </a:ln>
-              <a:solidFill>
-                <a:schemeClr val="tx1"/>
-              </a:solidFill>
-              <a:effectLst/>
-              <a:latin typeface="Times New Roman" pitchFamily="18" charset="0"/>
-            </a:endParaRPr>
-          </a:p>
-        </p:txBody>
-      </p:sp>
-    </p:spTree>
-    <p:extLst>
-      <p:ext uri="{BB962C8B-B14F-4D97-AF65-F5344CB8AC3E}">
-        <p14:creationId xmlns:p14="http://schemas.microsoft.com/office/powerpoint/2010/main" val="1990100032"/>
-      </p:ext>
-    </p:extLst>
-  </p:cSld>
-  <p:clrMapOvr>
-    <a:masterClrMapping/>
-  </p:clrMapOvr>
-  <mc:AlternateContent xmlns:mc="http://schemas.openxmlformats.org/markup-compatibility/2006" xmlns:p14="http://schemas.microsoft.com/office/powerpoint/2010/main">
-    <mc:Choice Requires="p14">
-      <p:transition spd="slow" p14:dur="1300" advClick="0">
-        <p:fade thruBlk="1"/>
-      </p:transition>
-    </mc:Choice>
-    <mc:Fallback xmlns="">
-      <p:transition xmlns:p14="http://schemas.microsoft.com/office/powerpoint/2010/main" spd="slow" advClick="0">
-        <p:fade thruBlk="1"/>
-      </p:transition>
-    </mc:Fallback>
-  </mc:AlternateContent>
-  <p:timing>
-    <p:tnLst>
-      <p:par>
-        <p:cTn xmlns:p14="http://schemas.microsoft.com/office/powerpoint/2010/main" id="1" dur="indefinite" restart="never" nodeType="tmRoot">
-          <p:childTnLst>
-            <p:seq concurrent="1" nextAc="seek">
-              <p:cTn id="2" dur="indefinite" nodeType="mainSeq">
-                <p:childTnLst>
-                  <p:par>
-                    <p:cTn id="3" fill="hold">
-                      <p:stCondLst>
-                        <p:cond delay="indefinite"/>
-                      </p:stCondLst>
-                      <p:childTnLst>
-                        <p:par>
-                          <p:cTn id="4" fill="hold">
-                            <p:stCondLst>
-                              <p:cond delay="0"/>
-                            </p:stCondLst>
-                            <p:childTnLst>
-                              <p:par>
-                                <p:cTn id="5" presetID="10" presetClass="entr" presetSubtype="0" fill="hold" grpId="0" nodeType="clickEffect">
-                                  <p:stCondLst>
-                                    <p:cond delay="0"/>
-                                  </p:stCondLst>
-                                  <p:childTnLst>
-                                    <p:set>
-                                      <p:cBhvr>
-                                        <p:cTn id="6" dur="1" fill="hold">
-                                          <p:stCondLst>
-                                            <p:cond delay="0"/>
-                                          </p:stCondLst>
-                                        </p:cTn>
-                                        <p:tgtEl>
-                                          <p:spTgt spid="2"/>
-                                        </p:tgtEl>
-                                        <p:attrNameLst>
-                                          <p:attrName>style.visibility</p:attrName>
-                                        </p:attrNameLst>
-                                      </p:cBhvr>
-                                      <p:to>
-                                        <p:strVal val="visible"/>
-                                      </p:to>
-                                    </p:set>
-                                    <p:animEffect transition="in" filter="fade">
-                                      <p:cBhvr>
-                                        <p:cTn id="7" dur="500"/>
-                                        <p:tgtEl>
-                                          <p:spTgt spid="2"/>
-                                        </p:tgtEl>
-                                      </p:cBhvr>
-                                    </p:animEffect>
-                                  </p:childTnLst>
-                                </p:cTn>
-                              </p:par>
-                            </p:childTnLst>
-                          </p:cTn>
-                        </p:par>
-                      </p:childTnLst>
-                    </p:cTn>
-                  </p:par>
-                  <p:par>
-                    <p:cTn id="8" fill="hold">
-                      <p:stCondLst>
-                        <p:cond delay="indefinite"/>
-                      </p:stCondLst>
-                      <p:childTnLst>
-                        <p:par>
-                          <p:cTn id="9" fill="hold">
-                            <p:stCondLst>
-                              <p:cond delay="0"/>
-                            </p:stCondLst>
-                            <p:childTnLst>
-                              <p:par>
-                                <p:cTn id="10" presetID="9" presetClass="entr" presetSubtype="0" fill="hold" nodeType="clickEffect">
-                                  <p:stCondLst>
-                                    <p:cond delay="0"/>
-                                  </p:stCondLst>
-                                  <p:childTnLst>
-                                    <p:set>
-                                      <p:cBhvr>
-                                        <p:cTn id="11" dur="1" fill="hold">
-                                          <p:stCondLst>
-                                            <p:cond delay="0"/>
-                                          </p:stCondLst>
-                                        </p:cTn>
-                                        <p:tgtEl>
-                                          <p:spTgt spid="6"/>
-                                        </p:tgtEl>
-                                        <p:attrNameLst>
-                                          <p:attrName>style.visibility</p:attrName>
-                                        </p:attrNameLst>
-                                      </p:cBhvr>
-                                      <p:to>
-                                        <p:strVal val="visible"/>
-                                      </p:to>
-                                    </p:set>
-                                    <p:animEffect transition="in" filter="dissolve">
-                                      <p:cBhvr>
-                                        <p:cTn id="12" dur="500"/>
-                                        <p:tgtEl>
-                                          <p:spTgt spid="6"/>
-                                        </p:tgtEl>
-                                      </p:cBhvr>
-                                    </p:animEffect>
-                                  </p:childTnLst>
-                                </p:cTn>
-                              </p:par>
-                            </p:childTnLst>
-                          </p:cTn>
-                        </p:par>
-                        <p:par>
-                          <p:cTn id="13" fill="hold">
-                            <p:stCondLst>
-                              <p:cond delay="500"/>
-                            </p:stCondLst>
-                            <p:childTnLst>
-                              <p:par>
-                                <p:cTn id="14" presetID="9" presetClass="entr" presetSubtype="0" fill="hold" grpId="0" nodeType="afterEffect">
-                                  <p:stCondLst>
-                                    <p:cond delay="0"/>
-                                  </p:stCondLst>
-                                  <p:childTnLst>
-                                    <p:set>
-                                      <p:cBhvr>
-                                        <p:cTn id="15" dur="1" fill="hold">
-                                          <p:stCondLst>
-                                            <p:cond delay="0"/>
-                                          </p:stCondLst>
-                                        </p:cTn>
-                                        <p:tgtEl>
-                                          <p:spTgt spid="7"/>
-                                        </p:tgtEl>
-                                        <p:attrNameLst>
-                                          <p:attrName>style.visibility</p:attrName>
-                                        </p:attrNameLst>
-                                      </p:cBhvr>
-                                      <p:to>
-                                        <p:strVal val="visible"/>
-                                      </p:to>
-                                    </p:set>
-                                    <p:animEffect transition="in" filter="dissolve">
-                                      <p:cBhvr>
-                                        <p:cTn id="16" dur="500"/>
-                                        <p:tgtEl>
-                                          <p:spTgt spid="7"/>
-                                        </p:tgtEl>
-                                      </p:cBhvr>
-                                    </p:animEffect>
-                                  </p:childTnLst>
-                                </p:cTn>
-                              </p:par>
-                            </p:childTnLst>
-                          </p:cTn>
-                        </p:par>
-                      </p:childTnLst>
-                    </p:cTn>
-                  </p:par>
-                </p:childTnLst>
-              </p:cTn>
-              <p:prevCondLst>
-                <p:cond evt="onPrev" delay="0">
-                  <p:tgtEl>
-                    <p:sldTgt/>
-                  </p:tgtEl>
-                </p:cond>
-              </p:prevCondLst>
-              <p:nextCondLst>
-                <p:cond evt="onNext" delay="0">
-                  <p:tgtEl>
-                    <p:sldTgt/>
-                  </p:tgtEl>
-                </p:cond>
-              </p:nextCondLst>
-            </p:seq>
-          </p:childTnLst>
-        </p:cTn>
-      </p:par>
-    </p:tnLst>
-    <p:bldLst>
-      <p:bldP spid="2" grpId="0"/>
-      <p:bldP spid="7" grpId="0" animBg="1"/>
-    </p:bldLst>
-  </p:timing>
-</p:sld>
-</file>
-
-<file path=ppt/slides/slide48.xml><?xml version="1.0" encoding="utf-8"?>
-<p:sld xmlns:a="http://schemas.openxmlformats.org/drawingml/2006/main" xmlns:r="http://schemas.openxmlformats.org/officeDocument/2006/relationships" xmlns:p="http://schemas.openxmlformats.org/presentationml/2006/main">
-  <p:cSld>
-    <p:spTree>
-      <p:nvGrpSpPr>
-        <p:cNvPr id="1" name=""/>
-        <p:cNvGrpSpPr/>
-        <p:nvPr/>
-      </p:nvGrpSpPr>
-      <p:grpSpPr>
-        <a:xfrm>
-          <a:off x="0" y="0"/>
-          <a:ext cx="0" cy="0"/>
-          <a:chOff x="0" y="0"/>
-          <a:chExt cx="0" cy="0"/>
-        </a:xfrm>
-      </p:grpSpPr>
-      <p:sp>
-        <p:nvSpPr>
-          <p:cNvPr id="6" name="TextBox 5"/>
-          <p:cNvSpPr txBox="1"/>
-          <p:nvPr/>
-        </p:nvSpPr>
-        <p:spPr>
-          <a:xfrm>
-            <a:off x="355568" y="1379277"/>
-            <a:ext cx="7326344" cy="2308324"/>
-          </a:xfrm>
-          <a:prstGeom prst="rect">
-            <a:avLst/>
-          </a:prstGeom>
-          <a:noFill/>
-        </p:spPr>
-        <p:txBody>
-          <a:bodyPr wrap="none" rtlCol="0">
-            <a:spAutoFit/>
-          </a:bodyPr>
-          <a:lstStyle/>
-          <a:p>
-            <a:pPr algn="l"/>
-            <a:r>
-              <a:rPr lang="en-US" sz="4800" dirty="0" smtClean="0">
-                <a:solidFill>
-                  <a:srgbClr val="0000CC"/>
-                </a:solidFill>
-                <a:latin typeface="Comic Sans MS"/>
-                <a:cs typeface="Comic Sans MS"/>
-              </a:rPr>
-              <a:t>99</a:t>
-            </a:r>
-            <a:r>
-              <a:rPr lang="en-US" sz="4800" dirty="0">
-                <a:solidFill>
-                  <a:srgbClr val="0000CC"/>
-                </a:solidFill>
-                <a:latin typeface="Comic Sans MS"/>
-                <a:cs typeface="Comic Sans MS"/>
-              </a:rPr>
-              <a:t>%</a:t>
-            </a:r>
-            <a:r>
-              <a:rPr lang="en-US" sz="4800" dirty="0">
-                <a:latin typeface="Comic Sans MS"/>
-                <a:cs typeface="Comic Sans MS"/>
-              </a:rPr>
-              <a:t> accurate </a:t>
-            </a:r>
-            <a:r>
-              <a:rPr lang="en-US" sz="4800" dirty="0" smtClean="0">
-                <a:latin typeface="Comic Sans MS"/>
-                <a:cs typeface="Comic Sans MS"/>
-              </a:rPr>
-              <a:t>test did</a:t>
-            </a:r>
-          </a:p>
-          <a:p>
-            <a:pPr algn="l"/>
-            <a:r>
-              <a:rPr lang="en-US" sz="4800" dirty="0" smtClean="0">
-                <a:latin typeface="Comic Sans MS"/>
-                <a:cs typeface="Comic Sans MS"/>
-              </a:rPr>
-              <a:t>increase your probability</a:t>
-            </a:r>
-          </a:p>
-          <a:p>
-            <a:pPr algn="l"/>
-            <a:r>
-              <a:rPr lang="en-US" sz="4800" dirty="0" smtClean="0">
-                <a:latin typeface="Comic Sans MS"/>
-                <a:cs typeface="Comic Sans MS"/>
-              </a:rPr>
-              <a:t>of TB 100 times.</a:t>
-            </a:r>
-          </a:p>
-        </p:txBody>
-      </p:sp>
-      <p:sp>
-        <p:nvSpPr>
-          <p:cNvPr id="7" name="Rectangle 4"/>
-          <p:cNvSpPr txBox="1">
-            <a:spLocks noChangeArrowheads="1"/>
-          </p:cNvSpPr>
-          <p:nvPr/>
-        </p:nvSpPr>
-        <p:spPr bwMode="auto">
-          <a:xfrm>
-            <a:off x="1355099" y="250306"/>
-            <a:ext cx="7266290" cy="1112484"/>
-          </a:xfrm>
-          <a:prstGeom prst="rect">
-            <a:avLst/>
-          </a:prstGeom>
-          <a:noFill/>
-          <a:ln w="9525">
-            <a:noFill/>
-            <a:miter lim="800000"/>
-            <a:headEnd/>
-            <a:tailEnd/>
-          </a:ln>
-        </p:spPr>
-        <p:txBody>
-          <a:bodyPr vert="horz" wrap="square" lIns="91440" tIns="45720" rIns="91440" bIns="45720" numCol="1" anchor="ctr" anchorCtr="0" compatLnSpc="1">
-            <a:prstTxWarp prst="textNoShape">
-              <a:avLst/>
-            </a:prstTxWarp>
-          </a:bodyPr>
-          <a:lstStyle>
-            <a:lvl1pPr algn="ctr" rtl="0" eaLnBrk="0" fontAlgn="base" hangingPunct="0">
-              <a:spcBef>
-                <a:spcPct val="0"/>
-              </a:spcBef>
-              <a:spcAft>
-                <a:spcPct val="0"/>
-              </a:spcAft>
-              <a:defRPr sz="3200" b="1">
-                <a:solidFill>
-                  <a:schemeClr val="tx2"/>
-                </a:solidFill>
-                <a:latin typeface="+mj-lt"/>
-                <a:ea typeface="+mj-ea"/>
-                <a:cs typeface="+mj-cs"/>
-              </a:defRPr>
-            </a:lvl1pPr>
-            <a:lvl2pPr algn="ctr" rtl="0" eaLnBrk="0" fontAlgn="base" hangingPunct="0">
-              <a:spcBef>
-                <a:spcPct val="0"/>
-              </a:spcBef>
-              <a:spcAft>
-                <a:spcPct val="0"/>
-              </a:spcAft>
-              <a:defRPr sz="3600" b="1">
-                <a:solidFill>
-                  <a:schemeClr val="tx2"/>
-                </a:solidFill>
-                <a:latin typeface="Comic Sans MS" pitchFamily="66" charset="0"/>
-              </a:defRPr>
-            </a:lvl2pPr>
-            <a:lvl3pPr algn="ctr" rtl="0" eaLnBrk="0" fontAlgn="base" hangingPunct="0">
-              <a:spcBef>
-                <a:spcPct val="0"/>
-              </a:spcBef>
-              <a:spcAft>
-                <a:spcPct val="0"/>
-              </a:spcAft>
-              <a:defRPr sz="3600" b="1">
-                <a:solidFill>
-                  <a:schemeClr val="tx2"/>
-                </a:solidFill>
-                <a:latin typeface="Comic Sans MS" pitchFamily="66" charset="0"/>
-              </a:defRPr>
-            </a:lvl3pPr>
-            <a:lvl4pPr algn="ctr" rtl="0" eaLnBrk="0" fontAlgn="base" hangingPunct="0">
-              <a:spcBef>
-                <a:spcPct val="0"/>
-              </a:spcBef>
-              <a:spcAft>
-                <a:spcPct val="0"/>
-              </a:spcAft>
-              <a:defRPr sz="3600" b="1">
-                <a:solidFill>
-                  <a:schemeClr val="tx2"/>
-                </a:solidFill>
-                <a:latin typeface="Comic Sans MS" pitchFamily="66" charset="0"/>
-              </a:defRPr>
-            </a:lvl4pPr>
-            <a:lvl5pPr algn="ctr" rtl="0" eaLnBrk="0" fontAlgn="base" hangingPunct="0">
-              <a:spcBef>
-                <a:spcPct val="0"/>
-              </a:spcBef>
-              <a:spcAft>
-                <a:spcPct val="0"/>
-              </a:spcAft>
-              <a:defRPr sz="3600" b="1">
-                <a:solidFill>
-                  <a:schemeClr val="tx2"/>
-                </a:solidFill>
-                <a:latin typeface="Comic Sans MS" pitchFamily="66" charset="0"/>
-              </a:defRPr>
-            </a:lvl5pPr>
-            <a:lvl6pPr marL="457200" algn="ctr" rtl="0" fontAlgn="base">
-              <a:spcBef>
-                <a:spcPct val="0"/>
-              </a:spcBef>
-              <a:spcAft>
-                <a:spcPct val="0"/>
-              </a:spcAft>
-              <a:defRPr sz="3600" b="1">
-                <a:solidFill>
-                  <a:schemeClr val="tx2"/>
-                </a:solidFill>
-                <a:latin typeface="Comic Sans MS" pitchFamily="66" charset="0"/>
-              </a:defRPr>
-            </a:lvl6pPr>
-            <a:lvl7pPr marL="914400" algn="ctr" rtl="0" fontAlgn="base">
-              <a:spcBef>
-                <a:spcPct val="0"/>
-              </a:spcBef>
-              <a:spcAft>
-                <a:spcPct val="0"/>
-              </a:spcAft>
-              <a:defRPr sz="3600" b="1">
-                <a:solidFill>
-                  <a:schemeClr val="tx2"/>
-                </a:solidFill>
-                <a:latin typeface="Comic Sans MS" pitchFamily="66" charset="0"/>
-              </a:defRPr>
-            </a:lvl7pPr>
-            <a:lvl8pPr marL="1371600" algn="ctr" rtl="0" fontAlgn="base">
-              <a:spcBef>
-                <a:spcPct val="0"/>
-              </a:spcBef>
-              <a:spcAft>
-                <a:spcPct val="0"/>
-              </a:spcAft>
-              <a:defRPr sz="3600" b="1">
-                <a:solidFill>
-                  <a:schemeClr val="tx2"/>
-                </a:solidFill>
-                <a:latin typeface="Comic Sans MS" pitchFamily="66" charset="0"/>
-              </a:defRPr>
-            </a:lvl8pPr>
-            <a:lvl9pPr marL="1828800" algn="ctr" rtl="0" fontAlgn="base">
-              <a:spcBef>
-                <a:spcPct val="0"/>
-              </a:spcBef>
-              <a:spcAft>
-                <a:spcPct val="0"/>
-              </a:spcAft>
-              <a:defRPr sz="3600" b="1">
-                <a:solidFill>
-                  <a:schemeClr val="tx2"/>
-                </a:solidFill>
-                <a:latin typeface="Comic Sans MS" pitchFamily="66" charset="0"/>
-              </a:defRPr>
-            </a:lvl9pPr>
-          </a:lstStyle>
-          <a:p>
-            <a:pPr eaLnBrk="1" hangingPunct="1"/>
-            <a:r>
-              <a:rPr lang="en-US" sz="4000" dirty="0" smtClean="0">
-                <a:solidFill>
-                  <a:schemeClr val="tx1"/>
-                </a:solidFill>
-                <a:latin typeface="Comic Sans MS"/>
-                <a:cs typeface="Comic Sans MS"/>
-              </a:rPr>
-              <a:t>99% accuracy still useful</a:t>
-            </a:r>
-          </a:p>
-        </p:txBody>
-      </p:sp>
-    </p:spTree>
-    <p:extLst>
-      <p:ext uri="{BB962C8B-B14F-4D97-AF65-F5344CB8AC3E}">
-        <p14:creationId xmlns:p14="http://schemas.microsoft.com/office/powerpoint/2010/main" val="2343297104"/>
-      </p:ext>
-    </p:extLst>
-  </p:cSld>
-  <p:clrMapOvr>
-    <a:masterClrMapping/>
-  </p:clrMapOvr>
-  <p:transition xmlns:p14="http://schemas.microsoft.com/office/powerpoint/2010/main" spd="slow" advClick="0">
-    <p:fade thruBlk="1"/>
-  </p:transition>
   <p:timing>
     <p:tnLst>
       <p:par>
@@ -26225,6 +27432,1176 @@
     <p:bldLst>
       <p:bldP spid="205832" grpId="0"/>
     </p:bldLst>
+  </p:timing>
+</p:sld>
+</file>
+
+<file path=ppt/slides/slide50.xml><?xml version="1.0" encoding="utf-8"?>
+<p:sld xmlns:a="http://schemas.openxmlformats.org/drawingml/2006/main" xmlns:r="http://schemas.openxmlformats.org/officeDocument/2006/relationships" xmlns:p="http://schemas.openxmlformats.org/presentationml/2006/main" show="0">
+  <p:cSld>
+    <p:spTree>
+      <p:nvGrpSpPr>
+        <p:cNvPr id="1" name=""/>
+        <p:cNvGrpSpPr/>
+        <p:nvPr/>
+      </p:nvGrpSpPr>
+      <p:grpSpPr>
+        <a:xfrm>
+          <a:off x="0" y="0"/>
+          <a:ext cx="0" cy="0"/>
+          <a:chOff x="0" y="0"/>
+          <a:chExt cx="0" cy="0"/>
+        </a:xfrm>
+      </p:grpSpPr>
+      <p:sp>
+        <p:nvSpPr>
+          <p:cNvPr id="6" name="TextBox 5"/>
+          <p:cNvSpPr txBox="1"/>
+          <p:nvPr/>
+        </p:nvSpPr>
+        <p:spPr>
+          <a:xfrm>
+            <a:off x="355568" y="1379277"/>
+            <a:ext cx="8234045" cy="3785652"/>
+          </a:xfrm>
+          <a:prstGeom prst="rect">
+            <a:avLst/>
+          </a:prstGeom>
+          <a:noFill/>
+        </p:spPr>
+        <p:txBody>
+          <a:bodyPr wrap="none" rtlCol="0">
+            <a:spAutoFit/>
+          </a:bodyPr>
+          <a:lstStyle/>
+          <a:p>
+            <a:pPr algn="l"/>
+            <a:r>
+              <a:rPr lang="en-US" sz="4800" dirty="0">
+                <a:solidFill>
+                  <a:srgbClr val="0000CC"/>
+                </a:solidFill>
+                <a:latin typeface="Comic Sans MS"/>
+                <a:cs typeface="Comic Sans MS"/>
+              </a:rPr>
+              <a:t>99%</a:t>
+            </a:r>
+            <a:r>
+              <a:rPr lang="en-US" sz="4800" dirty="0">
+                <a:latin typeface="Comic Sans MS"/>
+                <a:cs typeface="Comic Sans MS"/>
+              </a:rPr>
+              <a:t> accurate </a:t>
+            </a:r>
+            <a:r>
+              <a:rPr lang="en-US" sz="4800" dirty="0" smtClean="0">
+                <a:latin typeface="Comic Sans MS"/>
+                <a:cs typeface="Comic Sans MS"/>
+              </a:rPr>
+              <a:t>test is not so</a:t>
+            </a:r>
+          </a:p>
+          <a:p>
+            <a:pPr algn="l"/>
+            <a:r>
+              <a:rPr lang="en-US" sz="4800" dirty="0" smtClean="0">
+                <a:latin typeface="Comic Sans MS"/>
+                <a:cs typeface="Comic Sans MS"/>
+              </a:rPr>
+              <a:t>good here.  In fact, there’s</a:t>
+            </a:r>
+          </a:p>
+          <a:p>
+            <a:pPr algn="l"/>
+            <a:r>
+              <a:rPr lang="en-US" sz="4800" dirty="0" smtClean="0">
+                <a:latin typeface="Comic Sans MS"/>
+                <a:cs typeface="Comic Sans MS"/>
+              </a:rPr>
+              <a:t>a trivial test that is </a:t>
+            </a:r>
+            <a:r>
+              <a:rPr lang="en-US" sz="4800" dirty="0" smtClean="0">
+                <a:solidFill>
+                  <a:srgbClr val="0000CC"/>
+                </a:solidFill>
+                <a:latin typeface="Comic Sans MS"/>
+                <a:cs typeface="Comic Sans MS"/>
+              </a:rPr>
+              <a:t>99.99%</a:t>
+            </a:r>
+          </a:p>
+          <a:p>
+            <a:pPr algn="l"/>
+            <a:r>
+              <a:rPr lang="en-US" sz="4800" dirty="0" smtClean="0">
+                <a:latin typeface="Comic Sans MS"/>
+                <a:cs typeface="Comic Sans MS"/>
+              </a:rPr>
+              <a:t>accurate:</a:t>
+            </a:r>
+          </a:p>
+          <a:p>
+            <a:pPr algn="l"/>
+            <a:r>
+              <a:rPr lang="en-US" sz="4800" dirty="0">
+                <a:latin typeface="Comic Sans MS"/>
+                <a:cs typeface="Comic Sans MS"/>
+              </a:rPr>
+              <a:t>	 </a:t>
+            </a:r>
+            <a:r>
+              <a:rPr lang="en-US" sz="4800" dirty="0" smtClean="0">
+                <a:latin typeface="Comic Sans MS"/>
+                <a:cs typeface="Comic Sans MS"/>
+              </a:rPr>
+              <a:t>   </a:t>
+            </a:r>
+            <a:r>
+              <a:rPr lang="en-US" sz="4800" dirty="0" smtClean="0">
+                <a:solidFill>
+                  <a:srgbClr val="8C0085"/>
+                </a:solidFill>
+                <a:latin typeface="Comic Sans MS"/>
+                <a:cs typeface="Comic Sans MS"/>
+              </a:rPr>
+              <a:t>always</a:t>
+            </a:r>
+            <a:r>
+              <a:rPr lang="en-US" sz="4800" dirty="0" smtClean="0">
+                <a:latin typeface="Comic Sans MS"/>
+                <a:cs typeface="Comic Sans MS"/>
+              </a:rPr>
+              <a:t> say “</a:t>
+            </a:r>
+            <a:r>
+              <a:rPr lang="en-US" sz="4800" dirty="0" smtClean="0">
+                <a:solidFill>
+                  <a:srgbClr val="8C0085"/>
+                </a:solidFill>
+                <a:latin typeface="Comic Sans MS"/>
+                <a:cs typeface="Comic Sans MS"/>
+              </a:rPr>
+              <a:t>No TB</a:t>
+            </a:r>
+            <a:r>
+              <a:rPr lang="en-US" sz="4800" dirty="0" smtClean="0">
+                <a:latin typeface="Comic Sans MS"/>
+                <a:cs typeface="Comic Sans MS"/>
+              </a:rPr>
+              <a:t>”</a:t>
+            </a:r>
+          </a:p>
+        </p:txBody>
+      </p:sp>
+      <p:sp>
+        <p:nvSpPr>
+          <p:cNvPr id="7" name="Rectangle 4"/>
+          <p:cNvSpPr txBox="1">
+            <a:spLocks noChangeArrowheads="1"/>
+          </p:cNvSpPr>
+          <p:nvPr/>
+        </p:nvSpPr>
+        <p:spPr bwMode="auto">
+          <a:xfrm>
+            <a:off x="1447800" y="381000"/>
+            <a:ext cx="6553200" cy="838200"/>
+          </a:xfrm>
+          <a:prstGeom prst="rect">
+            <a:avLst/>
+          </a:prstGeom>
+          <a:noFill/>
+          <a:ln w="9525">
+            <a:noFill/>
+            <a:miter lim="800000"/>
+            <a:headEnd/>
+            <a:tailEnd/>
+          </a:ln>
+        </p:spPr>
+        <p:txBody>
+          <a:bodyPr vert="horz" wrap="square" lIns="91440" tIns="45720" rIns="91440" bIns="45720" numCol="1" anchor="ctr" anchorCtr="0" compatLnSpc="1">
+            <a:prstTxWarp prst="textNoShape">
+              <a:avLst/>
+            </a:prstTxWarp>
+          </a:bodyPr>
+          <a:lstStyle>
+            <a:lvl1pPr algn="ctr" rtl="0" eaLnBrk="0" fontAlgn="base" hangingPunct="0">
+              <a:spcBef>
+                <a:spcPct val="0"/>
+              </a:spcBef>
+              <a:spcAft>
+                <a:spcPct val="0"/>
+              </a:spcAft>
+              <a:defRPr sz="3200" b="1">
+                <a:solidFill>
+                  <a:schemeClr val="tx2"/>
+                </a:solidFill>
+                <a:latin typeface="+mj-lt"/>
+                <a:ea typeface="+mj-ea"/>
+                <a:cs typeface="+mj-cs"/>
+              </a:defRPr>
+            </a:lvl1pPr>
+            <a:lvl2pPr algn="ctr" rtl="0" eaLnBrk="0" fontAlgn="base" hangingPunct="0">
+              <a:spcBef>
+                <a:spcPct val="0"/>
+              </a:spcBef>
+              <a:spcAft>
+                <a:spcPct val="0"/>
+              </a:spcAft>
+              <a:defRPr sz="3600" b="1">
+                <a:solidFill>
+                  <a:schemeClr val="tx2"/>
+                </a:solidFill>
+                <a:latin typeface="Comic Sans MS" pitchFamily="66" charset="0"/>
+              </a:defRPr>
+            </a:lvl2pPr>
+            <a:lvl3pPr algn="ctr" rtl="0" eaLnBrk="0" fontAlgn="base" hangingPunct="0">
+              <a:spcBef>
+                <a:spcPct val="0"/>
+              </a:spcBef>
+              <a:spcAft>
+                <a:spcPct val="0"/>
+              </a:spcAft>
+              <a:defRPr sz="3600" b="1">
+                <a:solidFill>
+                  <a:schemeClr val="tx2"/>
+                </a:solidFill>
+                <a:latin typeface="Comic Sans MS" pitchFamily="66" charset="0"/>
+              </a:defRPr>
+            </a:lvl3pPr>
+            <a:lvl4pPr algn="ctr" rtl="0" eaLnBrk="0" fontAlgn="base" hangingPunct="0">
+              <a:spcBef>
+                <a:spcPct val="0"/>
+              </a:spcBef>
+              <a:spcAft>
+                <a:spcPct val="0"/>
+              </a:spcAft>
+              <a:defRPr sz="3600" b="1">
+                <a:solidFill>
+                  <a:schemeClr val="tx2"/>
+                </a:solidFill>
+                <a:latin typeface="Comic Sans MS" pitchFamily="66" charset="0"/>
+              </a:defRPr>
+            </a:lvl4pPr>
+            <a:lvl5pPr algn="ctr" rtl="0" eaLnBrk="0" fontAlgn="base" hangingPunct="0">
+              <a:spcBef>
+                <a:spcPct val="0"/>
+              </a:spcBef>
+              <a:spcAft>
+                <a:spcPct val="0"/>
+              </a:spcAft>
+              <a:defRPr sz="3600" b="1">
+                <a:solidFill>
+                  <a:schemeClr val="tx2"/>
+                </a:solidFill>
+                <a:latin typeface="Comic Sans MS" pitchFamily="66" charset="0"/>
+              </a:defRPr>
+            </a:lvl5pPr>
+            <a:lvl6pPr marL="457200" algn="ctr" rtl="0" fontAlgn="base">
+              <a:spcBef>
+                <a:spcPct val="0"/>
+              </a:spcBef>
+              <a:spcAft>
+                <a:spcPct val="0"/>
+              </a:spcAft>
+              <a:defRPr sz="3600" b="1">
+                <a:solidFill>
+                  <a:schemeClr val="tx2"/>
+                </a:solidFill>
+                <a:latin typeface="Comic Sans MS" pitchFamily="66" charset="0"/>
+              </a:defRPr>
+            </a:lvl6pPr>
+            <a:lvl7pPr marL="914400" algn="ctr" rtl="0" fontAlgn="base">
+              <a:spcBef>
+                <a:spcPct val="0"/>
+              </a:spcBef>
+              <a:spcAft>
+                <a:spcPct val="0"/>
+              </a:spcAft>
+              <a:defRPr sz="3600" b="1">
+                <a:solidFill>
+                  <a:schemeClr val="tx2"/>
+                </a:solidFill>
+                <a:latin typeface="Comic Sans MS" pitchFamily="66" charset="0"/>
+              </a:defRPr>
+            </a:lvl7pPr>
+            <a:lvl8pPr marL="1371600" algn="ctr" rtl="0" fontAlgn="base">
+              <a:spcBef>
+                <a:spcPct val="0"/>
+              </a:spcBef>
+              <a:spcAft>
+                <a:spcPct val="0"/>
+              </a:spcAft>
+              <a:defRPr sz="3600" b="1">
+                <a:solidFill>
+                  <a:schemeClr val="tx2"/>
+                </a:solidFill>
+                <a:latin typeface="Comic Sans MS" pitchFamily="66" charset="0"/>
+              </a:defRPr>
+            </a:lvl8pPr>
+            <a:lvl9pPr marL="1828800" algn="ctr" rtl="0" fontAlgn="base">
+              <a:spcBef>
+                <a:spcPct val="0"/>
+              </a:spcBef>
+              <a:spcAft>
+                <a:spcPct val="0"/>
+              </a:spcAft>
+              <a:defRPr sz="3600" b="1">
+                <a:solidFill>
+                  <a:schemeClr val="tx2"/>
+                </a:solidFill>
+                <a:latin typeface="Comic Sans MS" pitchFamily="66" charset="0"/>
+              </a:defRPr>
+            </a:lvl9pPr>
+          </a:lstStyle>
+          <a:p>
+            <a:pPr eaLnBrk="1" hangingPunct="1"/>
+            <a:r>
+              <a:rPr lang="en-US" sz="4000" dirty="0" smtClean="0">
+                <a:solidFill>
+                  <a:schemeClr val="tx1"/>
+                </a:solidFill>
+                <a:latin typeface="Comic Sans MS"/>
+                <a:cs typeface="Comic Sans MS"/>
+              </a:rPr>
+              <a:t>A “more accurate” test</a:t>
+            </a:r>
+          </a:p>
+        </p:txBody>
+      </p:sp>
+    </p:spTree>
+    <p:extLst>
+      <p:ext uri="{BB962C8B-B14F-4D97-AF65-F5344CB8AC3E}">
+        <p14:creationId xmlns:p14="http://schemas.microsoft.com/office/powerpoint/2010/main" val="3844524566"/>
+      </p:ext>
+    </p:extLst>
+  </p:cSld>
+  <p:clrMapOvr>
+    <a:masterClrMapping/>
+  </p:clrMapOvr>
+  <mc:AlternateContent xmlns:mc="http://schemas.openxmlformats.org/markup-compatibility/2006">
+    <mc:Choice xmlns:p14="http://schemas.microsoft.com/office/powerpoint/2010/main" Requires="p14">
+      <p:transition spd="med" p14:dur="700" advClick="0">
+        <p:fade/>
+      </p:transition>
+    </mc:Choice>
+    <mc:Fallback>
+      <p:transition xmlns:p14="http://schemas.microsoft.com/office/powerpoint/2010/main" spd="med" advClick="0">
+        <p:fade/>
+      </p:transition>
+    </mc:Fallback>
+  </mc:AlternateContent>
+  <p:timing>
+    <p:tnLst>
+      <p:par>
+        <p:cTn xmlns:p14="http://schemas.microsoft.com/office/powerpoint/2010/main" id="1" dur="indefinite" restart="never" nodeType="tmRoot">
+          <p:childTnLst>
+            <p:seq concurrent="1" nextAc="seek">
+              <p:cTn id="2" dur="indefinite" nodeType="mainSeq">
+                <p:childTnLst>
+                  <p:par>
+                    <p:cTn id="3" fill="hold">
+                      <p:stCondLst>
+                        <p:cond delay="indefinite"/>
+                      </p:stCondLst>
+                      <p:childTnLst>
+                        <p:par>
+                          <p:cTn id="4" fill="hold">
+                            <p:stCondLst>
+                              <p:cond delay="0"/>
+                            </p:stCondLst>
+                            <p:childTnLst>
+                              <p:par>
+                                <p:cTn id="5" presetID="10" presetClass="entr" presetSubtype="0" fill="hold" nodeType="clickEffect">
+                                  <p:stCondLst>
+                                    <p:cond delay="0"/>
+                                  </p:stCondLst>
+                                  <p:childTnLst>
+                                    <p:set>
+                                      <p:cBhvr>
+                                        <p:cTn id="6" dur="1" fill="hold">
+                                          <p:stCondLst>
+                                            <p:cond delay="0"/>
+                                          </p:stCondLst>
+                                        </p:cTn>
+                                        <p:tgtEl>
+                                          <p:spTgt spid="6">
+                                            <p:txEl>
+                                              <p:pRg st="4" end="4"/>
+                                            </p:txEl>
+                                          </p:spTgt>
+                                        </p:tgtEl>
+                                        <p:attrNameLst>
+                                          <p:attrName>style.visibility</p:attrName>
+                                        </p:attrNameLst>
+                                      </p:cBhvr>
+                                      <p:to>
+                                        <p:strVal val="visible"/>
+                                      </p:to>
+                                    </p:set>
+                                    <p:animEffect transition="in" filter="fade">
+                                      <p:cBhvr>
+                                        <p:cTn id="7" dur="500"/>
+                                        <p:tgtEl>
+                                          <p:spTgt spid="6">
+                                            <p:txEl>
+                                              <p:pRg st="4" end="4"/>
+                                            </p:txEl>
+                                          </p:spTgt>
+                                        </p:tgtEl>
+                                      </p:cBhvr>
+                                    </p:animEffect>
+                                  </p:childTnLst>
+                                </p:cTn>
+                              </p:par>
+                            </p:childTnLst>
+                          </p:cTn>
+                        </p:par>
+                      </p:childTnLst>
+                    </p:cTn>
+                  </p:par>
+                </p:childTnLst>
+              </p:cTn>
+              <p:prevCondLst>
+                <p:cond evt="onPrev" delay="0">
+                  <p:tgtEl>
+                    <p:sldTgt/>
+                  </p:tgtEl>
+                </p:cond>
+              </p:prevCondLst>
+              <p:nextCondLst>
+                <p:cond evt="onNext" delay="0">
+                  <p:tgtEl>
+                    <p:sldTgt/>
+                  </p:tgtEl>
+                </p:cond>
+              </p:nextCondLst>
+            </p:seq>
+          </p:childTnLst>
+        </p:cTn>
+      </p:par>
+    </p:tnLst>
+  </p:timing>
+</p:sld>
+</file>
+
+<file path=ppt/slides/slide51.xml><?xml version="1.0" encoding="utf-8"?>
+<p:sld xmlns:a="http://schemas.openxmlformats.org/drawingml/2006/main" xmlns:r="http://schemas.openxmlformats.org/officeDocument/2006/relationships" xmlns:p="http://schemas.openxmlformats.org/presentationml/2006/main" show="0">
+  <p:cSld>
+    <p:spTree>
+      <p:nvGrpSpPr>
+        <p:cNvPr id="1" name=""/>
+        <p:cNvGrpSpPr/>
+        <p:nvPr/>
+      </p:nvGrpSpPr>
+      <p:grpSpPr>
+        <a:xfrm>
+          <a:off x="0" y="0"/>
+          <a:ext cx="0" cy="0"/>
+          <a:chOff x="0" y="0"/>
+          <a:chExt cx="0" cy="0"/>
+        </a:xfrm>
+      </p:grpSpPr>
+      <p:sp>
+        <p:nvSpPr>
+          <p:cNvPr id="2" name="Title 1"/>
+          <p:cNvSpPr>
+            <a:spLocks noGrp="1"/>
+          </p:cNvSpPr>
+          <p:nvPr>
+            <p:ph type="title"/>
+          </p:nvPr>
+        </p:nvSpPr>
+        <p:spPr/>
+        <p:txBody>
+          <a:bodyPr/>
+          <a:lstStyle/>
+          <a:p>
+            <a:r>
+              <a:rPr lang="en-US" sz="4400" dirty="0" smtClean="0"/>
+              <a:t>testing Rule</a:t>
+            </a:r>
+            <a:endParaRPr lang="en-US" sz="4400" dirty="0"/>
+          </a:p>
+        </p:txBody>
+      </p:sp>
+      <p:graphicFrame>
+        <p:nvGraphicFramePr>
+          <p:cNvPr id="5" name="Object 4"/>
+          <p:cNvGraphicFramePr>
+            <a:graphicFrameLocks noChangeAspect="1"/>
+          </p:cNvGraphicFramePr>
+          <p:nvPr>
+            <p:extLst>
+              <p:ext uri="{D42A27DB-BD31-4B8C-83A1-F6EECF244321}">
+                <p14:modId xmlns:p14="http://schemas.microsoft.com/office/powerpoint/2010/main" val="1559780164"/>
+              </p:ext>
+            </p:extLst>
+          </p:nvPr>
+        </p:nvGraphicFramePr>
+        <p:xfrm>
+          <a:off x="788988" y="1220661"/>
+          <a:ext cx="7361237" cy="1755775"/>
+        </p:xfrm>
+        <a:graphic>
+          <a:graphicData uri="http://schemas.openxmlformats.org/presentationml/2006/ole">
+            <mc:AlternateContent xmlns:mc="http://schemas.openxmlformats.org/markup-compatibility/2006">
+              <mc:Choice xmlns:v="urn:schemas-microsoft-com:vml" Requires="v">
+                <p:oleObj spid="_x0000_s30738" name="Equation" r:id="rId3" imgW="2070100" imgH="495300" progId="Equation.DSMT4">
+                  <p:embed/>
+                </p:oleObj>
+              </mc:Choice>
+              <mc:Fallback>
+                <p:oleObj name="Equation" r:id="rId3" imgW="2070100" imgH="495300" progId="Equation.DSMT4">
+                  <p:embed/>
+                  <p:pic>
+                    <p:nvPicPr>
+                      <p:cNvPr id="0" name=""/>
+                      <p:cNvPicPr/>
+                      <p:nvPr/>
+                    </p:nvPicPr>
+                    <p:blipFill>
+                      <a:blip r:embed="rId4"/>
+                      <a:stretch>
+                        <a:fillRect/>
+                      </a:stretch>
+                    </p:blipFill>
+                    <p:spPr>
+                      <a:xfrm>
+                        <a:off x="788988" y="1220661"/>
+                        <a:ext cx="7361237" cy="1755775"/>
+                      </a:xfrm>
+                      <a:prstGeom prst="rect">
+                        <a:avLst/>
+                      </a:prstGeom>
+                    </p:spPr>
+                  </p:pic>
+                </p:oleObj>
+              </mc:Fallback>
+            </mc:AlternateContent>
+          </a:graphicData>
+        </a:graphic>
+      </p:graphicFrame>
+      <p:graphicFrame>
+        <p:nvGraphicFramePr>
+          <p:cNvPr id="6" name="Object 5"/>
+          <p:cNvGraphicFramePr>
+            <a:graphicFrameLocks noChangeAspect="1"/>
+          </p:cNvGraphicFramePr>
+          <p:nvPr>
+            <p:extLst>
+              <p:ext uri="{D42A27DB-BD31-4B8C-83A1-F6EECF244321}">
+                <p14:modId xmlns:p14="http://schemas.microsoft.com/office/powerpoint/2010/main" val="3002439299"/>
+              </p:ext>
+            </p:extLst>
+          </p:nvPr>
+        </p:nvGraphicFramePr>
+        <p:xfrm>
+          <a:off x="1126598" y="3238190"/>
+          <a:ext cx="6801391" cy="1875427"/>
+        </p:xfrm>
+        <a:graphic>
+          <a:graphicData uri="http://schemas.openxmlformats.org/presentationml/2006/ole">
+            <mc:AlternateContent xmlns:mc="http://schemas.openxmlformats.org/markup-compatibility/2006">
+              <mc:Choice xmlns:v="urn:schemas-microsoft-com:vml" Requires="v">
+                <p:oleObj spid="_x0000_s30739" name="Equation" r:id="rId5" imgW="1790700" imgH="495300" progId="Equation.DSMT4">
+                  <p:embed/>
+                </p:oleObj>
+              </mc:Choice>
+              <mc:Fallback>
+                <p:oleObj name="Equation" r:id="rId5" imgW="1790700" imgH="495300" progId="Equation.DSMT4">
+                  <p:embed/>
+                  <p:pic>
+                    <p:nvPicPr>
+                      <p:cNvPr id="0" name=""/>
+                      <p:cNvPicPr/>
+                      <p:nvPr/>
+                    </p:nvPicPr>
+                    <p:blipFill>
+                      <a:blip r:embed="rId6"/>
+                      <a:stretch>
+                        <a:fillRect/>
+                      </a:stretch>
+                    </p:blipFill>
+                    <p:spPr>
+                      <a:xfrm>
+                        <a:off x="1126598" y="3238190"/>
+                        <a:ext cx="6801391" cy="1875427"/>
+                      </a:xfrm>
+                      <a:prstGeom prst="rect">
+                        <a:avLst/>
+                      </a:prstGeom>
+                    </p:spPr>
+                  </p:pic>
+                </p:oleObj>
+              </mc:Fallback>
+            </mc:AlternateContent>
+          </a:graphicData>
+        </a:graphic>
+      </p:graphicFrame>
+      <p:sp>
+        <p:nvSpPr>
+          <p:cNvPr id="7" name="Rectangle 6"/>
+          <p:cNvSpPr/>
+          <p:nvPr/>
+        </p:nvSpPr>
+        <p:spPr bwMode="auto">
+          <a:xfrm>
+            <a:off x="628814" y="3168550"/>
+            <a:ext cx="7656732" cy="2268534"/>
+          </a:xfrm>
+          <a:prstGeom prst="rect">
+            <a:avLst/>
+          </a:prstGeom>
+          <a:noFill/>
+          <a:ln w="38100" cap="flat" cmpd="sng" algn="ctr">
+            <a:solidFill>
+              <a:srgbClr val="FF33CC"/>
+            </a:solidFill>
+            <a:prstDash val="sysDash"/>
+            <a:round/>
+            <a:headEnd type="none" w="med" len="med"/>
+            <a:tailEnd type="none" w="med" len="med"/>
+          </a:ln>
+          <a:effectLst/>
+        </p:spPr>
+        <p:txBody>
+          <a:bodyPr vert="horz" wrap="none" lIns="91440" tIns="45720" rIns="91440" bIns="45720" numCol="1" rtlCol="0" anchor="ctr" anchorCtr="0" compatLnSpc="1">
+            <a:prstTxWarp prst="textNoShape">
+              <a:avLst/>
+            </a:prstTxWarp>
+          </a:bodyPr>
+          <a:lstStyle/>
+          <a:p>
+            <a:pPr marL="0" marR="0" indent="0" algn="ctr" defTabSz="914400" rtl="0" eaLnBrk="1" fontAlgn="base" latinLnBrk="0" hangingPunct="1">
+              <a:lnSpc>
+                <a:spcPct val="100000"/>
+              </a:lnSpc>
+              <a:spcBef>
+                <a:spcPct val="0"/>
+              </a:spcBef>
+              <a:spcAft>
+                <a:spcPct val="0"/>
+              </a:spcAft>
+              <a:buClrTx/>
+              <a:buSzTx/>
+              <a:buFontTx/>
+              <a:buNone/>
+              <a:tabLst/>
+            </a:pPr>
+            <a:endParaRPr kumimoji="0" lang="en-US" sz="1800" b="0" i="0" u="none" strike="noStrike" cap="none" normalizeH="0" baseline="0" smtClean="0">
+              <a:ln>
+                <a:noFill/>
+              </a:ln>
+              <a:solidFill>
+                <a:schemeClr val="tx1"/>
+              </a:solidFill>
+              <a:effectLst/>
+              <a:latin typeface="Times New Roman" pitchFamily="18" charset="0"/>
+            </a:endParaRPr>
+          </a:p>
+        </p:txBody>
+      </p:sp>
+    </p:spTree>
+    <p:extLst>
+      <p:ext uri="{BB962C8B-B14F-4D97-AF65-F5344CB8AC3E}">
+        <p14:creationId xmlns:p14="http://schemas.microsoft.com/office/powerpoint/2010/main" val="1990100032"/>
+      </p:ext>
+    </p:extLst>
+  </p:cSld>
+  <p:clrMapOvr>
+    <a:masterClrMapping/>
+  </p:clrMapOvr>
+  <mc:AlternateContent xmlns:mc="http://schemas.openxmlformats.org/markup-compatibility/2006">
+    <mc:Choice xmlns:p14="http://schemas.microsoft.com/office/powerpoint/2010/main" Requires="p14">
+      <p:transition spd="slow" p14:dur="1300" advClick="0">
+        <p:fade thruBlk="1"/>
+      </p:transition>
+    </mc:Choice>
+    <mc:Fallback>
+      <p:transition xmlns:p14="http://schemas.microsoft.com/office/powerpoint/2010/main" spd="slow" advClick="0">
+        <p:fade thruBlk="1"/>
+      </p:transition>
+    </mc:Fallback>
+  </mc:AlternateContent>
+  <p:timing>
+    <p:tnLst>
+      <p:par>
+        <p:cTn xmlns:p14="http://schemas.microsoft.com/office/powerpoint/2010/main" id="1" dur="indefinite" restart="never" nodeType="tmRoot">
+          <p:childTnLst>
+            <p:seq concurrent="1" nextAc="seek">
+              <p:cTn id="2" dur="indefinite" nodeType="mainSeq">
+                <p:childTnLst>
+                  <p:par>
+                    <p:cTn id="3" fill="hold">
+                      <p:stCondLst>
+                        <p:cond delay="indefinite"/>
+                      </p:stCondLst>
+                      <p:childTnLst>
+                        <p:par>
+                          <p:cTn id="4" fill="hold">
+                            <p:stCondLst>
+                              <p:cond delay="0"/>
+                            </p:stCondLst>
+                            <p:childTnLst>
+                              <p:par>
+                                <p:cTn id="5" presetID="10" presetClass="entr" presetSubtype="0" fill="hold" grpId="0" nodeType="clickEffect">
+                                  <p:stCondLst>
+                                    <p:cond delay="0"/>
+                                  </p:stCondLst>
+                                  <p:childTnLst>
+                                    <p:set>
+                                      <p:cBhvr>
+                                        <p:cTn id="6" dur="1" fill="hold">
+                                          <p:stCondLst>
+                                            <p:cond delay="0"/>
+                                          </p:stCondLst>
+                                        </p:cTn>
+                                        <p:tgtEl>
+                                          <p:spTgt spid="2"/>
+                                        </p:tgtEl>
+                                        <p:attrNameLst>
+                                          <p:attrName>style.visibility</p:attrName>
+                                        </p:attrNameLst>
+                                      </p:cBhvr>
+                                      <p:to>
+                                        <p:strVal val="visible"/>
+                                      </p:to>
+                                    </p:set>
+                                    <p:animEffect transition="in" filter="fade">
+                                      <p:cBhvr>
+                                        <p:cTn id="7" dur="500"/>
+                                        <p:tgtEl>
+                                          <p:spTgt spid="2"/>
+                                        </p:tgtEl>
+                                      </p:cBhvr>
+                                    </p:animEffect>
+                                  </p:childTnLst>
+                                </p:cTn>
+                              </p:par>
+                            </p:childTnLst>
+                          </p:cTn>
+                        </p:par>
+                      </p:childTnLst>
+                    </p:cTn>
+                  </p:par>
+                  <p:par>
+                    <p:cTn id="8" fill="hold">
+                      <p:stCondLst>
+                        <p:cond delay="indefinite"/>
+                      </p:stCondLst>
+                      <p:childTnLst>
+                        <p:par>
+                          <p:cTn id="9" fill="hold">
+                            <p:stCondLst>
+                              <p:cond delay="0"/>
+                            </p:stCondLst>
+                            <p:childTnLst>
+                              <p:par>
+                                <p:cTn id="10" presetID="9" presetClass="entr" presetSubtype="0" fill="hold" nodeType="clickEffect">
+                                  <p:stCondLst>
+                                    <p:cond delay="0"/>
+                                  </p:stCondLst>
+                                  <p:childTnLst>
+                                    <p:set>
+                                      <p:cBhvr>
+                                        <p:cTn id="11" dur="1" fill="hold">
+                                          <p:stCondLst>
+                                            <p:cond delay="0"/>
+                                          </p:stCondLst>
+                                        </p:cTn>
+                                        <p:tgtEl>
+                                          <p:spTgt spid="6"/>
+                                        </p:tgtEl>
+                                        <p:attrNameLst>
+                                          <p:attrName>style.visibility</p:attrName>
+                                        </p:attrNameLst>
+                                      </p:cBhvr>
+                                      <p:to>
+                                        <p:strVal val="visible"/>
+                                      </p:to>
+                                    </p:set>
+                                    <p:animEffect transition="in" filter="dissolve">
+                                      <p:cBhvr>
+                                        <p:cTn id="12" dur="500"/>
+                                        <p:tgtEl>
+                                          <p:spTgt spid="6"/>
+                                        </p:tgtEl>
+                                      </p:cBhvr>
+                                    </p:animEffect>
+                                  </p:childTnLst>
+                                </p:cTn>
+                              </p:par>
+                            </p:childTnLst>
+                          </p:cTn>
+                        </p:par>
+                        <p:par>
+                          <p:cTn id="13" fill="hold">
+                            <p:stCondLst>
+                              <p:cond delay="500"/>
+                            </p:stCondLst>
+                            <p:childTnLst>
+                              <p:par>
+                                <p:cTn id="14" presetID="9" presetClass="entr" presetSubtype="0" fill="hold" grpId="0" nodeType="afterEffect">
+                                  <p:stCondLst>
+                                    <p:cond delay="0"/>
+                                  </p:stCondLst>
+                                  <p:childTnLst>
+                                    <p:set>
+                                      <p:cBhvr>
+                                        <p:cTn id="15" dur="1" fill="hold">
+                                          <p:stCondLst>
+                                            <p:cond delay="0"/>
+                                          </p:stCondLst>
+                                        </p:cTn>
+                                        <p:tgtEl>
+                                          <p:spTgt spid="7"/>
+                                        </p:tgtEl>
+                                        <p:attrNameLst>
+                                          <p:attrName>style.visibility</p:attrName>
+                                        </p:attrNameLst>
+                                      </p:cBhvr>
+                                      <p:to>
+                                        <p:strVal val="visible"/>
+                                      </p:to>
+                                    </p:set>
+                                    <p:animEffect transition="in" filter="dissolve">
+                                      <p:cBhvr>
+                                        <p:cTn id="16" dur="500"/>
+                                        <p:tgtEl>
+                                          <p:spTgt spid="7"/>
+                                        </p:tgtEl>
+                                      </p:cBhvr>
+                                    </p:animEffect>
+                                  </p:childTnLst>
+                                </p:cTn>
+                              </p:par>
+                            </p:childTnLst>
+                          </p:cTn>
+                        </p:par>
+                      </p:childTnLst>
+                    </p:cTn>
+                  </p:par>
+                </p:childTnLst>
+              </p:cTn>
+              <p:prevCondLst>
+                <p:cond evt="onPrev" delay="0">
+                  <p:tgtEl>
+                    <p:sldTgt/>
+                  </p:tgtEl>
+                </p:cond>
+              </p:prevCondLst>
+              <p:nextCondLst>
+                <p:cond evt="onNext" delay="0">
+                  <p:tgtEl>
+                    <p:sldTgt/>
+                  </p:tgtEl>
+                </p:cond>
+              </p:nextCondLst>
+            </p:seq>
+          </p:childTnLst>
+        </p:cTn>
+      </p:par>
+    </p:tnLst>
+    <p:bldLst>
+      <p:bldP spid="2" grpId="0"/>
+      <p:bldP spid="7" grpId="0" animBg="1"/>
+    </p:bldLst>
+  </p:timing>
+</p:sld>
+</file>
+
+<file path=ppt/slides/slide52.xml><?xml version="1.0" encoding="utf-8"?>
+<p:sld xmlns:a="http://schemas.openxmlformats.org/drawingml/2006/main" xmlns:r="http://schemas.openxmlformats.org/officeDocument/2006/relationships" xmlns:p="http://schemas.openxmlformats.org/presentationml/2006/main" show="0">
+  <p:cSld>
+    <p:spTree>
+      <p:nvGrpSpPr>
+        <p:cNvPr id="1" name=""/>
+        <p:cNvGrpSpPr/>
+        <p:nvPr/>
+      </p:nvGrpSpPr>
+      <p:grpSpPr>
+        <a:xfrm>
+          <a:off x="0" y="0"/>
+          <a:ext cx="0" cy="0"/>
+          <a:chOff x="0" y="0"/>
+          <a:chExt cx="0" cy="0"/>
+        </a:xfrm>
+      </p:grpSpPr>
+      <p:sp>
+        <p:nvSpPr>
+          <p:cNvPr id="6" name="TextBox 5"/>
+          <p:cNvSpPr txBox="1"/>
+          <p:nvPr/>
+        </p:nvSpPr>
+        <p:spPr>
+          <a:xfrm>
+            <a:off x="355568" y="1379277"/>
+            <a:ext cx="7326344" cy="2308324"/>
+          </a:xfrm>
+          <a:prstGeom prst="rect">
+            <a:avLst/>
+          </a:prstGeom>
+          <a:noFill/>
+        </p:spPr>
+        <p:txBody>
+          <a:bodyPr wrap="none" rtlCol="0">
+            <a:spAutoFit/>
+          </a:bodyPr>
+          <a:lstStyle/>
+          <a:p>
+            <a:pPr algn="l"/>
+            <a:r>
+              <a:rPr lang="en-US" sz="4800" dirty="0" smtClean="0">
+                <a:solidFill>
+                  <a:srgbClr val="0000CC"/>
+                </a:solidFill>
+                <a:latin typeface="Comic Sans MS"/>
+                <a:cs typeface="Comic Sans MS"/>
+              </a:rPr>
+              <a:t>99</a:t>
+            </a:r>
+            <a:r>
+              <a:rPr lang="en-US" sz="4800" dirty="0">
+                <a:solidFill>
+                  <a:srgbClr val="0000CC"/>
+                </a:solidFill>
+                <a:latin typeface="Comic Sans MS"/>
+                <a:cs typeface="Comic Sans MS"/>
+              </a:rPr>
+              <a:t>%</a:t>
+            </a:r>
+            <a:r>
+              <a:rPr lang="en-US" sz="4800" dirty="0">
+                <a:latin typeface="Comic Sans MS"/>
+                <a:cs typeface="Comic Sans MS"/>
+              </a:rPr>
+              <a:t> accurate </a:t>
+            </a:r>
+            <a:r>
+              <a:rPr lang="en-US" sz="4800" dirty="0" smtClean="0">
+                <a:latin typeface="Comic Sans MS"/>
+                <a:cs typeface="Comic Sans MS"/>
+              </a:rPr>
+              <a:t>test did</a:t>
+            </a:r>
+          </a:p>
+          <a:p>
+            <a:pPr algn="l"/>
+            <a:r>
+              <a:rPr lang="en-US" sz="4800" dirty="0" smtClean="0">
+                <a:latin typeface="Comic Sans MS"/>
+                <a:cs typeface="Comic Sans MS"/>
+              </a:rPr>
+              <a:t>increase your probability</a:t>
+            </a:r>
+          </a:p>
+          <a:p>
+            <a:pPr algn="l"/>
+            <a:r>
+              <a:rPr lang="en-US" sz="4800" dirty="0" smtClean="0">
+                <a:latin typeface="Comic Sans MS"/>
+                <a:cs typeface="Comic Sans MS"/>
+              </a:rPr>
+              <a:t>of TB 100 times.</a:t>
+            </a:r>
+          </a:p>
+        </p:txBody>
+      </p:sp>
+      <p:sp>
+        <p:nvSpPr>
+          <p:cNvPr id="7" name="Rectangle 4"/>
+          <p:cNvSpPr txBox="1">
+            <a:spLocks noChangeArrowheads="1"/>
+          </p:cNvSpPr>
+          <p:nvPr/>
+        </p:nvSpPr>
+        <p:spPr bwMode="auto">
+          <a:xfrm>
+            <a:off x="1355099" y="250306"/>
+            <a:ext cx="7266290" cy="1112484"/>
+          </a:xfrm>
+          <a:prstGeom prst="rect">
+            <a:avLst/>
+          </a:prstGeom>
+          <a:noFill/>
+          <a:ln w="9525">
+            <a:noFill/>
+            <a:miter lim="800000"/>
+            <a:headEnd/>
+            <a:tailEnd/>
+          </a:ln>
+        </p:spPr>
+        <p:txBody>
+          <a:bodyPr vert="horz" wrap="square" lIns="91440" tIns="45720" rIns="91440" bIns="45720" numCol="1" anchor="ctr" anchorCtr="0" compatLnSpc="1">
+            <a:prstTxWarp prst="textNoShape">
+              <a:avLst/>
+            </a:prstTxWarp>
+          </a:bodyPr>
+          <a:lstStyle>
+            <a:lvl1pPr algn="ctr" rtl="0" eaLnBrk="0" fontAlgn="base" hangingPunct="0">
+              <a:spcBef>
+                <a:spcPct val="0"/>
+              </a:spcBef>
+              <a:spcAft>
+                <a:spcPct val="0"/>
+              </a:spcAft>
+              <a:defRPr sz="3200" b="1">
+                <a:solidFill>
+                  <a:schemeClr val="tx2"/>
+                </a:solidFill>
+                <a:latin typeface="+mj-lt"/>
+                <a:ea typeface="+mj-ea"/>
+                <a:cs typeface="+mj-cs"/>
+              </a:defRPr>
+            </a:lvl1pPr>
+            <a:lvl2pPr algn="ctr" rtl="0" eaLnBrk="0" fontAlgn="base" hangingPunct="0">
+              <a:spcBef>
+                <a:spcPct val="0"/>
+              </a:spcBef>
+              <a:spcAft>
+                <a:spcPct val="0"/>
+              </a:spcAft>
+              <a:defRPr sz="3600" b="1">
+                <a:solidFill>
+                  <a:schemeClr val="tx2"/>
+                </a:solidFill>
+                <a:latin typeface="Comic Sans MS" pitchFamily="66" charset="0"/>
+              </a:defRPr>
+            </a:lvl2pPr>
+            <a:lvl3pPr algn="ctr" rtl="0" eaLnBrk="0" fontAlgn="base" hangingPunct="0">
+              <a:spcBef>
+                <a:spcPct val="0"/>
+              </a:spcBef>
+              <a:spcAft>
+                <a:spcPct val="0"/>
+              </a:spcAft>
+              <a:defRPr sz="3600" b="1">
+                <a:solidFill>
+                  <a:schemeClr val="tx2"/>
+                </a:solidFill>
+                <a:latin typeface="Comic Sans MS" pitchFamily="66" charset="0"/>
+              </a:defRPr>
+            </a:lvl3pPr>
+            <a:lvl4pPr algn="ctr" rtl="0" eaLnBrk="0" fontAlgn="base" hangingPunct="0">
+              <a:spcBef>
+                <a:spcPct val="0"/>
+              </a:spcBef>
+              <a:spcAft>
+                <a:spcPct val="0"/>
+              </a:spcAft>
+              <a:defRPr sz="3600" b="1">
+                <a:solidFill>
+                  <a:schemeClr val="tx2"/>
+                </a:solidFill>
+                <a:latin typeface="Comic Sans MS" pitchFamily="66" charset="0"/>
+              </a:defRPr>
+            </a:lvl4pPr>
+            <a:lvl5pPr algn="ctr" rtl="0" eaLnBrk="0" fontAlgn="base" hangingPunct="0">
+              <a:spcBef>
+                <a:spcPct val="0"/>
+              </a:spcBef>
+              <a:spcAft>
+                <a:spcPct val="0"/>
+              </a:spcAft>
+              <a:defRPr sz="3600" b="1">
+                <a:solidFill>
+                  <a:schemeClr val="tx2"/>
+                </a:solidFill>
+                <a:latin typeface="Comic Sans MS" pitchFamily="66" charset="0"/>
+              </a:defRPr>
+            </a:lvl5pPr>
+            <a:lvl6pPr marL="457200" algn="ctr" rtl="0" fontAlgn="base">
+              <a:spcBef>
+                <a:spcPct val="0"/>
+              </a:spcBef>
+              <a:spcAft>
+                <a:spcPct val="0"/>
+              </a:spcAft>
+              <a:defRPr sz="3600" b="1">
+                <a:solidFill>
+                  <a:schemeClr val="tx2"/>
+                </a:solidFill>
+                <a:latin typeface="Comic Sans MS" pitchFamily="66" charset="0"/>
+              </a:defRPr>
+            </a:lvl6pPr>
+            <a:lvl7pPr marL="914400" algn="ctr" rtl="0" fontAlgn="base">
+              <a:spcBef>
+                <a:spcPct val="0"/>
+              </a:spcBef>
+              <a:spcAft>
+                <a:spcPct val="0"/>
+              </a:spcAft>
+              <a:defRPr sz="3600" b="1">
+                <a:solidFill>
+                  <a:schemeClr val="tx2"/>
+                </a:solidFill>
+                <a:latin typeface="Comic Sans MS" pitchFamily="66" charset="0"/>
+              </a:defRPr>
+            </a:lvl7pPr>
+            <a:lvl8pPr marL="1371600" algn="ctr" rtl="0" fontAlgn="base">
+              <a:spcBef>
+                <a:spcPct val="0"/>
+              </a:spcBef>
+              <a:spcAft>
+                <a:spcPct val="0"/>
+              </a:spcAft>
+              <a:defRPr sz="3600" b="1">
+                <a:solidFill>
+                  <a:schemeClr val="tx2"/>
+                </a:solidFill>
+                <a:latin typeface="Comic Sans MS" pitchFamily="66" charset="0"/>
+              </a:defRPr>
+            </a:lvl8pPr>
+            <a:lvl9pPr marL="1828800" algn="ctr" rtl="0" fontAlgn="base">
+              <a:spcBef>
+                <a:spcPct val="0"/>
+              </a:spcBef>
+              <a:spcAft>
+                <a:spcPct val="0"/>
+              </a:spcAft>
+              <a:defRPr sz="3600" b="1">
+                <a:solidFill>
+                  <a:schemeClr val="tx2"/>
+                </a:solidFill>
+                <a:latin typeface="Comic Sans MS" pitchFamily="66" charset="0"/>
+              </a:defRPr>
+            </a:lvl9pPr>
+          </a:lstStyle>
+          <a:p>
+            <a:pPr eaLnBrk="1" hangingPunct="1"/>
+            <a:r>
+              <a:rPr lang="en-US" sz="4000" dirty="0" smtClean="0">
+                <a:solidFill>
+                  <a:schemeClr val="tx1"/>
+                </a:solidFill>
+                <a:latin typeface="Comic Sans MS"/>
+                <a:cs typeface="Comic Sans MS"/>
+              </a:rPr>
+              <a:t>99% accuracy still useful</a:t>
+            </a:r>
+          </a:p>
+        </p:txBody>
+      </p:sp>
+    </p:spTree>
+    <p:extLst>
+      <p:ext uri="{BB962C8B-B14F-4D97-AF65-F5344CB8AC3E}">
+        <p14:creationId xmlns:p14="http://schemas.microsoft.com/office/powerpoint/2010/main" val="2343297104"/>
+      </p:ext>
+    </p:extLst>
+  </p:cSld>
+  <p:clrMapOvr>
+    <a:masterClrMapping/>
+  </p:clrMapOvr>
+  <p:transition xmlns:p14="http://schemas.microsoft.com/office/powerpoint/2010/main" spd="slow" advClick="0">
+    <p:fade thruBlk="1"/>
+  </p:transition>
+  <p:timing>
+    <p:tnLst>
+      <p:par>
+        <p:cTn xmlns:p14="http://schemas.microsoft.com/office/powerpoint/2010/main" id="1" dur="indefinite" restart="never" nodeType="tmRoot"/>
+      </p:par>
+    </p:tnLst>
   </p:timing>
 </p:sld>
 </file>

--- a/fall15/slidesF15/hypothesis-testing.pptx
+++ b/fall15/slidesF15/hypothesis-testing.pptx
@@ -9252,7 +9252,7 @@
           <a:graphicData uri="http://schemas.openxmlformats.org/presentationml/2006/ole">
             <mc:AlternateContent xmlns:mc="http://schemas.openxmlformats.org/markup-compatibility/2006">
               <mc:Choice xmlns:v="urn:schemas-microsoft-com:vml" Requires="v">
-                <p:oleObj spid="_x0000_s16394" name="Equation" r:id="rId4" imgW="1752600" imgH="241300" progId="Equation.DSMT4">
+                <p:oleObj spid="_x0000_s16395" name="Equation" r:id="rId4" imgW="1752600" imgH="241300" progId="Equation.DSMT4">
                   <p:embed/>
                 </p:oleObj>
               </mc:Choice>
@@ -9756,7 +9756,7 @@
           <a:graphicData uri="http://schemas.openxmlformats.org/presentationml/2006/ole">
             <mc:AlternateContent xmlns:mc="http://schemas.openxmlformats.org/markup-compatibility/2006">
               <mc:Choice xmlns:v="urn:schemas-microsoft-com:vml" Requires="v">
-                <p:oleObj spid="_x0000_s17432" name="Equation" r:id="rId4" imgW="1016000" imgH="241300" progId="Equation.DSMT4">
+                <p:oleObj spid="_x0000_s17434" name="Equation" r:id="rId4" imgW="1016000" imgH="241300" progId="Equation.DSMT4">
                   <p:embed/>
                 </p:oleObj>
               </mc:Choice>
@@ -9813,7 +9813,7 @@
           <a:graphicData uri="http://schemas.openxmlformats.org/presentationml/2006/ole">
             <mc:AlternateContent xmlns:mc="http://schemas.openxmlformats.org/markup-compatibility/2006">
               <mc:Choice xmlns:v="urn:schemas-microsoft-com:vml" Requires="v">
-                <p:oleObj spid="_x0000_s17433" name="Equation" r:id="rId6" imgW="1562100" imgH="469900" progId="Equation.DSMT4">
+                <p:oleObj spid="_x0000_s17435" name="Equation" r:id="rId6" imgW="1562100" imgH="469900" progId="Equation.DSMT4">
                   <p:embed/>
                 </p:oleObj>
               </mc:Choice>
@@ -10366,7 +10366,7 @@
           <a:graphicData uri="http://schemas.openxmlformats.org/presentationml/2006/ole">
             <mc:AlternateContent xmlns:mc="http://schemas.openxmlformats.org/markup-compatibility/2006">
               <mc:Choice xmlns:v="urn:schemas-microsoft-com:vml" Requires="v">
-                <p:oleObj spid="_x0000_s1043" name="Equation" r:id="rId3" imgW="1257300" imgH="495300" progId="Equation.DSMT4">
+                <p:oleObj spid="_x0000_s1044" name="Equation" r:id="rId3" imgW="1257300" imgH="495300" progId="Equation.DSMT4">
                   <p:embed/>
                 </p:oleObj>
               </mc:Choice>
@@ -10623,7 +10623,7 @@
           <a:graphicData uri="http://schemas.openxmlformats.org/presentationml/2006/ole">
             <mc:AlternateContent xmlns:mc="http://schemas.openxmlformats.org/markup-compatibility/2006">
               <mc:Choice xmlns:v="urn:schemas-microsoft-com:vml" Requires="v">
-                <p:oleObj spid="_x0000_s32787" name="Equation" r:id="rId4" imgW="1739900" imgH="495300" progId="Equation.DSMT4">
+                <p:oleObj spid="_x0000_s32788" name="Equation" r:id="rId4" imgW="1739900" imgH="495300" progId="Equation.DSMT4">
                   <p:embed/>
                 </p:oleObj>
               </mc:Choice>
@@ -10937,7 +10937,7 @@
           <a:graphicData uri="http://schemas.openxmlformats.org/presentationml/2006/ole">
             <mc:AlternateContent xmlns:mc="http://schemas.openxmlformats.org/markup-compatibility/2006">
               <mc:Choice xmlns:v="urn:schemas-microsoft-com:vml" Requires="v">
-                <p:oleObj spid="_x0000_s35854" name="Equation" r:id="rId4" imgW="2108200" imgH="495300" progId="Equation.DSMT4">
+                <p:oleObj spid="_x0000_s35856" name="Equation" r:id="rId4" imgW="2108200" imgH="495300" progId="Equation.DSMT4">
                   <p:embed/>
                 </p:oleObj>
               </mc:Choice>
@@ -10994,7 +10994,7 @@
           <a:graphicData uri="http://schemas.openxmlformats.org/presentationml/2006/ole">
             <mc:AlternateContent xmlns:mc="http://schemas.openxmlformats.org/markup-compatibility/2006">
               <mc:Choice xmlns:v="urn:schemas-microsoft-com:vml" Requires="v">
-                <p:oleObj spid="_x0000_s35855" name="Equation" r:id="rId6" imgW="2514600" imgH="495300" progId="Equation.DSMT4">
+                <p:oleObj spid="_x0000_s35857" name="Equation" r:id="rId6" imgW="2514600" imgH="495300" progId="Equation.DSMT4">
                   <p:embed/>
                 </p:oleObj>
               </mc:Choice>
@@ -11360,7 +11360,7 @@
           <a:graphicData uri="http://schemas.openxmlformats.org/presentationml/2006/ole">
             <mc:AlternateContent xmlns:mc="http://schemas.openxmlformats.org/markup-compatibility/2006">
               <mc:Choice xmlns:v="urn:schemas-microsoft-com:vml" Requires="v">
-                <p:oleObj spid="_x0000_s37904" name="Equation" r:id="rId4" imgW="2108200" imgH="495300" progId="Equation.DSMT4">
+                <p:oleObj spid="_x0000_s37906" name="Equation" r:id="rId4" imgW="2108200" imgH="495300" progId="Equation.DSMT4">
                   <p:embed/>
                 </p:oleObj>
               </mc:Choice>
@@ -11417,7 +11417,7 @@
           <a:graphicData uri="http://schemas.openxmlformats.org/presentationml/2006/ole">
             <mc:AlternateContent xmlns:mc="http://schemas.openxmlformats.org/markup-compatibility/2006">
               <mc:Choice xmlns:v="urn:schemas-microsoft-com:vml" Requires="v">
-                <p:oleObj spid="_x0000_s37905" name="Equation" r:id="rId6" imgW="2514600" imgH="495300" progId="Equation.DSMT4">
+                <p:oleObj spid="_x0000_s37907" name="Equation" r:id="rId6" imgW="2514600" imgH="495300" progId="Equation.DSMT4">
                   <p:embed/>
                 </p:oleObj>
               </mc:Choice>
@@ -11752,7 +11752,7 @@
           <a:graphicData uri="http://schemas.openxmlformats.org/presentationml/2006/ole">
             <mc:AlternateContent xmlns:mc="http://schemas.openxmlformats.org/markup-compatibility/2006">
               <mc:Choice xmlns:v="urn:schemas-microsoft-com:vml" Requires="v">
-                <p:oleObj spid="_x0000_s65539" name="Equation" r:id="rId4" imgW="1054100" imgH="228600" progId="Equation.DSMT4">
+                <p:oleObj spid="_x0000_s65541" name="Equation" r:id="rId4" imgW="1054100" imgH="228600" progId="Equation.DSMT4">
                   <p:embed/>
                 </p:oleObj>
               </mc:Choice>
@@ -11809,7 +11809,7 @@
           <a:graphicData uri="http://schemas.openxmlformats.org/presentationml/2006/ole">
             <mc:AlternateContent xmlns:mc="http://schemas.openxmlformats.org/markup-compatibility/2006">
               <mc:Choice xmlns:v="urn:schemas-microsoft-com:vml" Requires="v">
-                <p:oleObj spid="_x0000_s65540" name="Equation" r:id="rId6" imgW="2362200" imgH="495300" progId="Equation.DSMT4">
+                <p:oleObj spid="_x0000_s65542" name="Equation" r:id="rId6" imgW="2362200" imgH="495300" progId="Equation.DSMT4">
                   <p:embed/>
                 </p:oleObj>
               </mc:Choice>
@@ -12144,7 +12144,7 @@
           <a:graphicData uri="http://schemas.openxmlformats.org/presentationml/2006/ole">
             <mc:AlternateContent xmlns:mc="http://schemas.openxmlformats.org/markup-compatibility/2006">
               <mc:Choice xmlns:v="urn:schemas-microsoft-com:vml" Requires="v">
-                <p:oleObj spid="_x0000_s36882" name="Equation" r:id="rId4" imgW="1879600" imgH="495300" progId="Equation.DSMT4">
+                <p:oleObj spid="_x0000_s36884" name="Equation" r:id="rId4" imgW="1879600" imgH="495300" progId="Equation.DSMT4">
                   <p:embed/>
                 </p:oleObj>
               </mc:Choice>
@@ -12201,7 +12201,7 @@
           <a:graphicData uri="http://schemas.openxmlformats.org/presentationml/2006/ole">
             <mc:AlternateContent xmlns:mc="http://schemas.openxmlformats.org/markup-compatibility/2006">
               <mc:Choice xmlns:v="urn:schemas-microsoft-com:vml" Requires="v">
-                <p:oleObj spid="_x0000_s36883" name="Equation" r:id="rId6" imgW="1054100" imgH="228600" progId="Equation.DSMT4">
+                <p:oleObj spid="_x0000_s36885" name="Equation" r:id="rId6" imgW="1054100" imgH="228600" progId="Equation.DSMT4">
                   <p:embed/>
                 </p:oleObj>
               </mc:Choice>
@@ -12482,7 +12482,7 @@
           <a:graphicData uri="http://schemas.openxmlformats.org/presentationml/2006/ole">
             <mc:AlternateContent xmlns:mc="http://schemas.openxmlformats.org/markup-compatibility/2006">
               <mc:Choice xmlns:v="urn:schemas-microsoft-com:vml" Requires="v">
-                <p:oleObj spid="_x0000_s38937" name="Equation" r:id="rId4" imgW="1955800" imgH="495300" progId="Equation.DSMT4">
+                <p:oleObj spid="_x0000_s38939" name="Equation" r:id="rId4" imgW="1955800" imgH="495300" progId="Equation.DSMT4">
                   <p:embed/>
                 </p:oleObj>
               </mc:Choice>
@@ -12539,7 +12539,7 @@
           <a:graphicData uri="http://schemas.openxmlformats.org/presentationml/2006/ole">
             <mc:AlternateContent xmlns:mc="http://schemas.openxmlformats.org/markup-compatibility/2006">
               <mc:Choice xmlns:v="urn:schemas-microsoft-com:vml" Requires="v">
-                <p:oleObj spid="_x0000_s38938" name="Equation" r:id="rId6" imgW="1054100" imgH="228600" progId="Equation.DSMT4">
+                <p:oleObj spid="_x0000_s38940" name="Equation" r:id="rId6" imgW="1054100" imgH="228600" progId="Equation.DSMT4">
                   <p:embed/>
                 </p:oleObj>
               </mc:Choice>
@@ -12829,7 +12829,7 @@
           <a:graphicData uri="http://schemas.openxmlformats.org/presentationml/2006/ole">
             <mc:AlternateContent xmlns:mc="http://schemas.openxmlformats.org/markup-compatibility/2006">
               <mc:Choice xmlns:v="urn:schemas-microsoft-com:vml" Requires="v">
-                <p:oleObj spid="_x0000_s43028" name="Equation" r:id="rId4" imgW="1803400" imgH="495300" progId="Equation.DSMT4">
+                <p:oleObj spid="_x0000_s43031" name="Equation" r:id="rId4" imgW="1803400" imgH="495300" progId="Equation.DSMT4">
                   <p:embed/>
                 </p:oleObj>
               </mc:Choice>
@@ -12886,7 +12886,7 @@
           <a:graphicData uri="http://schemas.openxmlformats.org/presentationml/2006/ole">
             <mc:AlternateContent xmlns:mc="http://schemas.openxmlformats.org/markup-compatibility/2006">
               <mc:Choice xmlns:v="urn:schemas-microsoft-com:vml" Requires="v">
-                <p:oleObj spid="_x0000_s43029" name="Equation" r:id="rId6" imgW="635000" imgH="469900" progId="Equation.DSMT4">
+                <p:oleObj spid="_x0000_s43032" name="Equation" r:id="rId6" imgW="635000" imgH="469900" progId="Equation.DSMT4">
                   <p:embed/>
                 </p:oleObj>
               </mc:Choice>
@@ -12943,7 +12943,7 @@
           <a:graphicData uri="http://schemas.openxmlformats.org/presentationml/2006/ole">
             <mc:AlternateContent xmlns:mc="http://schemas.openxmlformats.org/markup-compatibility/2006">
               <mc:Choice xmlns:v="urn:schemas-microsoft-com:vml" Requires="v">
-                <p:oleObj spid="_x0000_s43030" name="Equation" r:id="rId8" imgW="1054100" imgH="228600" progId="Equation.DSMT4">
+                <p:oleObj spid="_x0000_s43033" name="Equation" r:id="rId8" imgW="1054100" imgH="228600" progId="Equation.DSMT4">
                   <p:embed/>
                 </p:oleObj>
               </mc:Choice>
@@ -13309,7 +13309,7 @@
           <a:graphicData uri="http://schemas.openxmlformats.org/presentationml/2006/ole">
             <mc:AlternateContent xmlns:mc="http://schemas.openxmlformats.org/markup-compatibility/2006">
               <mc:Choice xmlns:v="urn:schemas-microsoft-com:vml" Requires="v">
-                <p:oleObj spid="_x0000_s44052" name="Equation" r:id="rId4" imgW="1803400" imgH="495300" progId="Equation.DSMT4">
+                <p:oleObj spid="_x0000_s44055" name="Equation" r:id="rId4" imgW="1803400" imgH="495300" progId="Equation.DSMT4">
                   <p:embed/>
                 </p:oleObj>
               </mc:Choice>
@@ -13366,7 +13366,7 @@
           <a:graphicData uri="http://schemas.openxmlformats.org/presentationml/2006/ole">
             <mc:AlternateContent xmlns:mc="http://schemas.openxmlformats.org/markup-compatibility/2006">
               <mc:Choice xmlns:v="urn:schemas-microsoft-com:vml" Requires="v">
-                <p:oleObj spid="_x0000_s44053" name="Equation" r:id="rId6" imgW="635000" imgH="469900" progId="Equation.DSMT4">
+                <p:oleObj spid="_x0000_s44056" name="Equation" r:id="rId6" imgW="635000" imgH="469900" progId="Equation.DSMT4">
                   <p:embed/>
                 </p:oleObj>
               </mc:Choice>
@@ -13423,7 +13423,7 @@
           <a:graphicData uri="http://schemas.openxmlformats.org/presentationml/2006/ole">
             <mc:AlternateContent xmlns:mc="http://schemas.openxmlformats.org/markup-compatibility/2006">
               <mc:Choice xmlns:v="urn:schemas-microsoft-com:vml" Requires="v">
-                <p:oleObj spid="_x0000_s44054" name="Equation" r:id="rId8" imgW="1054100" imgH="228600" progId="Equation.DSMT4">
+                <p:oleObj spid="_x0000_s44057" name="Equation" r:id="rId8" imgW="1054100" imgH="228600" progId="Equation.DSMT4">
                   <p:embed/>
                 </p:oleObj>
               </mc:Choice>
@@ -13789,7 +13789,7 @@
           <a:graphicData uri="http://schemas.openxmlformats.org/presentationml/2006/ole">
             <mc:AlternateContent xmlns:mc="http://schemas.openxmlformats.org/markup-compatibility/2006">
               <mc:Choice xmlns:v="urn:schemas-microsoft-com:vml" Requires="v">
-                <p:oleObj spid="_x0000_s64522" name="Equation" r:id="rId4" imgW="1803400" imgH="469900" progId="Equation.DSMT4">
+                <p:oleObj spid="_x0000_s64525" name="Equation" r:id="rId4" imgW="1803400" imgH="469900" progId="Equation.DSMT4">
                   <p:embed/>
                 </p:oleObj>
               </mc:Choice>
@@ -13846,7 +13846,7 @@
           <a:graphicData uri="http://schemas.openxmlformats.org/presentationml/2006/ole">
             <mc:AlternateContent xmlns:mc="http://schemas.openxmlformats.org/markup-compatibility/2006">
               <mc:Choice xmlns:v="urn:schemas-microsoft-com:vml" Requires="v">
-                <p:oleObj spid="_x0000_s64523" name="Equation" r:id="rId6" imgW="635000" imgH="469900" progId="Equation.DSMT4">
+                <p:oleObj spid="_x0000_s64526" name="Equation" r:id="rId6" imgW="635000" imgH="469900" progId="Equation.DSMT4">
                   <p:embed/>
                 </p:oleObj>
               </mc:Choice>
@@ -13903,7 +13903,7 @@
           <a:graphicData uri="http://schemas.openxmlformats.org/presentationml/2006/ole">
             <mc:AlternateContent xmlns:mc="http://schemas.openxmlformats.org/markup-compatibility/2006">
               <mc:Choice xmlns:v="urn:schemas-microsoft-com:vml" Requires="v">
-                <p:oleObj spid="_x0000_s64524" name="Equation" r:id="rId8" imgW="1054100" imgH="228600" progId="Equation.DSMT4">
+                <p:oleObj spid="_x0000_s64527" name="Equation" r:id="rId8" imgW="1054100" imgH="228600" progId="Equation.DSMT4">
                   <p:embed/>
                 </p:oleObj>
               </mc:Choice>
@@ -14269,7 +14269,7 @@
           <a:graphicData uri="http://schemas.openxmlformats.org/presentationml/2006/ole">
             <mc:AlternateContent xmlns:mc="http://schemas.openxmlformats.org/markup-compatibility/2006">
               <mc:Choice xmlns:v="urn:schemas-microsoft-com:vml" Requires="v">
-                <p:oleObj spid="_x0000_s66565" name="Equation" r:id="rId4" imgW="1041400" imgH="215900" progId="Equation.DSMT4">
+                <p:oleObj spid="_x0000_s66567" name="Equation" r:id="rId4" imgW="1041400" imgH="215900" progId="Equation.DSMT4">
                   <p:embed/>
                 </p:oleObj>
               </mc:Choice>
@@ -14326,7 +14326,7 @@
           <a:graphicData uri="http://schemas.openxmlformats.org/presentationml/2006/ole">
             <mc:AlternateContent xmlns:mc="http://schemas.openxmlformats.org/markup-compatibility/2006">
               <mc:Choice xmlns:v="urn:schemas-microsoft-com:vml" Requires="v">
-                <p:oleObj spid="_x0000_s66566" name="Equation" r:id="rId6" imgW="1054100" imgH="228600" progId="Equation.DSMT4">
+                <p:oleObj spid="_x0000_s66568" name="Equation" r:id="rId6" imgW="1054100" imgH="228600" progId="Equation.DSMT4">
                   <p:embed/>
                 </p:oleObj>
               </mc:Choice>
@@ -14674,7 +14674,7 @@
           <a:graphicData uri="http://schemas.openxmlformats.org/presentationml/2006/ole">
             <mc:AlternateContent xmlns:mc="http://schemas.openxmlformats.org/markup-compatibility/2006">
               <mc:Choice xmlns:v="urn:schemas-microsoft-com:vml" Requires="v">
-                <p:oleObj spid="_x0000_s31758" name="Equation" r:id="rId3" imgW="952500" imgH="469900" progId="Equation.DSMT4">
+                <p:oleObj spid="_x0000_s31760" name="Equation" r:id="rId3" imgW="952500" imgH="469900" progId="Equation.DSMT4">
                   <p:embed/>
                 </p:oleObj>
               </mc:Choice>
@@ -14731,7 +14731,7 @@
           <a:graphicData uri="http://schemas.openxmlformats.org/presentationml/2006/ole">
             <mc:AlternateContent xmlns:mc="http://schemas.openxmlformats.org/markup-compatibility/2006">
               <mc:Choice xmlns:v="urn:schemas-microsoft-com:vml" Requires="v">
-                <p:oleObj spid="_x0000_s31759" name="Equation" r:id="rId5" imgW="1701800" imgH="469900" progId="Equation.DSMT4">
+                <p:oleObj spid="_x0000_s31761" name="Equation" r:id="rId5" imgW="1701800" imgH="469900" progId="Equation.DSMT4">
                   <p:embed/>
                 </p:oleObj>
               </mc:Choice>
@@ -15242,7 +15242,7 @@
           <a:graphicData uri="http://schemas.openxmlformats.org/presentationml/2006/ole">
             <mc:AlternateContent xmlns:mc="http://schemas.openxmlformats.org/markup-compatibility/2006">
               <mc:Choice xmlns:v="urn:schemas-microsoft-com:vml" Requires="v">
-                <p:oleObj spid="_x0000_s39959" name="Equation" r:id="rId4" imgW="2108200" imgH="495300" progId="Equation.DSMT4">
+                <p:oleObj spid="_x0000_s39962" name="Equation" r:id="rId4" imgW="2108200" imgH="495300" progId="Equation.DSMT4">
                   <p:embed/>
                 </p:oleObj>
               </mc:Choice>
@@ -15299,7 +15299,7 @@
           <a:graphicData uri="http://schemas.openxmlformats.org/presentationml/2006/ole">
             <mc:AlternateContent xmlns:mc="http://schemas.openxmlformats.org/markup-compatibility/2006">
               <mc:Choice xmlns:v="urn:schemas-microsoft-com:vml" Requires="v">
-                <p:oleObj spid="_x0000_s39960" name="Equation" r:id="rId6" imgW="2108200" imgH="495300" progId="Equation.DSMT4">
+                <p:oleObj spid="_x0000_s39963" name="Equation" r:id="rId6" imgW="2108200" imgH="495300" progId="Equation.DSMT4">
                   <p:embed/>
                 </p:oleObj>
               </mc:Choice>
@@ -15356,7 +15356,7 @@
           <a:graphicData uri="http://schemas.openxmlformats.org/presentationml/2006/ole">
             <mc:AlternateContent xmlns:mc="http://schemas.openxmlformats.org/markup-compatibility/2006">
               <mc:Choice xmlns:v="urn:schemas-microsoft-com:vml" Requires="v">
-                <p:oleObj spid="_x0000_s39961" name="Equation" r:id="rId8" imgW="1955800" imgH="495300" progId="Equation.DSMT4">
+                <p:oleObj spid="_x0000_s39964" name="Equation" r:id="rId8" imgW="1955800" imgH="495300" progId="Equation.DSMT4">
                   <p:embed/>
                 </p:oleObj>
               </mc:Choice>
@@ -15646,7 +15646,7 @@
           <a:graphicData uri="http://schemas.openxmlformats.org/presentationml/2006/ole">
             <mc:AlternateContent xmlns:mc="http://schemas.openxmlformats.org/markup-compatibility/2006">
               <mc:Choice xmlns:v="urn:schemas-microsoft-com:vml" Requires="v">
-                <p:oleObj spid="_x0000_s40980" name="Equation" r:id="rId4" imgW="2108200" imgH="495300" progId="Equation.DSMT4">
+                <p:oleObj spid="_x0000_s40983" name="Equation" r:id="rId4" imgW="2108200" imgH="495300" progId="Equation.DSMT4">
                   <p:embed/>
                 </p:oleObj>
               </mc:Choice>
@@ -15703,7 +15703,7 @@
           <a:graphicData uri="http://schemas.openxmlformats.org/presentationml/2006/ole">
             <mc:AlternateContent xmlns:mc="http://schemas.openxmlformats.org/markup-compatibility/2006">
               <mc:Choice xmlns:v="urn:schemas-microsoft-com:vml" Requires="v">
-                <p:oleObj spid="_x0000_s40981" name="Equation" r:id="rId6" imgW="2108200" imgH="495300" progId="Equation.DSMT4">
+                <p:oleObj spid="_x0000_s40984" name="Equation" r:id="rId6" imgW="2108200" imgH="495300" progId="Equation.DSMT4">
                   <p:embed/>
                 </p:oleObj>
               </mc:Choice>
@@ -15760,7 +15760,7 @@
           <a:graphicData uri="http://schemas.openxmlformats.org/presentationml/2006/ole">
             <mc:AlternateContent xmlns:mc="http://schemas.openxmlformats.org/markup-compatibility/2006">
               <mc:Choice xmlns:v="urn:schemas-microsoft-com:vml" Requires="v">
-                <p:oleObj spid="_x0000_s40982" name="Equation" r:id="rId8" imgW="1397000" imgH="469900" progId="Equation.DSMT4">
+                <p:oleObj spid="_x0000_s40985" name="Equation" r:id="rId8" imgW="1397000" imgH="469900" progId="Equation.DSMT4">
                   <p:embed/>
                 </p:oleObj>
               </mc:Choice>
@@ -16017,7 +16017,7 @@
           <a:graphicData uri="http://schemas.openxmlformats.org/presentationml/2006/ole">
             <mc:AlternateContent xmlns:mc="http://schemas.openxmlformats.org/markup-compatibility/2006">
               <mc:Choice xmlns:v="urn:schemas-microsoft-com:vml" Requires="v">
-                <p:oleObj spid="_x0000_s18467" name="Equation" r:id="rId4" imgW="914400" imgH="495300" progId="Equation.DSMT4">
+                <p:oleObj spid="_x0000_s18470" name="Equation" r:id="rId4" imgW="914400" imgH="495300" progId="Equation.DSMT4">
                   <p:embed/>
                 </p:oleObj>
               </mc:Choice>
@@ -16109,7 +16109,7 @@
           <a:graphicData uri="http://schemas.openxmlformats.org/presentationml/2006/ole">
             <mc:AlternateContent xmlns:mc="http://schemas.openxmlformats.org/markup-compatibility/2006">
               <mc:Choice xmlns:v="urn:schemas-microsoft-com:vml" Requires="v">
-                <p:oleObj spid="_x0000_s18468" name="Equation" r:id="rId6" imgW="1422400" imgH="495300" progId="Equation.DSMT4">
+                <p:oleObj spid="_x0000_s18471" name="Equation" r:id="rId6" imgW="1422400" imgH="495300" progId="Equation.DSMT4">
                   <p:embed/>
                 </p:oleObj>
               </mc:Choice>
@@ -16321,7 +16321,7 @@
           <a:graphicData uri="http://schemas.openxmlformats.org/presentationml/2006/ole">
             <mc:AlternateContent xmlns:mc="http://schemas.openxmlformats.org/markup-compatibility/2006">
               <mc:Choice xmlns:v="urn:schemas-microsoft-com:vml" Requires="v">
-                <p:oleObj spid="_x0000_s18469" name="Equation" r:id="rId8" imgW="1041400" imgH="228600" progId="Equation.DSMT4">
+                <p:oleObj spid="_x0000_s18472" name="Equation" r:id="rId8" imgW="1041400" imgH="228600" progId="Equation.DSMT4">
                   <p:embed/>
                 </p:oleObj>
               </mc:Choice>
@@ -16807,7 +16807,7 @@
           <a:graphicData uri="http://schemas.openxmlformats.org/presentationml/2006/ole">
             <mc:AlternateContent xmlns:mc="http://schemas.openxmlformats.org/markup-compatibility/2006">
               <mc:Choice xmlns:v="urn:schemas-microsoft-com:vml" Requires="v">
-                <p:oleObj spid="_x0000_s34833" name="Equation" r:id="rId4" imgW="914400" imgH="495300" progId="Equation.DSMT4">
+                <p:oleObj spid="_x0000_s34836" name="Equation" r:id="rId4" imgW="914400" imgH="495300" progId="Equation.DSMT4">
                   <p:embed/>
                 </p:oleObj>
               </mc:Choice>
@@ -16899,7 +16899,7 @@
           <a:graphicData uri="http://schemas.openxmlformats.org/presentationml/2006/ole">
             <mc:AlternateContent xmlns:mc="http://schemas.openxmlformats.org/markup-compatibility/2006">
               <mc:Choice xmlns:v="urn:schemas-microsoft-com:vml" Requires="v">
-                <p:oleObj spid="_x0000_s34834" name="Equation" r:id="rId6" imgW="1422400" imgH="495300" progId="Equation.DSMT4">
+                <p:oleObj spid="_x0000_s34837" name="Equation" r:id="rId6" imgW="1422400" imgH="495300" progId="Equation.DSMT4">
                   <p:embed/>
                 </p:oleObj>
               </mc:Choice>
@@ -17111,7 +17111,7 @@
           <a:graphicData uri="http://schemas.openxmlformats.org/presentationml/2006/ole">
             <mc:AlternateContent xmlns:mc="http://schemas.openxmlformats.org/markup-compatibility/2006">
               <mc:Choice xmlns:v="urn:schemas-microsoft-com:vml" Requires="v">
-                <p:oleObj spid="_x0000_s34835" name="Equation" r:id="rId8" imgW="825500" imgH="228600" progId="Equation.DSMT4">
+                <p:oleObj spid="_x0000_s34838" name="Equation" r:id="rId8" imgW="825500" imgH="228600" progId="Equation.DSMT4">
                   <p:embed/>
                 </p:oleObj>
               </mc:Choice>
@@ -17597,7 +17597,7 @@
           <a:graphicData uri="http://schemas.openxmlformats.org/presentationml/2006/ole">
             <mc:AlternateContent xmlns:mc="http://schemas.openxmlformats.org/markup-compatibility/2006">
               <mc:Choice xmlns:v="urn:schemas-microsoft-com:vml" Requires="v">
-                <p:oleObj spid="_x0000_s19474" name="Equation" r:id="rId4" imgW="1727200" imgH="495300" progId="Equation.DSMT4">
+                <p:oleObj spid="_x0000_s19476" name="Equation" r:id="rId4" imgW="1727200" imgH="495300" progId="Equation.DSMT4">
                   <p:embed/>
                 </p:oleObj>
               </mc:Choice>
@@ -17687,7 +17687,7 @@
           <a:graphicData uri="http://schemas.openxmlformats.org/presentationml/2006/ole">
             <mc:AlternateContent xmlns:mc="http://schemas.openxmlformats.org/markup-compatibility/2006">
               <mc:Choice xmlns:v="urn:schemas-microsoft-com:vml" Requires="v">
-                <p:oleObj spid="_x0000_s19475" name="Equation" r:id="rId6" imgW="723900" imgH="495300" progId="Equation.DSMT4">
+                <p:oleObj spid="_x0000_s19477" name="Equation" r:id="rId6" imgW="723900" imgH="495300" progId="Equation.DSMT4">
                   <p:embed/>
                 </p:oleObj>
               </mc:Choice>
@@ -17944,7 +17944,7 @@
           <a:graphicData uri="http://schemas.openxmlformats.org/presentationml/2006/ole">
             <mc:AlternateContent xmlns:mc="http://schemas.openxmlformats.org/markup-compatibility/2006">
               <mc:Choice xmlns:v="urn:schemas-microsoft-com:vml" Requires="v">
-                <p:oleObj spid="_x0000_s20491" name="Equation" r:id="rId4" imgW="546100" imgH="203200" progId="Equation.DSMT4">
+                <p:oleObj spid="_x0000_s20492" name="Equation" r:id="rId4" imgW="546100" imgH="203200" progId="Equation.DSMT4">
                   <p:embed/>
                 </p:oleObj>
               </mc:Choice>
@@ -18675,7 +18675,7 @@
           <a:graphicData uri="http://schemas.openxmlformats.org/presentationml/2006/ole">
             <mc:AlternateContent xmlns:mc="http://schemas.openxmlformats.org/markup-compatibility/2006">
               <mc:Choice xmlns:v="urn:schemas-microsoft-com:vml" Requires="v">
-                <p:oleObj spid="_x0000_s21524" name="Equation" r:id="rId4" imgW="2425700" imgH="457200" progId="Equation.DSMT4">
+                <p:oleObj spid="_x0000_s21526" name="Equation" r:id="rId4" imgW="2425700" imgH="457200" progId="Equation.DSMT4">
                   <p:embed/>
                 </p:oleObj>
               </mc:Choice>
@@ -18907,7 +18907,7 @@
           <a:graphicData uri="http://schemas.openxmlformats.org/presentationml/2006/ole">
             <mc:AlternateContent xmlns:mc="http://schemas.openxmlformats.org/markup-compatibility/2006">
               <mc:Choice xmlns:v="urn:schemas-microsoft-com:vml" Requires="v">
-                <p:oleObj spid="_x0000_s21525" name="Equation" r:id="rId6" imgW="546100" imgH="203200" progId="Equation.DSMT4">
+                <p:oleObj spid="_x0000_s21527" name="Equation" r:id="rId6" imgW="546100" imgH="203200" progId="Equation.DSMT4">
                   <p:embed/>
                 </p:oleObj>
               </mc:Choice>
@@ -19418,7 +19418,7 @@
           <a:graphicData uri="http://schemas.openxmlformats.org/presentationml/2006/ole">
             <mc:AlternateContent xmlns:mc="http://schemas.openxmlformats.org/markup-compatibility/2006">
               <mc:Choice xmlns:v="urn:schemas-microsoft-com:vml" Requires="v">
-                <p:oleObj spid="_x0000_s22548" name="Equation" r:id="rId4" imgW="2425700" imgH="457200" progId="Equation.DSMT4">
+                <p:oleObj spid="_x0000_s22550" name="Equation" r:id="rId4" imgW="2425700" imgH="457200" progId="Equation.DSMT4">
                   <p:embed/>
                 </p:oleObj>
               </mc:Choice>
@@ -19475,7 +19475,7 @@
           <a:graphicData uri="http://schemas.openxmlformats.org/presentationml/2006/ole">
             <mc:AlternateContent xmlns:mc="http://schemas.openxmlformats.org/markup-compatibility/2006">
               <mc:Choice xmlns:v="urn:schemas-microsoft-com:vml" Requires="v">
-                <p:oleObj spid="_x0000_s22549" name="Equation" r:id="rId6" imgW="2032000" imgH="660400" progId="Equation.DSMT4">
+                <p:oleObj spid="_x0000_s22551" name="Equation" r:id="rId6" imgW="2032000" imgH="660400" progId="Equation.DSMT4">
                   <p:embed/>
                 </p:oleObj>
               </mc:Choice>
@@ -19986,7 +19986,7 @@
           <a:graphicData uri="http://schemas.openxmlformats.org/presentationml/2006/ole">
             <mc:AlternateContent xmlns:mc="http://schemas.openxmlformats.org/markup-compatibility/2006">
               <mc:Choice xmlns:v="urn:schemas-microsoft-com:vml" Requires="v">
-                <p:oleObj spid="_x0000_s23572" name="Equation" r:id="rId4" imgW="2425700" imgH="457200" progId="Equation.DSMT4">
+                <p:oleObj spid="_x0000_s23574" name="Equation" r:id="rId4" imgW="2425700" imgH="457200" progId="Equation.DSMT4">
                   <p:embed/>
                 </p:oleObj>
               </mc:Choice>
@@ -20043,7 +20043,7 @@
           <a:graphicData uri="http://schemas.openxmlformats.org/presentationml/2006/ole">
             <mc:AlternateContent xmlns:mc="http://schemas.openxmlformats.org/markup-compatibility/2006">
               <mc:Choice xmlns:v="urn:schemas-microsoft-com:vml" Requires="v">
-                <p:oleObj spid="_x0000_s23573" name="Equation" r:id="rId6" imgW="1981200" imgH="660400" progId="Equation.DSMT4">
+                <p:oleObj spid="_x0000_s23575" name="Equation" r:id="rId6" imgW="1981200" imgH="660400" progId="Equation.DSMT4">
                   <p:embed/>
                 </p:oleObj>
               </mc:Choice>
@@ -20475,7 +20475,7 @@
           <a:graphicData uri="http://schemas.openxmlformats.org/presentationml/2006/ole">
             <mc:AlternateContent xmlns:mc="http://schemas.openxmlformats.org/markup-compatibility/2006">
               <mc:Choice xmlns:v="urn:schemas-microsoft-com:vml" Requires="v">
-                <p:oleObj spid="_x0000_s24596" name="Equation" r:id="rId4" imgW="2425700" imgH="457200" progId="Equation.DSMT4">
+                <p:oleObj spid="_x0000_s24598" name="Equation" r:id="rId4" imgW="2425700" imgH="457200" progId="Equation.DSMT4">
                   <p:embed/>
                 </p:oleObj>
               </mc:Choice>
@@ -20707,7 +20707,7 @@
           <a:graphicData uri="http://schemas.openxmlformats.org/presentationml/2006/ole">
             <mc:AlternateContent xmlns:mc="http://schemas.openxmlformats.org/markup-compatibility/2006">
               <mc:Choice xmlns:v="urn:schemas-microsoft-com:vml" Requires="v">
-                <p:oleObj spid="_x0000_s24597" name="Equation" r:id="rId6" imgW="1371600" imgH="469900" progId="Equation.DSMT4">
+                <p:oleObj spid="_x0000_s24599" name="Equation" r:id="rId6" imgW="1371600" imgH="469900" progId="Equation.DSMT4">
                   <p:embed/>
                 </p:oleObj>
               </mc:Choice>
@@ -21076,7 +21076,7 @@
           <a:graphicData uri="http://schemas.openxmlformats.org/presentationml/2006/ole">
             <mc:AlternateContent xmlns:mc="http://schemas.openxmlformats.org/markup-compatibility/2006">
               <mc:Choice xmlns:v="urn:schemas-microsoft-com:vml" Requires="v">
-                <p:oleObj spid="_x0000_s25618" name="Equation" r:id="rId4" imgW="1358900" imgH="495300" progId="Equation.DSMT4">
+                <p:oleObj spid="_x0000_s25620" name="Equation" r:id="rId4" imgW="1358900" imgH="495300" progId="Equation.DSMT4">
                   <p:embed/>
                 </p:oleObj>
               </mc:Choice>
@@ -21133,7 +21133,7 @@
           <a:graphicData uri="http://schemas.openxmlformats.org/presentationml/2006/ole">
             <mc:AlternateContent xmlns:mc="http://schemas.openxmlformats.org/markup-compatibility/2006">
               <mc:Choice xmlns:v="urn:schemas-microsoft-com:vml" Requires="v">
-                <p:oleObj spid="_x0000_s25619" name="Equation" r:id="rId6" imgW="1397000" imgH="698500" progId="Equation.DSMT4">
+                <p:oleObj spid="_x0000_s25621" name="Equation" r:id="rId6" imgW="1397000" imgH="698500" progId="Equation.DSMT4">
                   <p:embed/>
                 </p:oleObj>
               </mc:Choice>
@@ -21490,7 +21490,7 @@
           <a:graphicData uri="http://schemas.openxmlformats.org/presentationml/2006/ole">
             <mc:AlternateContent xmlns:mc="http://schemas.openxmlformats.org/markup-compatibility/2006">
               <mc:Choice xmlns:v="urn:schemas-microsoft-com:vml" Requires="v">
-                <p:oleObj spid="_x0000_s26644" name="Equation" r:id="rId4" imgW="1358900" imgH="495300" progId="Equation.DSMT4">
+                <p:oleObj spid="_x0000_s26646" name="Equation" r:id="rId4" imgW="1358900" imgH="495300" progId="Equation.DSMT4">
                   <p:embed/>
                 </p:oleObj>
               </mc:Choice>
@@ -21547,7 +21547,7 @@
           <a:graphicData uri="http://schemas.openxmlformats.org/presentationml/2006/ole">
             <mc:AlternateContent xmlns:mc="http://schemas.openxmlformats.org/markup-compatibility/2006">
               <mc:Choice xmlns:v="urn:schemas-microsoft-com:vml" Requires="v">
-                <p:oleObj spid="_x0000_s26645" name="Equation" r:id="rId6" imgW="1104900" imgH="508000" progId="Equation.DSMT4">
+                <p:oleObj spid="_x0000_s26647" name="Equation" r:id="rId6" imgW="1104900" imgH="508000" progId="Equation.DSMT4">
                   <p:embed/>
                 </p:oleObj>
               </mc:Choice>
@@ -22213,7 +22213,7 @@
           <a:graphicData uri="http://schemas.openxmlformats.org/presentationml/2006/ole">
             <mc:AlternateContent xmlns:mc="http://schemas.openxmlformats.org/markup-compatibility/2006">
               <mc:Choice xmlns:v="urn:schemas-microsoft-com:vml" Requires="v">
-                <p:oleObj spid="_x0000_s27659" name="Equation" r:id="rId4" imgW="1193800" imgH="495300" progId="Equation.DSMT4">
+                <p:oleObj spid="_x0000_s27660" name="Equation" r:id="rId4" imgW="1193800" imgH="495300" progId="Equation.DSMT4">
                   <p:embed/>
                 </p:oleObj>
               </mc:Choice>
@@ -22847,7 +22847,7 @@
           <a:graphicData uri="http://schemas.openxmlformats.org/presentationml/2006/ole">
             <mc:AlternateContent xmlns:mc="http://schemas.openxmlformats.org/markup-compatibility/2006">
               <mc:Choice xmlns:v="urn:schemas-microsoft-com:vml" Requires="v">
-                <p:oleObj spid="_x0000_s62466" name="Equation" r:id="rId4" imgW="1333500" imgH="495300" progId="Equation.DSMT4">
+                <p:oleObj spid="_x0000_s62467" name="Equation" r:id="rId4" imgW="1333500" imgH="495300" progId="Equation.DSMT4">
                   <p:embed/>
                 </p:oleObj>
               </mc:Choice>
@@ -23481,7 +23481,7 @@
           <a:graphicData uri="http://schemas.openxmlformats.org/presentationml/2006/ole">
             <mc:AlternateContent xmlns:mc="http://schemas.openxmlformats.org/markup-compatibility/2006">
               <mc:Choice xmlns:v="urn:schemas-microsoft-com:vml" Requires="v">
-                <p:oleObj spid="_x0000_s63490" name="Equation" r:id="rId4" imgW="1524000" imgH="495300" progId="Equation.DSMT4">
+                <p:oleObj spid="_x0000_s63491" name="Equation" r:id="rId4" imgW="1524000" imgH="495300" progId="Equation.DSMT4">
                   <p:embed/>
                 </p:oleObj>
               </mc:Choice>
@@ -24000,7 +24000,7 @@
           <a:graphicData uri="http://schemas.openxmlformats.org/presentationml/2006/ole">
             <mc:AlternateContent xmlns:mc="http://schemas.openxmlformats.org/markup-compatibility/2006">
               <mc:Choice xmlns:v="urn:schemas-microsoft-com:vml" Requires="v">
-                <p:oleObj spid="_x0000_s28690" name="Equation" r:id="rId4" imgW="1778000" imgH="508000" progId="Equation.DSMT4">
+                <p:oleObj spid="_x0000_s28692" name="Equation" r:id="rId4" imgW="1778000" imgH="508000" progId="Equation.DSMT4">
                   <p:embed/>
                 </p:oleObj>
               </mc:Choice>
@@ -24057,7 +24057,7 @@
           <a:graphicData uri="http://schemas.openxmlformats.org/presentationml/2006/ole">
             <mc:AlternateContent xmlns:mc="http://schemas.openxmlformats.org/markup-compatibility/2006">
               <mc:Choice xmlns:v="urn:schemas-microsoft-com:vml" Requires="v">
-                <p:oleObj spid="_x0000_s28691" name="Equation" r:id="rId6" imgW="1346200" imgH="889000" progId="Equation.DSMT4">
+                <p:oleObj spid="_x0000_s28693" name="Equation" r:id="rId6" imgW="1346200" imgH="889000" progId="Equation.DSMT4">
                   <p:embed/>
                 </p:oleObj>
               </mc:Choice>
@@ -24414,7 +24414,7 @@
           <a:graphicData uri="http://schemas.openxmlformats.org/presentationml/2006/ole">
             <mc:AlternateContent xmlns:mc="http://schemas.openxmlformats.org/markup-compatibility/2006">
               <mc:Choice xmlns:v="urn:schemas-microsoft-com:vml" Requires="v">
-                <p:oleObj spid="_x0000_s29728" name="Equation" r:id="rId4" imgW="2413000" imgH="457200" progId="Equation.DSMT4">
+                <p:oleObj spid="_x0000_s29731" name="Equation" r:id="rId4" imgW="2413000" imgH="457200" progId="Equation.DSMT4">
                   <p:embed/>
                 </p:oleObj>
               </mc:Choice>
@@ -24471,7 +24471,7 @@
           <a:graphicData uri="http://schemas.openxmlformats.org/presentationml/2006/ole">
             <mc:AlternateContent xmlns:mc="http://schemas.openxmlformats.org/markup-compatibility/2006">
               <mc:Choice xmlns:v="urn:schemas-microsoft-com:vml" Requires="v">
-                <p:oleObj spid="_x0000_s29729" name="Equation" r:id="rId6" imgW="2235200" imgH="495300" progId="Equation.DSMT4">
+                <p:oleObj spid="_x0000_s29732" name="Equation" r:id="rId6" imgW="2235200" imgH="495300" progId="Equation.DSMT4">
                   <p:embed/>
                 </p:oleObj>
               </mc:Choice>
@@ -24703,7 +24703,7 @@
           <a:graphicData uri="http://schemas.openxmlformats.org/presentationml/2006/ole">
             <mc:AlternateContent xmlns:mc="http://schemas.openxmlformats.org/markup-compatibility/2006">
               <mc:Choice xmlns:v="urn:schemas-microsoft-com:vml" Requires="v">
-                <p:oleObj spid="_x0000_s29730" name="Equation" r:id="rId8" imgW="457200" imgH="469900" progId="Equation.DSMT4">
+                <p:oleObj spid="_x0000_s29733" name="Equation" r:id="rId8" imgW="457200" imgH="469900" progId="Equation.DSMT4">
                   <p:embed/>
                 </p:oleObj>
               </mc:Choice>
@@ -27947,7 +27947,7 @@
           <a:graphicData uri="http://schemas.openxmlformats.org/presentationml/2006/ole">
             <mc:AlternateContent xmlns:mc="http://schemas.openxmlformats.org/markup-compatibility/2006">
               <mc:Choice xmlns:v="urn:schemas-microsoft-com:vml" Requires="v">
-                <p:oleObj spid="_x0000_s30738" name="Equation" r:id="rId3" imgW="2070100" imgH="495300" progId="Equation.DSMT4">
+                <p:oleObj spid="_x0000_s30740" name="Equation" r:id="rId3" imgW="2070100" imgH="495300" progId="Equation.DSMT4">
                   <p:embed/>
                 </p:oleObj>
               </mc:Choice>
@@ -28004,7 +28004,7 @@
           <a:graphicData uri="http://schemas.openxmlformats.org/presentationml/2006/ole">
             <mc:AlternateContent xmlns:mc="http://schemas.openxmlformats.org/markup-compatibility/2006">
               <mc:Choice xmlns:v="urn:schemas-microsoft-com:vml" Requires="v">
-                <p:oleObj spid="_x0000_s30739" name="Equation" r:id="rId5" imgW="1790700" imgH="495300" progId="Equation.DSMT4">
+                <p:oleObj spid="_x0000_s30741" name="Equation" r:id="rId5" imgW="1790700" imgH="495300" progId="Equation.DSMT4">
                   <p:embed/>
                 </p:oleObj>
               </mc:Choice>
